--- a/plugins/org.eclipse.emf.cdo.doc/Diagrams.pptx
+++ b/plugins/org.eclipse.emf.cdo.doc/Diagrams.pptx
@@ -8,6 +8,12 @@
     <p:sldId id="256" r:id="rId2"/>
     <p:sldId id="260" r:id="rId3"/>
     <p:sldId id="259" r:id="rId4"/>
+    <p:sldId id="261" r:id="rId5"/>
+    <p:sldId id="262" r:id="rId6"/>
+    <p:sldId id="264" r:id="rId7"/>
+    <p:sldId id="263" r:id="rId8"/>
+    <p:sldId id="265" r:id="rId9"/>
+    <p:sldId id="266" r:id="rId10"/>
   </p:sldIdLst>
   <p:sldSz cx="9144000" cy="6858000" type="screen4x3"/>
   <p:notesSz cx="6858000" cy="9144000"/>
@@ -291,7 +297,7 @@
             <a:fld id="{A58CA6FC-063C-497E-B88E-2A4ED81C2A99}" type="datetimeFigureOut">
               <a:rPr lang="de-DE" smtClean="0"/>
               <a:pPr/>
-              <a:t>25.09.2011</a:t>
+              <a:t>11.10.2025</a:t>
             </a:fld>
             <a:endParaRPr lang="de-DE"/>
           </a:p>
@@ -458,7 +464,7 @@
             <a:fld id="{A58CA6FC-063C-497E-B88E-2A4ED81C2A99}" type="datetimeFigureOut">
               <a:rPr lang="de-DE" smtClean="0"/>
               <a:pPr/>
-              <a:t>25.09.2011</a:t>
+              <a:t>11.10.2025</a:t>
             </a:fld>
             <a:endParaRPr lang="de-DE"/>
           </a:p>
@@ -635,7 +641,7 @@
             <a:fld id="{A58CA6FC-063C-497E-B88E-2A4ED81C2A99}" type="datetimeFigureOut">
               <a:rPr lang="de-DE" smtClean="0"/>
               <a:pPr/>
-              <a:t>25.09.2011</a:t>
+              <a:t>11.10.2025</a:t>
             </a:fld>
             <a:endParaRPr lang="de-DE"/>
           </a:p>
@@ -802,7 +808,7 @@
             <a:fld id="{A58CA6FC-063C-497E-B88E-2A4ED81C2A99}" type="datetimeFigureOut">
               <a:rPr lang="de-DE" smtClean="0"/>
               <a:pPr/>
-              <a:t>25.09.2011</a:t>
+              <a:t>11.10.2025</a:t>
             </a:fld>
             <a:endParaRPr lang="de-DE"/>
           </a:p>
@@ -1045,7 +1051,7 @@
             <a:fld id="{A58CA6FC-063C-497E-B88E-2A4ED81C2A99}" type="datetimeFigureOut">
               <a:rPr lang="de-DE" smtClean="0"/>
               <a:pPr/>
-              <a:t>25.09.2011</a:t>
+              <a:t>11.10.2025</a:t>
             </a:fld>
             <a:endParaRPr lang="de-DE"/>
           </a:p>
@@ -1330,7 +1336,7 @@
             <a:fld id="{A58CA6FC-063C-497E-B88E-2A4ED81C2A99}" type="datetimeFigureOut">
               <a:rPr lang="de-DE" smtClean="0"/>
               <a:pPr/>
-              <a:t>25.09.2011</a:t>
+              <a:t>11.10.2025</a:t>
             </a:fld>
             <a:endParaRPr lang="de-DE"/>
           </a:p>
@@ -1749,7 +1755,7 @@
             <a:fld id="{A58CA6FC-063C-497E-B88E-2A4ED81C2A99}" type="datetimeFigureOut">
               <a:rPr lang="de-DE" smtClean="0"/>
               <a:pPr/>
-              <a:t>25.09.2011</a:t>
+              <a:t>11.10.2025</a:t>
             </a:fld>
             <a:endParaRPr lang="de-DE"/>
           </a:p>
@@ -1864,7 +1870,7 @@
             <a:fld id="{A58CA6FC-063C-497E-B88E-2A4ED81C2A99}" type="datetimeFigureOut">
               <a:rPr lang="de-DE" smtClean="0"/>
               <a:pPr/>
-              <a:t>25.09.2011</a:t>
+              <a:t>11.10.2025</a:t>
             </a:fld>
             <a:endParaRPr lang="de-DE"/>
           </a:p>
@@ -1956,7 +1962,7 @@
             <a:fld id="{A58CA6FC-063C-497E-B88E-2A4ED81C2A99}" type="datetimeFigureOut">
               <a:rPr lang="de-DE" smtClean="0"/>
               <a:pPr/>
-              <a:t>25.09.2011</a:t>
+              <a:t>11.10.2025</a:t>
             </a:fld>
             <a:endParaRPr lang="de-DE"/>
           </a:p>
@@ -2230,7 +2236,7 @@
             <a:fld id="{A58CA6FC-063C-497E-B88E-2A4ED81C2A99}" type="datetimeFigureOut">
               <a:rPr lang="de-DE" smtClean="0"/>
               <a:pPr/>
-              <a:t>25.09.2011</a:t>
+              <a:t>11.10.2025</a:t>
             </a:fld>
             <a:endParaRPr lang="de-DE"/>
           </a:p>
@@ -2480,7 +2486,7 @@
             <a:fld id="{A58CA6FC-063C-497E-B88E-2A4ED81C2A99}" type="datetimeFigureOut">
               <a:rPr lang="de-DE" smtClean="0"/>
               <a:pPr/>
-              <a:t>25.09.2011</a:t>
+              <a:t>11.10.2025</a:t>
             </a:fld>
             <a:endParaRPr lang="de-DE"/>
           </a:p>
@@ -2690,7 +2696,7 @@
             <a:fld id="{A58CA6FC-063C-497E-B88E-2A4ED81C2A99}" type="datetimeFigureOut">
               <a:rPr lang="de-DE" smtClean="0"/>
               <a:pPr/>
-              <a:t>25.09.2011</a:t>
+              <a:t>11.10.2025</a:t>
             </a:fld>
             <a:endParaRPr lang="de-DE"/>
           </a:p>
@@ -5550,6 +5556,7288 @@
 </p:sld>
 </file>
 
+<file path=ppt/slides/slide4.xml><?xml version="1.0" encoding="utf-8"?>
+<p:sld xmlns:a="http://schemas.openxmlformats.org/drawingml/2006/main" xmlns:r="http://schemas.openxmlformats.org/officeDocument/2006/relationships" xmlns:p="http://schemas.openxmlformats.org/presentationml/2006/main">
+  <p:cSld>
+    <p:spTree>
+      <p:nvGrpSpPr>
+        <p:cNvPr id="1" name=""/>
+        <p:cNvGrpSpPr/>
+        <p:nvPr/>
+      </p:nvGrpSpPr>
+      <p:grpSpPr>
+        <a:xfrm>
+          <a:off x="0" y="0"/>
+          <a:ext cx="0" cy="0"/>
+          <a:chOff x="0" y="0"/>
+          <a:chExt cx="0" cy="0"/>
+        </a:xfrm>
+      </p:grpSpPr>
+      <p:sp>
+        <p:nvSpPr>
+          <p:cNvPr id="23" name="Abgerundetes Rechteck 22"/>
+          <p:cNvSpPr/>
+          <p:nvPr/>
+        </p:nvSpPr>
+        <p:spPr>
+          <a:xfrm>
+            <a:off x="3671900" y="1988840"/>
+            <a:ext cx="1728192" cy="432048"/>
+          </a:xfrm>
+          <a:prstGeom prst="roundRect">
+            <a:avLst/>
+          </a:prstGeom>
+          <a:solidFill>
+            <a:schemeClr val="bg1">
+              <a:lumMod val="85000"/>
+            </a:schemeClr>
+          </a:solidFill>
+          <a:ln w="28575">
+            <a:solidFill>
+              <a:schemeClr val="tx1">
+                <a:lumMod val="50000"/>
+                <a:lumOff val="50000"/>
+              </a:schemeClr>
+            </a:solidFill>
+          </a:ln>
+        </p:spPr>
+        <p:style>
+          <a:lnRef idx="2">
+            <a:schemeClr val="accent1">
+              <a:shade val="50000"/>
+            </a:schemeClr>
+          </a:lnRef>
+          <a:fillRef idx="1">
+            <a:schemeClr val="accent1"/>
+          </a:fillRef>
+          <a:effectRef idx="0">
+            <a:schemeClr val="accent1"/>
+          </a:effectRef>
+          <a:fontRef idx="minor">
+            <a:schemeClr val="lt1"/>
+          </a:fontRef>
+        </p:style>
+        <p:txBody>
+          <a:bodyPr rtlCol="0" anchor="ctr"/>
+          <a:lstStyle/>
+          <a:p>
+            <a:pPr algn="ctr"/>
+            <a:r>
+              <a:rPr lang="de-DE" b="1" smtClean="0">
+                <a:solidFill>
+                  <a:schemeClr val="bg1">
+                    <a:lumMod val="50000"/>
+                  </a:schemeClr>
+                </a:solidFill>
+                <a:latin typeface="Courier New" pitchFamily="49" charset="0"/>
+                <a:cs typeface="Courier New" pitchFamily="49" charset="0"/>
+              </a:rPr>
+              <a:t>EObjectImpl</a:t>
+            </a:r>
+            <a:endParaRPr lang="de-DE" b="1" smtClean="0">
+              <a:solidFill>
+                <a:schemeClr val="bg1">
+                  <a:lumMod val="50000"/>
+                </a:schemeClr>
+              </a:solidFill>
+              <a:latin typeface="Courier New" pitchFamily="49" charset="0"/>
+              <a:cs typeface="Courier New" pitchFamily="49" charset="0"/>
+            </a:endParaRPr>
+          </a:p>
+        </p:txBody>
+      </p:sp>
+      <p:grpSp>
+        <p:nvGrpSpPr>
+          <p:cNvPr id="25" name="Gruppieren 24"/>
+          <p:cNvGrpSpPr/>
+          <p:nvPr/>
+        </p:nvGrpSpPr>
+        <p:grpSpPr>
+          <a:xfrm>
+            <a:off x="4414647" y="2420888"/>
+            <a:ext cx="242698" cy="496224"/>
+            <a:chOff x="7429520" y="1643050"/>
+            <a:chExt cx="571504" cy="1214447"/>
+          </a:xfrm>
+        </p:grpSpPr>
+        <p:cxnSp>
+          <p:nvCxnSpPr>
+            <p:cNvPr id="26" name="Gerade Verbindung 25"/>
+            <p:cNvCxnSpPr/>
+            <p:nvPr/>
+          </p:nvCxnSpPr>
+          <p:spPr>
+            <a:xfrm rot="5400000">
+              <a:off x="7328999" y="2471222"/>
+              <a:ext cx="772549" cy="2"/>
+            </a:xfrm>
+            <a:prstGeom prst="line">
+              <a:avLst/>
+            </a:prstGeom>
+            <a:ln w="28575">
+              <a:solidFill>
+                <a:schemeClr val="tx1">
+                  <a:lumMod val="50000"/>
+                  <a:lumOff val="50000"/>
+                </a:schemeClr>
+              </a:solidFill>
+            </a:ln>
+          </p:spPr>
+          <p:style>
+            <a:lnRef idx="1">
+              <a:schemeClr val="accent1"/>
+            </a:lnRef>
+            <a:fillRef idx="0">
+              <a:schemeClr val="accent1"/>
+            </a:fillRef>
+            <a:effectRef idx="0">
+              <a:schemeClr val="accent1"/>
+            </a:effectRef>
+            <a:fontRef idx="minor">
+              <a:schemeClr val="tx1"/>
+            </a:fontRef>
+          </p:style>
+        </p:cxnSp>
+        <p:sp>
+          <p:nvSpPr>
+            <p:cNvPr id="27" name="Gleichschenkliges Dreieck 26"/>
+            <p:cNvSpPr/>
+            <p:nvPr/>
+          </p:nvSpPr>
+          <p:spPr>
+            <a:xfrm>
+              <a:off x="7429520" y="1643050"/>
+              <a:ext cx="571504" cy="428628"/>
+            </a:xfrm>
+            <a:prstGeom prst="triangle">
+              <a:avLst/>
+            </a:prstGeom>
+            <a:noFill/>
+            <a:ln w="28575">
+              <a:solidFill>
+                <a:schemeClr val="tx1">
+                  <a:lumMod val="50000"/>
+                  <a:lumOff val="50000"/>
+                </a:schemeClr>
+              </a:solidFill>
+            </a:ln>
+          </p:spPr>
+          <p:style>
+            <a:lnRef idx="2">
+              <a:schemeClr val="accent1">
+                <a:shade val="50000"/>
+              </a:schemeClr>
+            </a:lnRef>
+            <a:fillRef idx="1">
+              <a:schemeClr val="accent1"/>
+            </a:fillRef>
+            <a:effectRef idx="0">
+              <a:schemeClr val="accent1"/>
+            </a:effectRef>
+            <a:fontRef idx="minor">
+              <a:schemeClr val="lt1"/>
+            </a:fontRef>
+          </p:style>
+          <p:txBody>
+            <a:bodyPr rtlCol="0" anchor="ctr"/>
+            <a:lstStyle/>
+            <a:p>
+              <a:pPr algn="ctr"/>
+              <a:endParaRPr lang="de-DE"/>
+            </a:p>
+          </p:txBody>
+        </p:sp>
+      </p:grpSp>
+      <p:sp>
+        <p:nvSpPr>
+          <p:cNvPr id="37" name="Abgerundetes Rechteck 36"/>
+          <p:cNvSpPr/>
+          <p:nvPr/>
+        </p:nvSpPr>
+        <p:spPr>
+          <a:xfrm>
+            <a:off x="3347864" y="2924944"/>
+            <a:ext cx="2376264" cy="1944216"/>
+          </a:xfrm>
+          <a:prstGeom prst="roundRect">
+            <a:avLst/>
+          </a:prstGeom>
+          <a:solidFill>
+            <a:schemeClr val="accent1">
+              <a:lumMod val="60000"/>
+              <a:lumOff val="40000"/>
+            </a:schemeClr>
+          </a:solidFill>
+          <a:ln w="28575">
+            <a:solidFill>
+              <a:schemeClr val="tx1">
+                <a:lumMod val="50000"/>
+                <a:lumOff val="50000"/>
+              </a:schemeClr>
+            </a:solidFill>
+          </a:ln>
+        </p:spPr>
+        <p:style>
+          <a:lnRef idx="2">
+            <a:schemeClr val="accent1">
+              <a:shade val="50000"/>
+            </a:schemeClr>
+          </a:lnRef>
+          <a:fillRef idx="1">
+            <a:schemeClr val="accent1"/>
+          </a:fillRef>
+          <a:effectRef idx="0">
+            <a:schemeClr val="accent1"/>
+          </a:effectRef>
+          <a:fontRef idx="minor">
+            <a:schemeClr val="lt1"/>
+          </a:fontRef>
+        </p:style>
+        <p:txBody>
+          <a:bodyPr rtlCol="0" anchor="ctr"/>
+          <a:lstStyle/>
+          <a:p>
+            <a:r>
+              <a:rPr lang="de-DE" b="1" smtClean="0">
+                <a:solidFill>
+                  <a:schemeClr val="tx1">
+                    <a:lumMod val="75000"/>
+                    <a:lumOff val="25000"/>
+                  </a:schemeClr>
+                </a:solidFill>
+                <a:latin typeface="Courier New" pitchFamily="49" charset="0"/>
+                <a:cs typeface="Courier New" pitchFamily="49" charset="0"/>
+              </a:rPr>
+              <a:t>   BookImpl</a:t>
+            </a:r>
+            <a:br>
+              <a:rPr lang="de-DE" b="1" smtClean="0">
+                <a:solidFill>
+                  <a:schemeClr val="tx1">
+                    <a:lumMod val="75000"/>
+                    <a:lumOff val="25000"/>
+                  </a:schemeClr>
+                </a:solidFill>
+                <a:latin typeface="Courier New" pitchFamily="49" charset="0"/>
+                <a:cs typeface="Courier New" pitchFamily="49" charset="0"/>
+              </a:rPr>
+            </a:br>
+            <a:r>
+              <a:rPr lang="de-DE" b="1" smtClean="0">
+                <a:solidFill>
+                  <a:schemeClr val="tx1">
+                    <a:lumMod val="75000"/>
+                    <a:lumOff val="25000"/>
+                  </a:schemeClr>
+                </a:solidFill>
+                <a:latin typeface="Courier New" pitchFamily="49" charset="0"/>
+                <a:cs typeface="Courier New" pitchFamily="49" charset="0"/>
+              </a:rPr>
+              <a:t/>
+            </a:r>
+            <a:br>
+              <a:rPr lang="de-DE" b="1" smtClean="0">
+                <a:solidFill>
+                  <a:schemeClr val="tx1">
+                    <a:lumMod val="75000"/>
+                    <a:lumOff val="25000"/>
+                  </a:schemeClr>
+                </a:solidFill>
+                <a:latin typeface="Courier New" pitchFamily="49" charset="0"/>
+                <a:cs typeface="Courier New" pitchFamily="49" charset="0"/>
+              </a:rPr>
+            </a:br>
+            <a:r>
+              <a:rPr lang="en-US" b="1" smtClean="0">
+                <a:solidFill>
+                  <a:schemeClr val="bg1">
+                    <a:lumMod val="50000"/>
+                  </a:schemeClr>
+                </a:solidFill>
+                <a:latin typeface="Courier New" pitchFamily="49" charset="0"/>
+                <a:cs typeface="Courier New" pitchFamily="49" charset="0"/>
+              </a:rPr>
+              <a:t> String </a:t>
+            </a:r>
+            <a:r>
+              <a:rPr lang="en-US" b="1" smtClean="0">
+                <a:solidFill>
+                  <a:schemeClr val="tx1">
+                    <a:lumMod val="75000"/>
+                    <a:lumOff val="25000"/>
+                  </a:schemeClr>
+                </a:solidFill>
+                <a:latin typeface="Courier New" pitchFamily="49" charset="0"/>
+                <a:cs typeface="Courier New" pitchFamily="49" charset="0"/>
+              </a:rPr>
+              <a:t>title</a:t>
+            </a:r>
+          </a:p>
+          <a:p>
+            <a:r>
+              <a:rPr lang="en-US" b="1" smtClean="0">
+                <a:solidFill>
+                  <a:schemeClr val="bg1">
+                    <a:lumMod val="50000"/>
+                  </a:schemeClr>
+                </a:solidFill>
+                <a:latin typeface="Courier New" pitchFamily="49" charset="0"/>
+                <a:cs typeface="Courier New" pitchFamily="49" charset="0"/>
+              </a:rPr>
+              <a:t>    </a:t>
+            </a:r>
+            <a:r>
+              <a:rPr lang="en-US" b="1" smtClean="0">
+                <a:solidFill>
+                  <a:schemeClr val="bg1">
+                    <a:lumMod val="50000"/>
+                  </a:schemeClr>
+                </a:solidFill>
+                <a:latin typeface="Courier New" pitchFamily="49" charset="0"/>
+                <a:cs typeface="Courier New" pitchFamily="49" charset="0"/>
+              </a:rPr>
+              <a:t>int </a:t>
+            </a:r>
+            <a:r>
+              <a:rPr lang="en-US" b="1" smtClean="0">
+                <a:solidFill>
+                  <a:schemeClr val="tx1">
+                    <a:lumMod val="75000"/>
+                    <a:lumOff val="25000"/>
+                  </a:schemeClr>
+                </a:solidFill>
+                <a:latin typeface="Courier New" pitchFamily="49" charset="0"/>
+                <a:cs typeface="Courier New" pitchFamily="49" charset="0"/>
+              </a:rPr>
+              <a:t>pages</a:t>
+            </a:r>
+          </a:p>
+          <a:p>
+            <a:r>
+              <a:rPr lang="en-US" b="1" smtClean="0">
+                <a:solidFill>
+                  <a:schemeClr val="bg1">
+                    <a:lumMod val="50000"/>
+                  </a:schemeClr>
+                </a:solidFill>
+                <a:latin typeface="Courier New" pitchFamily="49" charset="0"/>
+                <a:cs typeface="Courier New" pitchFamily="49" charset="0"/>
+              </a:rPr>
+              <a:t> </a:t>
+            </a:r>
+            <a:r>
+              <a:rPr lang="en-US" b="1" smtClean="0">
+                <a:solidFill>
+                  <a:schemeClr val="bg1">
+                    <a:lumMod val="50000"/>
+                  </a:schemeClr>
+                </a:solidFill>
+                <a:latin typeface="Courier New" pitchFamily="49" charset="0"/>
+                <a:cs typeface="Courier New" pitchFamily="49" charset="0"/>
+              </a:rPr>
+              <a:t>Writer </a:t>
+            </a:r>
+            <a:r>
+              <a:rPr lang="en-US" b="1" smtClean="0">
+                <a:solidFill>
+                  <a:schemeClr val="tx1">
+                    <a:lumMod val="75000"/>
+                    <a:lumOff val="25000"/>
+                  </a:schemeClr>
+                </a:solidFill>
+                <a:latin typeface="Courier New" pitchFamily="49" charset="0"/>
+                <a:cs typeface="Courier New" pitchFamily="49" charset="0"/>
+              </a:rPr>
+              <a:t>author</a:t>
+            </a:r>
+            <a:endParaRPr lang="de-DE" b="1" smtClean="0">
+              <a:solidFill>
+                <a:schemeClr val="tx1">
+                  <a:lumMod val="75000"/>
+                  <a:lumOff val="25000"/>
+                </a:schemeClr>
+              </a:solidFill>
+              <a:latin typeface="Courier New" pitchFamily="49" charset="0"/>
+              <a:cs typeface="Courier New" pitchFamily="49" charset="0"/>
+            </a:endParaRPr>
+          </a:p>
+        </p:txBody>
+      </p:sp>
+    </p:spTree>
+  </p:cSld>
+  <p:clrMapOvr>
+    <a:masterClrMapping/>
+  </p:clrMapOvr>
+  <p:timing>
+    <p:tnLst>
+      <p:par>
+        <p:cTn id="1" dur="indefinite" restart="never" nodeType="tmRoot">
+          <p:childTnLst>
+            <p:seq concurrent="1" nextAc="seek">
+              <p:cTn id="2" dur="indefinite" nodeType="mainSeq">
+                <p:childTnLst>
+                  <p:par>
+                    <p:cTn id="3" fill="hold">
+                      <p:stCondLst>
+                        <p:cond delay="indefinite"/>
+                        <p:cond evt="onBegin" delay="0">
+                          <p:tn val="2"/>
+                        </p:cond>
+                      </p:stCondLst>
+                      <p:childTnLst>
+                        <p:par>
+                          <p:cTn id="4" fill="hold">
+                            <p:stCondLst>
+                              <p:cond delay="0"/>
+                            </p:stCondLst>
+                            <p:childTnLst>
+                              <p:par>
+                                <p:cTn id="5" presetID="10" presetClass="entr" presetSubtype="0" fill="hold" nodeType="afterEffect">
+                                  <p:stCondLst>
+                                    <p:cond delay="0"/>
+                                  </p:stCondLst>
+                                  <p:childTnLst>
+                                    <p:set>
+                                      <p:cBhvr>
+                                        <p:cTn id="6" dur="1" fill="hold">
+                                          <p:stCondLst>
+                                            <p:cond delay="0"/>
+                                          </p:stCondLst>
+                                        </p:cTn>
+                                        <p:tgtEl>
+                                          <p:spTgt spid="25"/>
+                                        </p:tgtEl>
+                                        <p:attrNameLst>
+                                          <p:attrName>style.visibility</p:attrName>
+                                        </p:attrNameLst>
+                                      </p:cBhvr>
+                                      <p:to>
+                                        <p:strVal val="visible"/>
+                                      </p:to>
+                                    </p:set>
+                                    <p:animEffect transition="in" filter="fade">
+                                      <p:cBhvr>
+                                        <p:cTn id="7" dur="1000"/>
+                                        <p:tgtEl>
+                                          <p:spTgt spid="25"/>
+                                        </p:tgtEl>
+                                      </p:cBhvr>
+                                    </p:animEffect>
+                                  </p:childTnLst>
+                                </p:cTn>
+                              </p:par>
+                            </p:childTnLst>
+                          </p:cTn>
+                        </p:par>
+                      </p:childTnLst>
+                    </p:cTn>
+                  </p:par>
+                  <p:par>
+                    <p:cTn id="8" fill="hold">
+                      <p:stCondLst>
+                        <p:cond delay="indefinite"/>
+                      </p:stCondLst>
+                      <p:childTnLst>
+                        <p:par>
+                          <p:cTn id="9" fill="hold">
+                            <p:stCondLst>
+                              <p:cond delay="0"/>
+                            </p:stCondLst>
+                            <p:childTnLst>
+                              <p:par>
+                                <p:cTn id="10" presetID="10" presetClass="exit" presetSubtype="0" fill="hold" nodeType="clickEffect">
+                                  <p:stCondLst>
+                                    <p:cond delay="0"/>
+                                  </p:stCondLst>
+                                  <p:childTnLst>
+                                    <p:animEffect transition="out" filter="fade">
+                                      <p:cBhvr>
+                                        <p:cTn id="11" dur="1000"/>
+                                        <p:tgtEl>
+                                          <p:spTgt spid="25"/>
+                                        </p:tgtEl>
+                                      </p:cBhvr>
+                                    </p:animEffect>
+                                    <p:set>
+                                      <p:cBhvr>
+                                        <p:cTn id="12" dur="1" fill="hold">
+                                          <p:stCondLst>
+                                            <p:cond delay="999"/>
+                                          </p:stCondLst>
+                                        </p:cTn>
+                                        <p:tgtEl>
+                                          <p:spTgt spid="25"/>
+                                        </p:tgtEl>
+                                        <p:attrNameLst>
+                                          <p:attrName>style.visibility</p:attrName>
+                                        </p:attrNameLst>
+                                      </p:cBhvr>
+                                      <p:to>
+                                        <p:strVal val="hidden"/>
+                                      </p:to>
+                                    </p:set>
+                                  </p:childTnLst>
+                                </p:cTn>
+                              </p:par>
+                            </p:childTnLst>
+                          </p:cTn>
+                        </p:par>
+                      </p:childTnLst>
+                    </p:cTn>
+                  </p:par>
+                </p:childTnLst>
+              </p:cTn>
+              <p:prevCondLst>
+                <p:cond evt="onPrev" delay="0">
+                  <p:tgtEl>
+                    <p:sldTgt/>
+                  </p:tgtEl>
+                </p:cond>
+              </p:prevCondLst>
+              <p:nextCondLst>
+                <p:cond evt="onNext" delay="0">
+                  <p:tgtEl>
+                    <p:sldTgt/>
+                  </p:tgtEl>
+                </p:cond>
+              </p:nextCondLst>
+            </p:seq>
+          </p:childTnLst>
+        </p:cTn>
+      </p:par>
+    </p:tnLst>
+  </p:timing>
+</p:sld>
+</file>
+
+<file path=ppt/slides/slide5.xml><?xml version="1.0" encoding="utf-8"?>
+<p:sld xmlns:a="http://schemas.openxmlformats.org/drawingml/2006/main" xmlns:r="http://schemas.openxmlformats.org/officeDocument/2006/relationships" xmlns:p="http://schemas.openxmlformats.org/presentationml/2006/main">
+  <p:cSld>
+    <p:spTree>
+      <p:nvGrpSpPr>
+        <p:cNvPr id="1" name=""/>
+        <p:cNvGrpSpPr/>
+        <p:nvPr/>
+      </p:nvGrpSpPr>
+      <p:grpSpPr>
+        <a:xfrm>
+          <a:off x="0" y="0"/>
+          <a:ext cx="0" cy="0"/>
+          <a:chOff x="0" y="0"/>
+          <a:chExt cx="0" cy="0"/>
+        </a:xfrm>
+      </p:grpSpPr>
+      <p:sp>
+        <p:nvSpPr>
+          <p:cNvPr id="24" name="Abgerundetes Rechteck 23"/>
+          <p:cNvSpPr/>
+          <p:nvPr/>
+        </p:nvSpPr>
+        <p:spPr>
+          <a:xfrm>
+            <a:off x="2051720" y="1412776"/>
+            <a:ext cx="2016224" cy="432048"/>
+          </a:xfrm>
+          <a:prstGeom prst="roundRect">
+            <a:avLst/>
+          </a:prstGeom>
+          <a:solidFill>
+            <a:schemeClr val="accent1">
+              <a:lumMod val="60000"/>
+              <a:lumOff val="40000"/>
+            </a:schemeClr>
+          </a:solidFill>
+          <a:ln w="28575">
+            <a:solidFill>
+              <a:schemeClr val="tx1">
+                <a:lumMod val="50000"/>
+                <a:lumOff val="50000"/>
+              </a:schemeClr>
+            </a:solidFill>
+          </a:ln>
+        </p:spPr>
+        <p:style>
+          <a:lnRef idx="2">
+            <a:schemeClr val="accent1">
+              <a:shade val="50000"/>
+            </a:schemeClr>
+          </a:lnRef>
+          <a:fillRef idx="1">
+            <a:schemeClr val="accent1"/>
+          </a:fillRef>
+          <a:effectRef idx="0">
+            <a:schemeClr val="accent1"/>
+          </a:effectRef>
+          <a:fontRef idx="minor">
+            <a:schemeClr val="lt1"/>
+          </a:fontRef>
+        </p:style>
+        <p:txBody>
+          <a:bodyPr rtlCol="0" anchor="ctr"/>
+          <a:lstStyle/>
+          <a:p>
+            <a:pPr algn="ctr"/>
+            <a:r>
+              <a:rPr lang="de-DE" b="1" smtClean="0">
+                <a:solidFill>
+                  <a:schemeClr val="tx1">
+                    <a:lumMod val="75000"/>
+                    <a:lumOff val="25000"/>
+                  </a:schemeClr>
+                </a:solidFill>
+                <a:latin typeface="Courier New" pitchFamily="49" charset="0"/>
+                <a:cs typeface="Courier New" pitchFamily="49" charset="0"/>
+              </a:rPr>
+              <a:t>CDOObjectImpl</a:t>
+            </a:r>
+            <a:endParaRPr lang="de-DE" b="1" smtClean="0">
+              <a:solidFill>
+                <a:schemeClr val="tx1">
+                  <a:lumMod val="75000"/>
+                  <a:lumOff val="25000"/>
+                </a:schemeClr>
+              </a:solidFill>
+              <a:latin typeface="Courier New" pitchFamily="49" charset="0"/>
+              <a:cs typeface="Courier New" pitchFamily="49" charset="0"/>
+            </a:endParaRPr>
+          </a:p>
+        </p:txBody>
+      </p:sp>
+      <p:sp>
+        <p:nvSpPr>
+          <p:cNvPr id="29" name="Abgerundetes Rechteck 28"/>
+          <p:cNvSpPr/>
+          <p:nvPr/>
+        </p:nvSpPr>
+        <p:spPr>
+          <a:xfrm>
+            <a:off x="2195736" y="476672"/>
+            <a:ext cx="1728192" cy="432048"/>
+          </a:xfrm>
+          <a:prstGeom prst="roundRect">
+            <a:avLst/>
+          </a:prstGeom>
+          <a:solidFill>
+            <a:schemeClr val="bg1">
+              <a:lumMod val="85000"/>
+            </a:schemeClr>
+          </a:solidFill>
+          <a:ln w="28575">
+            <a:solidFill>
+              <a:schemeClr val="tx1">
+                <a:lumMod val="50000"/>
+                <a:lumOff val="50000"/>
+              </a:schemeClr>
+            </a:solidFill>
+          </a:ln>
+        </p:spPr>
+        <p:style>
+          <a:lnRef idx="2">
+            <a:schemeClr val="accent1">
+              <a:shade val="50000"/>
+            </a:schemeClr>
+          </a:lnRef>
+          <a:fillRef idx="1">
+            <a:schemeClr val="accent1"/>
+          </a:fillRef>
+          <a:effectRef idx="0">
+            <a:schemeClr val="accent1"/>
+          </a:effectRef>
+          <a:fontRef idx="minor">
+            <a:schemeClr val="lt1"/>
+          </a:fontRef>
+        </p:style>
+        <p:txBody>
+          <a:bodyPr rtlCol="0" anchor="ctr"/>
+          <a:lstStyle/>
+          <a:p>
+            <a:pPr algn="ctr"/>
+            <a:r>
+              <a:rPr lang="de-DE" b="1" smtClean="0">
+                <a:solidFill>
+                  <a:schemeClr val="bg1">
+                    <a:lumMod val="50000"/>
+                  </a:schemeClr>
+                </a:solidFill>
+                <a:latin typeface="Courier New" pitchFamily="49" charset="0"/>
+                <a:cs typeface="Courier New" pitchFamily="49" charset="0"/>
+              </a:rPr>
+              <a:t>EObjectImpl</a:t>
+            </a:r>
+            <a:endParaRPr lang="de-DE" b="1" smtClean="0">
+              <a:solidFill>
+                <a:schemeClr val="bg1">
+                  <a:lumMod val="50000"/>
+                </a:schemeClr>
+              </a:solidFill>
+              <a:latin typeface="Courier New" pitchFamily="49" charset="0"/>
+              <a:cs typeface="Courier New" pitchFamily="49" charset="0"/>
+            </a:endParaRPr>
+          </a:p>
+        </p:txBody>
+      </p:sp>
+      <p:grpSp>
+        <p:nvGrpSpPr>
+          <p:cNvPr id="3" name="Gruppieren 29"/>
+          <p:cNvGrpSpPr/>
+          <p:nvPr/>
+        </p:nvGrpSpPr>
+        <p:grpSpPr>
+          <a:xfrm>
+            <a:off x="2938483" y="908720"/>
+            <a:ext cx="242698" cy="496224"/>
+            <a:chOff x="7429520" y="1643050"/>
+            <a:chExt cx="571504" cy="1214447"/>
+          </a:xfrm>
+        </p:grpSpPr>
+        <p:cxnSp>
+          <p:nvCxnSpPr>
+            <p:cNvPr id="31" name="Gerade Verbindung 30"/>
+            <p:cNvCxnSpPr/>
+            <p:nvPr/>
+          </p:nvCxnSpPr>
+          <p:spPr>
+            <a:xfrm rot="5400000">
+              <a:off x="7328999" y="2471222"/>
+              <a:ext cx="772549" cy="2"/>
+            </a:xfrm>
+            <a:prstGeom prst="line">
+              <a:avLst/>
+            </a:prstGeom>
+            <a:ln w="28575">
+              <a:solidFill>
+                <a:schemeClr val="tx1">
+                  <a:lumMod val="50000"/>
+                  <a:lumOff val="50000"/>
+                </a:schemeClr>
+              </a:solidFill>
+            </a:ln>
+          </p:spPr>
+          <p:style>
+            <a:lnRef idx="1">
+              <a:schemeClr val="accent1"/>
+            </a:lnRef>
+            <a:fillRef idx="0">
+              <a:schemeClr val="accent1"/>
+            </a:fillRef>
+            <a:effectRef idx="0">
+              <a:schemeClr val="accent1"/>
+            </a:effectRef>
+            <a:fontRef idx="minor">
+              <a:schemeClr val="tx1"/>
+            </a:fontRef>
+          </p:style>
+        </p:cxnSp>
+        <p:sp>
+          <p:nvSpPr>
+            <p:cNvPr id="32" name="Gleichschenkliges Dreieck 31"/>
+            <p:cNvSpPr/>
+            <p:nvPr/>
+          </p:nvSpPr>
+          <p:spPr>
+            <a:xfrm>
+              <a:off x="7429520" y="1643050"/>
+              <a:ext cx="571504" cy="428628"/>
+            </a:xfrm>
+            <a:prstGeom prst="triangle">
+              <a:avLst/>
+            </a:prstGeom>
+            <a:noFill/>
+            <a:ln w="28575">
+              <a:solidFill>
+                <a:schemeClr val="tx1">
+                  <a:lumMod val="50000"/>
+                  <a:lumOff val="50000"/>
+                </a:schemeClr>
+              </a:solidFill>
+            </a:ln>
+          </p:spPr>
+          <p:style>
+            <a:lnRef idx="2">
+              <a:schemeClr val="accent1">
+                <a:shade val="50000"/>
+              </a:schemeClr>
+            </a:lnRef>
+            <a:fillRef idx="1">
+              <a:schemeClr val="accent1"/>
+            </a:fillRef>
+            <a:effectRef idx="0">
+              <a:schemeClr val="accent1"/>
+            </a:effectRef>
+            <a:fontRef idx="minor">
+              <a:schemeClr val="lt1"/>
+            </a:fontRef>
+          </p:style>
+          <p:txBody>
+            <a:bodyPr rtlCol="0" anchor="ctr"/>
+            <a:lstStyle/>
+            <a:p>
+              <a:pPr algn="ctr"/>
+              <a:endParaRPr lang="de-DE"/>
+            </a:p>
+          </p:txBody>
+        </p:sp>
+      </p:grpSp>
+      <p:grpSp>
+        <p:nvGrpSpPr>
+          <p:cNvPr id="4" name="Gruppieren 32"/>
+          <p:cNvGrpSpPr/>
+          <p:nvPr/>
+        </p:nvGrpSpPr>
+        <p:grpSpPr>
+          <a:xfrm>
+            <a:off x="2938483" y="1844824"/>
+            <a:ext cx="242698" cy="496224"/>
+            <a:chOff x="7429520" y="1643050"/>
+            <a:chExt cx="571504" cy="1214447"/>
+          </a:xfrm>
+        </p:grpSpPr>
+        <p:cxnSp>
+          <p:nvCxnSpPr>
+            <p:cNvPr id="34" name="Gerade Verbindung 33"/>
+            <p:cNvCxnSpPr/>
+            <p:nvPr/>
+          </p:nvCxnSpPr>
+          <p:spPr>
+            <a:xfrm rot="5400000">
+              <a:off x="7328999" y="2471222"/>
+              <a:ext cx="772549" cy="2"/>
+            </a:xfrm>
+            <a:prstGeom prst="line">
+              <a:avLst/>
+            </a:prstGeom>
+            <a:ln w="28575">
+              <a:solidFill>
+                <a:schemeClr val="tx1">
+                  <a:lumMod val="50000"/>
+                  <a:lumOff val="50000"/>
+                </a:schemeClr>
+              </a:solidFill>
+            </a:ln>
+          </p:spPr>
+          <p:style>
+            <a:lnRef idx="1">
+              <a:schemeClr val="accent1"/>
+            </a:lnRef>
+            <a:fillRef idx="0">
+              <a:schemeClr val="accent1"/>
+            </a:fillRef>
+            <a:effectRef idx="0">
+              <a:schemeClr val="accent1"/>
+            </a:effectRef>
+            <a:fontRef idx="minor">
+              <a:schemeClr val="tx1"/>
+            </a:fontRef>
+          </p:style>
+        </p:cxnSp>
+        <p:sp>
+          <p:nvSpPr>
+            <p:cNvPr id="35" name="Gleichschenkliges Dreieck 34"/>
+            <p:cNvSpPr/>
+            <p:nvPr/>
+          </p:nvSpPr>
+          <p:spPr>
+            <a:xfrm>
+              <a:off x="7429520" y="1643050"/>
+              <a:ext cx="571504" cy="428628"/>
+            </a:xfrm>
+            <a:prstGeom prst="triangle">
+              <a:avLst/>
+            </a:prstGeom>
+            <a:noFill/>
+            <a:ln w="28575">
+              <a:solidFill>
+                <a:schemeClr val="tx1">
+                  <a:lumMod val="50000"/>
+                  <a:lumOff val="50000"/>
+                </a:schemeClr>
+              </a:solidFill>
+            </a:ln>
+          </p:spPr>
+          <p:style>
+            <a:lnRef idx="2">
+              <a:schemeClr val="accent1">
+                <a:shade val="50000"/>
+              </a:schemeClr>
+            </a:lnRef>
+            <a:fillRef idx="1">
+              <a:schemeClr val="accent1"/>
+            </a:fillRef>
+            <a:effectRef idx="0">
+              <a:schemeClr val="accent1"/>
+            </a:effectRef>
+            <a:fontRef idx="minor">
+              <a:schemeClr val="lt1"/>
+            </a:fontRef>
+          </p:style>
+          <p:txBody>
+            <a:bodyPr rtlCol="0" anchor="ctr"/>
+            <a:lstStyle/>
+            <a:p>
+              <a:pPr algn="ctr"/>
+              <a:endParaRPr lang="de-DE"/>
+            </a:p>
+          </p:txBody>
+        </p:sp>
+      </p:grpSp>
+      <p:sp>
+        <p:nvSpPr>
+          <p:cNvPr id="39" name="Abgerundetes Rechteck 38"/>
+          <p:cNvSpPr/>
+          <p:nvPr/>
+        </p:nvSpPr>
+        <p:spPr>
+          <a:xfrm>
+            <a:off x="1475656" y="2348880"/>
+            <a:ext cx="3168352" cy="1944216"/>
+          </a:xfrm>
+          <a:prstGeom prst="roundRect">
+            <a:avLst/>
+          </a:prstGeom>
+          <a:solidFill>
+            <a:schemeClr val="accent1">
+              <a:lumMod val="60000"/>
+              <a:lumOff val="40000"/>
+            </a:schemeClr>
+          </a:solidFill>
+          <a:ln w="28575">
+            <a:solidFill>
+              <a:schemeClr val="tx1">
+                <a:lumMod val="50000"/>
+                <a:lumOff val="50000"/>
+              </a:schemeClr>
+            </a:solidFill>
+          </a:ln>
+        </p:spPr>
+        <p:style>
+          <a:lnRef idx="2">
+            <a:schemeClr val="accent1">
+              <a:shade val="50000"/>
+            </a:schemeClr>
+          </a:lnRef>
+          <a:fillRef idx="1">
+            <a:schemeClr val="accent1"/>
+          </a:fillRef>
+          <a:effectRef idx="0">
+            <a:schemeClr val="accent1"/>
+          </a:effectRef>
+          <a:fontRef idx="minor">
+            <a:schemeClr val="lt1"/>
+          </a:fontRef>
+        </p:style>
+        <p:txBody>
+          <a:bodyPr rtlCol="0" anchor="ctr"/>
+          <a:lstStyle/>
+          <a:p>
+            <a:r>
+              <a:rPr lang="de-DE" b="1" smtClean="0">
+                <a:solidFill>
+                  <a:schemeClr val="tx1">
+                    <a:lumMod val="75000"/>
+                    <a:lumOff val="25000"/>
+                  </a:schemeClr>
+                </a:solidFill>
+                <a:latin typeface="Courier New" pitchFamily="49" charset="0"/>
+                <a:cs typeface="Courier New" pitchFamily="49" charset="0"/>
+              </a:rPr>
+              <a:t>      BookImpl</a:t>
+            </a:r>
+            <a:br>
+              <a:rPr lang="de-DE" b="1" smtClean="0">
+                <a:solidFill>
+                  <a:schemeClr val="tx1">
+                    <a:lumMod val="75000"/>
+                    <a:lumOff val="25000"/>
+                  </a:schemeClr>
+                </a:solidFill>
+                <a:latin typeface="Courier New" pitchFamily="49" charset="0"/>
+                <a:cs typeface="Courier New" pitchFamily="49" charset="0"/>
+              </a:rPr>
+            </a:br>
+            <a:r>
+              <a:rPr lang="de-DE" b="1" smtClean="0">
+                <a:solidFill>
+                  <a:schemeClr val="tx1">
+                    <a:lumMod val="75000"/>
+                    <a:lumOff val="25000"/>
+                  </a:schemeClr>
+                </a:solidFill>
+                <a:latin typeface="Courier New" pitchFamily="49" charset="0"/>
+                <a:cs typeface="Courier New" pitchFamily="49" charset="0"/>
+              </a:rPr>
+              <a:t/>
+            </a:r>
+            <a:br>
+              <a:rPr lang="de-DE" b="1" smtClean="0">
+                <a:solidFill>
+                  <a:schemeClr val="tx1">
+                    <a:lumMod val="75000"/>
+                    <a:lumOff val="25000"/>
+                  </a:schemeClr>
+                </a:solidFill>
+                <a:latin typeface="Courier New" pitchFamily="49" charset="0"/>
+                <a:cs typeface="Courier New" pitchFamily="49" charset="0"/>
+              </a:rPr>
+            </a:br>
+            <a:r>
+              <a:rPr lang="en-US" b="1" smtClean="0">
+                <a:solidFill>
+                  <a:schemeClr val="bg1">
+                    <a:lumMod val="50000"/>
+                  </a:schemeClr>
+                </a:solidFill>
+                <a:latin typeface="Courier New" pitchFamily="49" charset="0"/>
+                <a:cs typeface="Courier New" pitchFamily="49" charset="0"/>
+              </a:rPr>
+              <a:t> </a:t>
+            </a:r>
+            <a:r>
+              <a:rPr lang="en-US" b="1" smtClean="0">
+                <a:solidFill>
+                  <a:schemeClr val="bg1">
+                    <a:lumMod val="50000"/>
+                  </a:schemeClr>
+                </a:solidFill>
+                <a:latin typeface="Courier New" pitchFamily="49" charset="0"/>
+                <a:cs typeface="Courier New" pitchFamily="49" charset="0"/>
+              </a:rPr>
+              <a:t>     CDOID </a:t>
+            </a:r>
+            <a:r>
+              <a:rPr lang="en-US" b="1" smtClean="0">
+                <a:solidFill>
+                  <a:schemeClr val="tx1">
+                    <a:lumMod val="75000"/>
+                    <a:lumOff val="25000"/>
+                  </a:schemeClr>
+                </a:solidFill>
+                <a:latin typeface="Courier New" pitchFamily="49" charset="0"/>
+                <a:cs typeface="Courier New" pitchFamily="49" charset="0"/>
+              </a:rPr>
+              <a:t>id</a:t>
+            </a:r>
+          </a:p>
+          <a:p>
+            <a:r>
+              <a:rPr lang="en-US" b="1" smtClean="0">
+                <a:solidFill>
+                  <a:schemeClr val="bg1">
+                    <a:lumMod val="50000"/>
+                  </a:schemeClr>
+                </a:solidFill>
+                <a:latin typeface="Courier New" pitchFamily="49" charset="0"/>
+                <a:cs typeface="Courier New" pitchFamily="49" charset="0"/>
+              </a:rPr>
+              <a:t>   CDOState </a:t>
+            </a:r>
+            <a:r>
+              <a:rPr lang="en-US" b="1" smtClean="0">
+                <a:solidFill>
+                  <a:schemeClr val="tx1">
+                    <a:lumMod val="75000"/>
+                    <a:lumOff val="25000"/>
+                  </a:schemeClr>
+                </a:solidFill>
+                <a:latin typeface="Courier New" pitchFamily="49" charset="0"/>
+                <a:cs typeface="Courier New" pitchFamily="49" charset="0"/>
+              </a:rPr>
+              <a:t>state </a:t>
+            </a:r>
+          </a:p>
+          <a:p>
+            <a:r>
+              <a:rPr lang="en-US" b="1" smtClean="0">
+                <a:solidFill>
+                  <a:schemeClr val="bg1">
+                    <a:lumMod val="50000"/>
+                  </a:schemeClr>
+                </a:solidFill>
+                <a:latin typeface="Courier New" pitchFamily="49" charset="0"/>
+                <a:cs typeface="Courier New" pitchFamily="49" charset="0"/>
+              </a:rPr>
+              <a:t>CDORevision </a:t>
+            </a:r>
+            <a:r>
+              <a:rPr lang="en-US" b="1" smtClean="0">
+                <a:solidFill>
+                  <a:schemeClr val="tx1">
+                    <a:lumMod val="75000"/>
+                    <a:lumOff val="25000"/>
+                  </a:schemeClr>
+                </a:solidFill>
+                <a:latin typeface="Courier New" pitchFamily="49" charset="0"/>
+                <a:cs typeface="Courier New" pitchFamily="49" charset="0"/>
+              </a:rPr>
+              <a:t>revision</a:t>
+            </a:r>
+          </a:p>
+          <a:p>
+            <a:r>
+              <a:rPr lang="en-US" b="1" smtClean="0">
+                <a:solidFill>
+                  <a:schemeClr val="bg1">
+                    <a:lumMod val="50000"/>
+                  </a:schemeClr>
+                </a:solidFill>
+                <a:latin typeface="Courier New" pitchFamily="49" charset="0"/>
+                <a:cs typeface="Courier New" pitchFamily="49" charset="0"/>
+              </a:rPr>
+              <a:t>    CDOView </a:t>
+            </a:r>
+            <a:r>
+              <a:rPr lang="en-US" b="1" smtClean="0">
+                <a:solidFill>
+                  <a:schemeClr val="tx1">
+                    <a:lumMod val="75000"/>
+                    <a:lumOff val="25000"/>
+                  </a:schemeClr>
+                </a:solidFill>
+                <a:latin typeface="Courier New" pitchFamily="49" charset="0"/>
+                <a:cs typeface="Courier New" pitchFamily="49" charset="0"/>
+              </a:rPr>
+              <a:t>view</a:t>
+            </a:r>
+            <a:endParaRPr lang="de-DE" b="1" smtClean="0">
+              <a:solidFill>
+                <a:schemeClr val="tx1">
+                  <a:lumMod val="75000"/>
+                  <a:lumOff val="25000"/>
+                </a:schemeClr>
+              </a:solidFill>
+              <a:latin typeface="Courier New" pitchFamily="49" charset="0"/>
+              <a:cs typeface="Courier New" pitchFamily="49" charset="0"/>
+            </a:endParaRPr>
+          </a:p>
+        </p:txBody>
+      </p:sp>
+      <p:sp>
+        <p:nvSpPr>
+          <p:cNvPr id="40" name="Abgerundetes Rechteck 39"/>
+          <p:cNvSpPr/>
+          <p:nvPr/>
+        </p:nvSpPr>
+        <p:spPr>
+          <a:xfrm>
+            <a:off x="5004048" y="4293096"/>
+            <a:ext cx="2736304" cy="1944216"/>
+          </a:xfrm>
+          <a:prstGeom prst="roundRect">
+            <a:avLst/>
+          </a:prstGeom>
+          <a:solidFill>
+            <a:schemeClr val="accent1">
+              <a:lumMod val="60000"/>
+              <a:lumOff val="40000"/>
+            </a:schemeClr>
+          </a:solidFill>
+          <a:ln w="28575">
+            <a:solidFill>
+              <a:schemeClr val="tx1">
+                <a:lumMod val="50000"/>
+                <a:lumOff val="50000"/>
+              </a:schemeClr>
+            </a:solidFill>
+          </a:ln>
+        </p:spPr>
+        <p:style>
+          <a:lnRef idx="2">
+            <a:schemeClr val="accent1">
+              <a:shade val="50000"/>
+            </a:schemeClr>
+          </a:lnRef>
+          <a:fillRef idx="1">
+            <a:schemeClr val="accent1"/>
+          </a:fillRef>
+          <a:effectRef idx="0">
+            <a:schemeClr val="accent1"/>
+          </a:effectRef>
+          <a:fontRef idx="minor">
+            <a:schemeClr val="lt1"/>
+          </a:fontRef>
+        </p:style>
+        <p:txBody>
+          <a:bodyPr rtlCol="0" anchor="ctr"/>
+          <a:lstStyle/>
+          <a:p>
+            <a:r>
+              <a:rPr lang="de-DE" b="1" smtClean="0">
+                <a:solidFill>
+                  <a:schemeClr val="tx1">
+                    <a:lumMod val="75000"/>
+                    <a:lumOff val="25000"/>
+                  </a:schemeClr>
+                </a:solidFill>
+                <a:latin typeface="Courier New" pitchFamily="49" charset="0"/>
+                <a:cs typeface="Courier New" pitchFamily="49" charset="0"/>
+              </a:rPr>
+              <a:t>   CDORevision</a:t>
+            </a:r>
+            <a:br>
+              <a:rPr lang="de-DE" b="1" smtClean="0">
+                <a:solidFill>
+                  <a:schemeClr val="tx1">
+                    <a:lumMod val="75000"/>
+                    <a:lumOff val="25000"/>
+                  </a:schemeClr>
+                </a:solidFill>
+                <a:latin typeface="Courier New" pitchFamily="49" charset="0"/>
+                <a:cs typeface="Courier New" pitchFamily="49" charset="0"/>
+              </a:rPr>
+            </a:br>
+            <a:r>
+              <a:rPr lang="de-DE" b="1" smtClean="0">
+                <a:solidFill>
+                  <a:schemeClr val="tx1">
+                    <a:lumMod val="75000"/>
+                    <a:lumOff val="25000"/>
+                  </a:schemeClr>
+                </a:solidFill>
+                <a:latin typeface="Courier New" pitchFamily="49" charset="0"/>
+                <a:cs typeface="Courier New" pitchFamily="49" charset="0"/>
+              </a:rPr>
+              <a:t/>
+            </a:r>
+            <a:br>
+              <a:rPr lang="de-DE" b="1" smtClean="0">
+                <a:solidFill>
+                  <a:schemeClr val="tx1">
+                    <a:lumMod val="75000"/>
+                    <a:lumOff val="25000"/>
+                  </a:schemeClr>
+                </a:solidFill>
+                <a:latin typeface="Courier New" pitchFamily="49" charset="0"/>
+                <a:cs typeface="Courier New" pitchFamily="49" charset="0"/>
+              </a:rPr>
+            </a:br>
+            <a:r>
+              <a:rPr lang="en-US" b="1" smtClean="0">
+                <a:solidFill>
+                  <a:schemeClr val="bg1">
+                    <a:lumMod val="50000"/>
+                  </a:schemeClr>
+                </a:solidFill>
+                <a:latin typeface="Courier New" pitchFamily="49" charset="0"/>
+                <a:cs typeface="Courier New" pitchFamily="49" charset="0"/>
+              </a:rPr>
+              <a:t> </a:t>
+            </a:r>
+            <a:r>
+              <a:rPr lang="en-US" b="1" smtClean="0">
+                <a:solidFill>
+                  <a:schemeClr val="bg1">
+                    <a:lumMod val="50000"/>
+                  </a:schemeClr>
+                </a:solidFill>
+                <a:latin typeface="Courier New" pitchFamily="49" charset="0"/>
+                <a:cs typeface="Courier New" pitchFamily="49" charset="0"/>
+              </a:rPr>
+              <a:t>   CDOID </a:t>
+            </a:r>
+            <a:r>
+              <a:rPr lang="en-US" b="1" smtClean="0">
+                <a:solidFill>
+                  <a:schemeClr val="tx1">
+                    <a:lumMod val="75000"/>
+                    <a:lumOff val="25000"/>
+                  </a:schemeClr>
+                </a:solidFill>
+                <a:latin typeface="Courier New" pitchFamily="49" charset="0"/>
+                <a:cs typeface="Courier New" pitchFamily="49" charset="0"/>
+              </a:rPr>
+              <a:t>id</a:t>
+            </a:r>
+          </a:p>
+          <a:p>
+            <a:r>
+              <a:rPr lang="en-US" b="1" smtClean="0">
+                <a:solidFill>
+                  <a:schemeClr val="bg1">
+                    <a:lumMod val="50000"/>
+                  </a:schemeClr>
+                </a:solidFill>
+                <a:latin typeface="Courier New" pitchFamily="49" charset="0"/>
+                <a:cs typeface="Courier New" pitchFamily="49" charset="0"/>
+              </a:rPr>
+              <a:t>CDOBranch</a:t>
+            </a:r>
+            <a:r>
+              <a:rPr lang="en-US" b="1" smtClean="0">
+                <a:solidFill>
+                  <a:schemeClr val="tx1">
+                    <a:lumMod val="75000"/>
+                    <a:lumOff val="25000"/>
+                  </a:schemeClr>
+                </a:solidFill>
+                <a:latin typeface="Courier New" pitchFamily="49" charset="0"/>
+                <a:cs typeface="Courier New" pitchFamily="49" charset="0"/>
+              </a:rPr>
+              <a:t> branch</a:t>
+            </a:r>
+            <a:endParaRPr lang="en-US" b="1" smtClean="0">
+              <a:solidFill>
+                <a:schemeClr val="tx1">
+                  <a:lumMod val="75000"/>
+                  <a:lumOff val="25000"/>
+                </a:schemeClr>
+              </a:solidFill>
+              <a:latin typeface="Courier New" pitchFamily="49" charset="0"/>
+              <a:cs typeface="Courier New" pitchFamily="49" charset="0"/>
+            </a:endParaRPr>
+          </a:p>
+          <a:p>
+            <a:r>
+              <a:rPr lang="en-US" b="1" smtClean="0">
+                <a:solidFill>
+                  <a:schemeClr val="bg1">
+                    <a:lumMod val="50000"/>
+                  </a:schemeClr>
+                </a:solidFill>
+                <a:latin typeface="Courier New" pitchFamily="49" charset="0"/>
+                <a:cs typeface="Courier New" pitchFamily="49" charset="0"/>
+              </a:rPr>
+              <a:t>    </a:t>
+            </a:r>
+            <a:r>
+              <a:rPr lang="en-US" b="1" smtClean="0">
+                <a:solidFill>
+                  <a:schemeClr val="bg1">
+                    <a:lumMod val="50000"/>
+                  </a:schemeClr>
+                </a:solidFill>
+                <a:latin typeface="Courier New" pitchFamily="49" charset="0"/>
+                <a:cs typeface="Courier New" pitchFamily="49" charset="0"/>
+              </a:rPr>
+              <a:t>  int </a:t>
+            </a:r>
+            <a:r>
+              <a:rPr lang="en-US" b="1" smtClean="0">
+                <a:solidFill>
+                  <a:schemeClr val="tx1">
+                    <a:lumMod val="75000"/>
+                    <a:lumOff val="25000"/>
+                  </a:schemeClr>
+                </a:solidFill>
+                <a:latin typeface="Courier New" pitchFamily="49" charset="0"/>
+                <a:cs typeface="Courier New" pitchFamily="49" charset="0"/>
+              </a:rPr>
+              <a:t>version </a:t>
+            </a:r>
+            <a:endParaRPr lang="en-US" b="1" smtClean="0">
+              <a:solidFill>
+                <a:schemeClr val="tx1">
+                  <a:lumMod val="75000"/>
+                  <a:lumOff val="25000"/>
+                </a:schemeClr>
+              </a:solidFill>
+              <a:latin typeface="Courier New" pitchFamily="49" charset="0"/>
+              <a:cs typeface="Courier New" pitchFamily="49" charset="0"/>
+            </a:endParaRPr>
+          </a:p>
+          <a:p>
+            <a:r>
+              <a:rPr lang="en-US" b="1" smtClean="0">
+                <a:solidFill>
+                  <a:schemeClr val="bg1">
+                    <a:lumMod val="50000"/>
+                  </a:schemeClr>
+                </a:solidFill>
+                <a:latin typeface="Courier New" pitchFamily="49" charset="0"/>
+                <a:cs typeface="Courier New" pitchFamily="49" charset="0"/>
+              </a:rPr>
+              <a:t> Object[] </a:t>
+            </a:r>
+            <a:r>
+              <a:rPr lang="en-US" b="1" smtClean="0">
+                <a:solidFill>
+                  <a:schemeClr val="tx1">
+                    <a:lumMod val="75000"/>
+                    <a:lumOff val="25000"/>
+                  </a:schemeClr>
+                </a:solidFill>
+                <a:latin typeface="Courier New" pitchFamily="49" charset="0"/>
+                <a:cs typeface="Courier New" pitchFamily="49" charset="0"/>
+              </a:rPr>
+              <a:t>values</a:t>
+            </a:r>
+            <a:endParaRPr lang="en-US" b="1" smtClean="0">
+              <a:solidFill>
+                <a:schemeClr val="tx1">
+                  <a:lumMod val="75000"/>
+                  <a:lumOff val="25000"/>
+                </a:schemeClr>
+              </a:solidFill>
+              <a:latin typeface="Courier New" pitchFamily="49" charset="0"/>
+              <a:cs typeface="Courier New" pitchFamily="49" charset="0"/>
+            </a:endParaRPr>
+          </a:p>
+        </p:txBody>
+      </p:sp>
+      <p:cxnSp>
+        <p:nvCxnSpPr>
+          <p:cNvPr id="18" name="Form 17"/>
+          <p:cNvCxnSpPr>
+            <a:stCxn id="19" idx="3"/>
+            <a:endCxn id="40" idx="0"/>
+          </p:cNvCxnSpPr>
+          <p:nvPr/>
+        </p:nvCxnSpPr>
+        <p:spPr>
+          <a:xfrm>
+            <a:off x="4644008" y="3730386"/>
+            <a:ext cx="1728192" cy="562710"/>
+          </a:xfrm>
+          <a:prstGeom prst="bentConnector2">
+            <a:avLst/>
+          </a:prstGeom>
+          <a:solidFill>
+            <a:schemeClr val="accent1">
+              <a:lumMod val="60000"/>
+              <a:lumOff val="40000"/>
+            </a:schemeClr>
+          </a:solidFill>
+          <a:ln w="28575">
+            <a:solidFill>
+              <a:schemeClr val="tx1">
+                <a:lumMod val="50000"/>
+                <a:lumOff val="50000"/>
+              </a:schemeClr>
+            </a:solidFill>
+            <a:headEnd type="none" w="med" len="med"/>
+            <a:tailEnd type="arrow" w="med" len="med"/>
+          </a:ln>
+        </p:spPr>
+        <p:style>
+          <a:lnRef idx="2">
+            <a:schemeClr val="accent1">
+              <a:shade val="50000"/>
+            </a:schemeClr>
+          </a:lnRef>
+          <a:fillRef idx="1">
+            <a:schemeClr val="accent1"/>
+          </a:fillRef>
+          <a:effectRef idx="0">
+            <a:schemeClr val="accent1"/>
+          </a:effectRef>
+          <a:fontRef idx="minor">
+            <a:schemeClr val="lt1"/>
+          </a:fontRef>
+        </p:style>
+      </p:cxnSp>
+      <p:sp>
+        <p:nvSpPr>
+          <p:cNvPr id="19" name="Rechteck 18"/>
+          <p:cNvSpPr/>
+          <p:nvPr/>
+        </p:nvSpPr>
+        <p:spPr>
+          <a:xfrm>
+            <a:off x="4449688" y="3633226"/>
+            <a:ext cx="194320" cy="194320"/>
+          </a:xfrm>
+          <a:prstGeom prst="rect">
+            <a:avLst/>
+          </a:prstGeom>
+          <a:noFill/>
+          <a:ln>
+            <a:noFill/>
+          </a:ln>
+        </p:spPr>
+        <p:style>
+          <a:lnRef idx="2">
+            <a:schemeClr val="accent1">
+              <a:shade val="50000"/>
+            </a:schemeClr>
+          </a:lnRef>
+          <a:fillRef idx="1">
+            <a:schemeClr val="accent1"/>
+          </a:fillRef>
+          <a:effectRef idx="0">
+            <a:schemeClr val="accent1"/>
+          </a:effectRef>
+          <a:fontRef idx="minor">
+            <a:schemeClr val="lt1"/>
+          </a:fontRef>
+        </p:style>
+        <p:txBody>
+          <a:bodyPr rtlCol="0" anchor="ctr"/>
+          <a:lstStyle/>
+          <a:p>
+            <a:pPr algn="ctr"/>
+            <a:endParaRPr lang="de-DE"/>
+          </a:p>
+        </p:txBody>
+      </p:sp>
+    </p:spTree>
+  </p:cSld>
+  <p:clrMapOvr>
+    <a:masterClrMapping/>
+  </p:clrMapOvr>
+  <p:timing>
+    <p:tnLst>
+      <p:par>
+        <p:cTn id="1" dur="indefinite" restart="never" nodeType="tmRoot">
+          <p:childTnLst>
+            <p:seq concurrent="1" nextAc="seek">
+              <p:cTn id="2" dur="indefinite" nodeType="mainSeq">
+                <p:childTnLst>
+                  <p:par>
+                    <p:cTn id="3" fill="hold">
+                      <p:stCondLst>
+                        <p:cond delay="indefinite"/>
+                        <p:cond evt="onBegin" delay="0">
+                          <p:tn val="2"/>
+                        </p:cond>
+                      </p:stCondLst>
+                      <p:childTnLst>
+                        <p:par>
+                          <p:cTn id="4" fill="hold">
+                            <p:stCondLst>
+                              <p:cond delay="0"/>
+                            </p:stCondLst>
+                            <p:childTnLst>
+                              <p:par>
+                                <p:cTn id="5" presetID="10" presetClass="entr" presetSubtype="0" fill="hold" nodeType="afterEffect">
+                                  <p:stCondLst>
+                                    <p:cond delay="0"/>
+                                  </p:stCondLst>
+                                  <p:childTnLst>
+                                    <p:set>
+                                      <p:cBhvr>
+                                        <p:cTn id="6" dur="1" fill="hold">
+                                          <p:stCondLst>
+                                            <p:cond delay="0"/>
+                                          </p:stCondLst>
+                                        </p:cTn>
+                                        <p:tgtEl>
+                                          <p:spTgt spid="3"/>
+                                        </p:tgtEl>
+                                        <p:attrNameLst>
+                                          <p:attrName>style.visibility</p:attrName>
+                                        </p:attrNameLst>
+                                      </p:cBhvr>
+                                      <p:to>
+                                        <p:strVal val="visible"/>
+                                      </p:to>
+                                    </p:set>
+                                    <p:animEffect transition="in" filter="fade">
+                                      <p:cBhvr>
+                                        <p:cTn id="7" dur="1000"/>
+                                        <p:tgtEl>
+                                          <p:spTgt spid="3"/>
+                                        </p:tgtEl>
+                                      </p:cBhvr>
+                                    </p:animEffect>
+                                  </p:childTnLst>
+                                </p:cTn>
+                              </p:par>
+                            </p:childTnLst>
+                          </p:cTn>
+                        </p:par>
+                      </p:childTnLst>
+                    </p:cTn>
+                  </p:par>
+                  <p:par>
+                    <p:cTn id="8" fill="hold">
+                      <p:stCondLst>
+                        <p:cond delay="indefinite"/>
+                      </p:stCondLst>
+                      <p:childTnLst>
+                        <p:par>
+                          <p:cTn id="9" fill="hold">
+                            <p:stCondLst>
+                              <p:cond delay="0"/>
+                            </p:stCondLst>
+                            <p:childTnLst>
+                              <p:par>
+                                <p:cTn id="10" presetID="10" presetClass="exit" presetSubtype="0" fill="hold" nodeType="clickEffect">
+                                  <p:stCondLst>
+                                    <p:cond delay="0"/>
+                                  </p:stCondLst>
+                                  <p:childTnLst>
+                                    <p:animEffect transition="out" filter="fade">
+                                      <p:cBhvr>
+                                        <p:cTn id="11" dur="1000"/>
+                                        <p:tgtEl>
+                                          <p:spTgt spid="3"/>
+                                        </p:tgtEl>
+                                      </p:cBhvr>
+                                    </p:animEffect>
+                                    <p:set>
+                                      <p:cBhvr>
+                                        <p:cTn id="12" dur="1" fill="hold">
+                                          <p:stCondLst>
+                                            <p:cond delay="999"/>
+                                          </p:stCondLst>
+                                        </p:cTn>
+                                        <p:tgtEl>
+                                          <p:spTgt spid="3"/>
+                                        </p:tgtEl>
+                                        <p:attrNameLst>
+                                          <p:attrName>style.visibility</p:attrName>
+                                        </p:attrNameLst>
+                                      </p:cBhvr>
+                                      <p:to>
+                                        <p:strVal val="hidden"/>
+                                      </p:to>
+                                    </p:set>
+                                  </p:childTnLst>
+                                </p:cTn>
+                              </p:par>
+                            </p:childTnLst>
+                          </p:cTn>
+                        </p:par>
+                        <p:par>
+                          <p:cTn id="13" fill="hold">
+                            <p:stCondLst>
+                              <p:cond delay="1000"/>
+                            </p:stCondLst>
+                            <p:childTnLst>
+                              <p:par>
+                                <p:cTn id="14" presetID="10" presetClass="entr" presetSubtype="0" fill="hold" nodeType="afterEffect">
+                                  <p:stCondLst>
+                                    <p:cond delay="0"/>
+                                  </p:stCondLst>
+                                  <p:childTnLst>
+                                    <p:set>
+                                      <p:cBhvr>
+                                        <p:cTn id="15" dur="1" fill="hold">
+                                          <p:stCondLst>
+                                            <p:cond delay="0"/>
+                                          </p:stCondLst>
+                                        </p:cTn>
+                                        <p:tgtEl>
+                                          <p:spTgt spid="4"/>
+                                        </p:tgtEl>
+                                        <p:attrNameLst>
+                                          <p:attrName>style.visibility</p:attrName>
+                                        </p:attrNameLst>
+                                      </p:cBhvr>
+                                      <p:to>
+                                        <p:strVal val="visible"/>
+                                      </p:to>
+                                    </p:set>
+                                    <p:animEffect transition="in" filter="fade">
+                                      <p:cBhvr>
+                                        <p:cTn id="16" dur="1000"/>
+                                        <p:tgtEl>
+                                          <p:spTgt spid="4"/>
+                                        </p:tgtEl>
+                                      </p:cBhvr>
+                                    </p:animEffect>
+                                  </p:childTnLst>
+                                </p:cTn>
+                              </p:par>
+                            </p:childTnLst>
+                          </p:cTn>
+                        </p:par>
+                      </p:childTnLst>
+                    </p:cTn>
+                  </p:par>
+                  <p:par>
+                    <p:cTn id="17" fill="hold">
+                      <p:stCondLst>
+                        <p:cond delay="indefinite"/>
+                      </p:stCondLst>
+                      <p:childTnLst>
+                        <p:par>
+                          <p:cTn id="18" fill="hold">
+                            <p:stCondLst>
+                              <p:cond delay="0"/>
+                            </p:stCondLst>
+                            <p:childTnLst>
+                              <p:par>
+                                <p:cTn id="19" presetID="10" presetClass="exit" presetSubtype="0" fill="hold" nodeType="clickEffect">
+                                  <p:stCondLst>
+                                    <p:cond delay="0"/>
+                                  </p:stCondLst>
+                                  <p:childTnLst>
+                                    <p:animEffect transition="out" filter="fade">
+                                      <p:cBhvr>
+                                        <p:cTn id="20" dur="1000"/>
+                                        <p:tgtEl>
+                                          <p:spTgt spid="4"/>
+                                        </p:tgtEl>
+                                      </p:cBhvr>
+                                    </p:animEffect>
+                                    <p:set>
+                                      <p:cBhvr>
+                                        <p:cTn id="21" dur="1" fill="hold">
+                                          <p:stCondLst>
+                                            <p:cond delay="999"/>
+                                          </p:stCondLst>
+                                        </p:cTn>
+                                        <p:tgtEl>
+                                          <p:spTgt spid="4"/>
+                                        </p:tgtEl>
+                                        <p:attrNameLst>
+                                          <p:attrName>style.visibility</p:attrName>
+                                        </p:attrNameLst>
+                                      </p:cBhvr>
+                                      <p:to>
+                                        <p:strVal val="hidden"/>
+                                      </p:to>
+                                    </p:set>
+                                  </p:childTnLst>
+                                </p:cTn>
+                              </p:par>
+                            </p:childTnLst>
+                          </p:cTn>
+                        </p:par>
+                      </p:childTnLst>
+                    </p:cTn>
+                  </p:par>
+                </p:childTnLst>
+              </p:cTn>
+              <p:prevCondLst>
+                <p:cond evt="onPrev" delay="0">
+                  <p:tgtEl>
+                    <p:sldTgt/>
+                  </p:tgtEl>
+                </p:cond>
+              </p:prevCondLst>
+              <p:nextCondLst>
+                <p:cond evt="onNext" delay="0">
+                  <p:tgtEl>
+                    <p:sldTgt/>
+                  </p:tgtEl>
+                </p:cond>
+              </p:nextCondLst>
+            </p:seq>
+          </p:childTnLst>
+        </p:cTn>
+      </p:par>
+    </p:tnLst>
+  </p:timing>
+</p:sld>
+</file>
+
+<file path=ppt/slides/slide6.xml><?xml version="1.0" encoding="utf-8"?>
+<p:sld xmlns:a="http://schemas.openxmlformats.org/drawingml/2006/main" xmlns:r="http://schemas.openxmlformats.org/officeDocument/2006/relationships" xmlns:p="http://schemas.openxmlformats.org/presentationml/2006/main">
+  <p:cSld>
+    <p:spTree>
+      <p:nvGrpSpPr>
+        <p:cNvPr id="1" name=""/>
+        <p:cNvGrpSpPr/>
+        <p:nvPr/>
+      </p:nvGrpSpPr>
+      <p:grpSpPr>
+        <a:xfrm>
+          <a:off x="0" y="0"/>
+          <a:ext cx="0" cy="0"/>
+          <a:chOff x="0" y="0"/>
+          <a:chExt cx="0" cy="0"/>
+        </a:xfrm>
+      </p:grpSpPr>
+      <p:cxnSp>
+        <p:nvCxnSpPr>
+          <p:cNvPr id="2" name="Gewinkelte Verbindung 47"/>
+          <p:cNvCxnSpPr>
+            <a:stCxn id="3" idx="1"/>
+            <a:endCxn id="25" idx="2"/>
+          </p:cNvCxnSpPr>
+          <p:nvPr/>
+        </p:nvCxnSpPr>
+        <p:spPr bwMode="auto">
+          <a:xfrm rot="10800000">
+            <a:off x="1443516" y="2963528"/>
+            <a:ext cx="1300672" cy="278130"/>
+          </a:xfrm>
+          <a:prstGeom prst="bentConnector2">
+            <a:avLst/>
+          </a:prstGeom>
+          <a:solidFill>
+            <a:schemeClr val="accent1"/>
+          </a:solidFill>
+          <a:ln w="38100" cap="flat" cmpd="sng" algn="ctr">
+            <a:solidFill>
+              <a:schemeClr val="tx1">
+                <a:lumMod val="50000"/>
+                <a:lumOff val="50000"/>
+              </a:schemeClr>
+            </a:solidFill>
+            <a:prstDash val="solid"/>
+            <a:round/>
+            <a:headEnd type="none" w="med" len="med"/>
+            <a:tailEnd type="triangle" w="med" len="med"/>
+          </a:ln>
+          <a:effectLst/>
+        </p:spPr>
+      </p:cxnSp>
+      <p:sp>
+        <p:nvSpPr>
+          <p:cNvPr id="3" name="Abgerundetes Rechteck 2"/>
+          <p:cNvSpPr/>
+          <p:nvPr/>
+        </p:nvSpPr>
+        <p:spPr bwMode="auto">
+          <a:xfrm>
+            <a:off x="2744188" y="1000108"/>
+            <a:ext cx="5542587" cy="4483100"/>
+          </a:xfrm>
+          <a:prstGeom prst="roundRect">
+            <a:avLst>
+              <a:gd name="adj" fmla="val 4353"/>
+            </a:avLst>
+          </a:prstGeom>
+          <a:solidFill>
+            <a:schemeClr val="accent1">
+              <a:lumMod val="20000"/>
+              <a:lumOff val="80000"/>
+            </a:schemeClr>
+          </a:solidFill>
+          <a:ln w="57150">
+            <a:solidFill>
+              <a:schemeClr val="accent1">
+                <a:lumMod val="60000"/>
+                <a:lumOff val="40000"/>
+              </a:schemeClr>
+            </a:solidFill>
+          </a:ln>
+        </p:spPr>
+        <p:style>
+          <a:lnRef idx="2">
+            <a:schemeClr val="accent1">
+              <a:shade val="50000"/>
+            </a:schemeClr>
+          </a:lnRef>
+          <a:fillRef idx="1">
+            <a:schemeClr val="accent1"/>
+          </a:fillRef>
+          <a:effectRef idx="0">
+            <a:schemeClr val="accent1"/>
+          </a:effectRef>
+          <a:fontRef idx="minor">
+            <a:schemeClr val="lt1"/>
+          </a:fontRef>
+        </p:style>
+        <p:txBody>
+          <a:bodyPr rtlCol="0" anchor="t"/>
+          <a:lstStyle/>
+          <a:p>
+            <a:pPr marR="0" indent="0" algn="ctr" fontAlgn="base">
+              <a:lnSpc>
+                <a:spcPct val="100000"/>
+              </a:lnSpc>
+              <a:spcBef>
+                <a:spcPct val="0"/>
+              </a:spcBef>
+              <a:spcAft>
+                <a:spcPct val="0"/>
+              </a:spcAft>
+              <a:buClrTx/>
+              <a:buSzTx/>
+              <a:buFontTx/>
+              <a:buNone/>
+              <a:tabLst/>
+            </a:pPr>
+            <a:r>
+              <a:rPr lang="en-US" sz="2800" b="1" smtClean="0">
+                <a:solidFill>
+                  <a:schemeClr val="accent1">
+                    <a:lumMod val="60000"/>
+                    <a:lumOff val="40000"/>
+                  </a:schemeClr>
+                </a:solidFill>
+                <a:latin typeface="Arial" pitchFamily="34" charset="0"/>
+                <a:cs typeface="Arial" pitchFamily="34" charset="0"/>
+              </a:rPr>
+              <a:t>P E R S I S T E N T</a:t>
+            </a:r>
+            <a:endParaRPr lang="en-US" sz="2800" b="1" dirty="0" smtClean="0">
+              <a:solidFill>
+                <a:schemeClr val="accent1">
+                  <a:lumMod val="60000"/>
+                  <a:lumOff val="40000"/>
+                </a:schemeClr>
+              </a:solidFill>
+              <a:latin typeface="Arial" pitchFamily="34" charset="0"/>
+              <a:cs typeface="Arial" pitchFamily="34" charset="0"/>
+            </a:endParaRPr>
+          </a:p>
+        </p:txBody>
+      </p:sp>
+      <p:cxnSp>
+        <p:nvCxnSpPr>
+          <p:cNvPr id="4" name="Gewinkelte Verbindung 47"/>
+          <p:cNvCxnSpPr>
+            <a:stCxn id="26" idx="3"/>
+          </p:cNvCxnSpPr>
+          <p:nvPr/>
+        </p:nvCxnSpPr>
+        <p:spPr bwMode="auto">
+          <a:xfrm>
+            <a:off x="4569261" y="2142776"/>
+            <a:ext cx="618327" cy="858772"/>
+          </a:xfrm>
+          <a:prstGeom prst="bentConnector2">
+            <a:avLst/>
+          </a:prstGeom>
+          <a:solidFill>
+            <a:schemeClr val="accent1"/>
+          </a:solidFill>
+          <a:ln w="38100" cap="flat" cmpd="sng" algn="ctr">
+            <a:solidFill>
+              <a:schemeClr val="tx1">
+                <a:lumMod val="50000"/>
+                <a:lumOff val="50000"/>
+              </a:schemeClr>
+            </a:solidFill>
+            <a:prstDash val="solid"/>
+            <a:round/>
+            <a:headEnd type="none" w="med" len="med"/>
+            <a:tailEnd type="triangle" w="med" len="med"/>
+          </a:ln>
+          <a:effectLst/>
+        </p:spPr>
+      </p:cxnSp>
+      <p:cxnSp>
+        <p:nvCxnSpPr>
+          <p:cNvPr id="5" name="Gewinkelte Verbindung 47"/>
+          <p:cNvCxnSpPr>
+            <a:stCxn id="21" idx="1"/>
+          </p:cNvCxnSpPr>
+          <p:nvPr/>
+        </p:nvCxnSpPr>
+        <p:spPr bwMode="auto">
+          <a:xfrm rot="10800000" flipV="1">
+            <a:off x="5887463" y="2142776"/>
+            <a:ext cx="589913" cy="858772"/>
+          </a:xfrm>
+          <a:prstGeom prst="bentConnector2">
+            <a:avLst/>
+          </a:prstGeom>
+          <a:solidFill>
+            <a:schemeClr val="accent1"/>
+          </a:solidFill>
+          <a:ln w="38100" cap="flat" cmpd="sng" algn="ctr">
+            <a:solidFill>
+              <a:schemeClr val="tx1">
+                <a:lumMod val="50000"/>
+                <a:lumOff val="50000"/>
+              </a:schemeClr>
+            </a:solidFill>
+            <a:prstDash val="solid"/>
+            <a:round/>
+            <a:headEnd type="none" w="med" len="med"/>
+            <a:tailEnd type="triangle" w="med" len="med"/>
+          </a:ln>
+          <a:effectLst/>
+        </p:spPr>
+      </p:cxnSp>
+      <p:cxnSp>
+        <p:nvCxnSpPr>
+          <p:cNvPr id="6" name="Gewinkelte Verbindung 47"/>
+          <p:cNvCxnSpPr>
+            <a:stCxn id="23" idx="3"/>
+          </p:cNvCxnSpPr>
+          <p:nvPr/>
+        </p:nvCxnSpPr>
+        <p:spPr bwMode="auto">
+          <a:xfrm flipV="1">
+            <a:off x="6265361" y="2429031"/>
+            <a:ext cx="622231" cy="858773"/>
+          </a:xfrm>
+          <a:prstGeom prst="bentConnector2">
+            <a:avLst/>
+          </a:prstGeom>
+          <a:solidFill>
+            <a:schemeClr val="accent1"/>
+          </a:solidFill>
+          <a:ln w="38100" cap="flat" cmpd="sng" algn="ctr">
+            <a:solidFill>
+              <a:schemeClr val="tx1">
+                <a:lumMod val="50000"/>
+                <a:lumOff val="50000"/>
+              </a:schemeClr>
+            </a:solidFill>
+            <a:prstDash val="solid"/>
+            <a:round/>
+            <a:headEnd type="none" w="med" len="med"/>
+            <a:tailEnd type="triangle" w="med" len="med"/>
+          </a:ln>
+          <a:effectLst/>
+        </p:spPr>
+      </p:cxnSp>
+      <p:sp>
+        <p:nvSpPr>
+          <p:cNvPr id="7" name="Textfeld 6"/>
+          <p:cNvSpPr txBox="1"/>
+          <p:nvPr/>
+        </p:nvSpPr>
+        <p:spPr>
+          <a:xfrm>
+            <a:off x="7173344" y="2439966"/>
+            <a:ext cx="894797" cy="461665"/>
+          </a:xfrm>
+          <a:prstGeom prst="rect">
+            <a:avLst/>
+          </a:prstGeom>
+          <a:noFill/>
+          <a:ln>
+            <a:noFill/>
+          </a:ln>
+        </p:spPr>
+        <p:txBody>
+          <a:bodyPr wrap="none" rtlCol="0" anchor="ctr">
+            <a:spAutoFit/>
+          </a:bodyPr>
+          <a:lstStyle/>
+          <a:p>
+            <a:r>
+              <a:rPr lang="en-US" sz="1200" b="1" smtClean="0">
+                <a:solidFill>
+                  <a:schemeClr val="tx1">
+                    <a:lumMod val="75000"/>
+                    <a:lumOff val="25000"/>
+                  </a:schemeClr>
+                </a:solidFill>
+                <a:latin typeface="Arial" pitchFamily="34" charset="0"/>
+                <a:cs typeface="Arial" pitchFamily="34" charset="0"/>
+              </a:rPr>
+              <a:t>remote</a:t>
+            </a:r>
+          </a:p>
+          <a:p>
+            <a:r>
+              <a:rPr lang="en-US" sz="1200" b="1" smtClean="0">
+                <a:solidFill>
+                  <a:schemeClr val="tx1">
+                    <a:lumMod val="75000"/>
+                    <a:lumOff val="25000"/>
+                  </a:schemeClr>
+                </a:solidFill>
+                <a:latin typeface="Arial" pitchFamily="34" charset="0"/>
+                <a:cs typeface="Arial" pitchFamily="34" charset="0"/>
+              </a:rPr>
+              <a:t>invalidate</a:t>
+            </a:r>
+            <a:endParaRPr lang="en-US" sz="1200" b="1" dirty="0">
+              <a:solidFill>
+                <a:schemeClr val="tx1">
+                  <a:lumMod val="75000"/>
+                  <a:lumOff val="25000"/>
+                </a:schemeClr>
+              </a:solidFill>
+              <a:latin typeface="Arial" pitchFamily="34" charset="0"/>
+              <a:cs typeface="Arial" pitchFamily="34" charset="0"/>
+            </a:endParaRPr>
+          </a:p>
+        </p:txBody>
+      </p:sp>
+      <p:sp>
+        <p:nvSpPr>
+          <p:cNvPr id="8" name="Textfeld 7"/>
+          <p:cNvSpPr txBox="1"/>
+          <p:nvPr/>
+        </p:nvSpPr>
+        <p:spPr>
+          <a:xfrm>
+            <a:off x="6276411" y="3011470"/>
+            <a:ext cx="543739" cy="276999"/>
+          </a:xfrm>
+          <a:prstGeom prst="rect">
+            <a:avLst/>
+          </a:prstGeom>
+          <a:noFill/>
+          <a:ln>
+            <a:noFill/>
+          </a:ln>
+        </p:spPr>
+        <p:txBody>
+          <a:bodyPr wrap="none" rtlCol="0" anchor="ctr">
+            <a:spAutoFit/>
+          </a:bodyPr>
+          <a:lstStyle/>
+          <a:p>
+            <a:r>
+              <a:rPr lang="en-US" sz="1200" b="1" dirty="0" smtClean="0">
+                <a:solidFill>
+                  <a:schemeClr val="tx1">
+                    <a:lumMod val="75000"/>
+                    <a:lumOff val="25000"/>
+                  </a:schemeClr>
+                </a:solidFill>
+                <a:latin typeface="Arial" pitchFamily="34" charset="0"/>
+                <a:cs typeface="Arial" pitchFamily="34" charset="0"/>
+              </a:rPr>
+              <a:t>write</a:t>
+            </a:r>
+            <a:endParaRPr lang="en-US" sz="1200" b="1" dirty="0">
+              <a:solidFill>
+                <a:schemeClr val="tx1">
+                  <a:lumMod val="75000"/>
+                  <a:lumOff val="25000"/>
+                </a:schemeClr>
+              </a:solidFill>
+              <a:latin typeface="Arial" pitchFamily="34" charset="0"/>
+              <a:cs typeface="Arial" pitchFamily="34" charset="0"/>
+            </a:endParaRPr>
+          </a:p>
+        </p:txBody>
+      </p:sp>
+      <p:sp>
+        <p:nvSpPr>
+          <p:cNvPr id="9" name="Textfeld 8"/>
+          <p:cNvSpPr txBox="1"/>
+          <p:nvPr/>
+        </p:nvSpPr>
+        <p:spPr>
+          <a:xfrm>
+            <a:off x="4542129" y="1868462"/>
+            <a:ext cx="731290" cy="276999"/>
+          </a:xfrm>
+          <a:prstGeom prst="rect">
+            <a:avLst/>
+          </a:prstGeom>
+          <a:noFill/>
+          <a:ln>
+            <a:noFill/>
+          </a:ln>
+        </p:spPr>
+        <p:txBody>
+          <a:bodyPr wrap="none" rtlCol="0" anchor="ctr">
+            <a:spAutoFit/>
+          </a:bodyPr>
+          <a:lstStyle/>
+          <a:p>
+            <a:r>
+              <a:rPr lang="en-US" sz="1200" b="1" smtClean="0">
+                <a:solidFill>
+                  <a:schemeClr val="tx1">
+                    <a:lumMod val="75000"/>
+                    <a:lumOff val="25000"/>
+                  </a:schemeClr>
+                </a:solidFill>
+                <a:latin typeface="Arial" pitchFamily="34" charset="0"/>
+                <a:cs typeface="Arial" pitchFamily="34" charset="0"/>
+              </a:rPr>
+              <a:t>commit</a:t>
+            </a:r>
+          </a:p>
+        </p:txBody>
+      </p:sp>
+      <p:sp>
+        <p:nvSpPr>
+          <p:cNvPr id="10" name="Textfeld 9"/>
+          <p:cNvSpPr txBox="1"/>
+          <p:nvPr/>
+        </p:nvSpPr>
+        <p:spPr>
+          <a:xfrm>
+            <a:off x="3384542" y="3838746"/>
+            <a:ext cx="508473" cy="276999"/>
+          </a:xfrm>
+          <a:prstGeom prst="rect">
+            <a:avLst/>
+          </a:prstGeom>
+          <a:noFill/>
+          <a:ln>
+            <a:noFill/>
+          </a:ln>
+        </p:spPr>
+        <p:txBody>
+          <a:bodyPr wrap="none" rtlCol="0" anchor="ctr">
+            <a:spAutoFit/>
+          </a:bodyPr>
+          <a:lstStyle/>
+          <a:p>
+            <a:r>
+              <a:rPr lang="en-US" sz="1200" b="1" dirty="0" smtClean="0">
+                <a:solidFill>
+                  <a:schemeClr val="tx1">
+                    <a:lumMod val="75000"/>
+                    <a:lumOff val="25000"/>
+                  </a:schemeClr>
+                </a:solidFill>
+                <a:latin typeface="Arial" pitchFamily="34" charset="0"/>
+                <a:cs typeface="Arial" pitchFamily="34" charset="0"/>
+              </a:rPr>
+              <a:t>read</a:t>
+            </a:r>
+            <a:endParaRPr lang="en-US" sz="1200" b="1" dirty="0">
+              <a:solidFill>
+                <a:schemeClr val="tx1">
+                  <a:lumMod val="75000"/>
+                  <a:lumOff val="25000"/>
+                </a:schemeClr>
+              </a:solidFill>
+              <a:latin typeface="Arial" pitchFamily="34" charset="0"/>
+              <a:cs typeface="Arial" pitchFamily="34" charset="0"/>
+            </a:endParaRPr>
+          </a:p>
+        </p:txBody>
+      </p:sp>
+      <p:cxnSp>
+        <p:nvCxnSpPr>
+          <p:cNvPr id="11" name="Gewinkelte Verbindung 47"/>
+          <p:cNvCxnSpPr/>
+          <p:nvPr/>
+        </p:nvCxnSpPr>
+        <p:spPr bwMode="auto">
+          <a:xfrm rot="5400000">
+            <a:off x="6345436" y="3270611"/>
+            <a:ext cx="1678087" cy="785"/>
+          </a:xfrm>
+          <a:prstGeom prst="bentConnector3">
+            <a:avLst>
+              <a:gd name="adj1" fmla="val 50000"/>
+            </a:avLst>
+          </a:prstGeom>
+          <a:solidFill>
+            <a:schemeClr val="accent1"/>
+          </a:solidFill>
+          <a:ln w="38100" cap="flat" cmpd="sng" algn="ctr">
+            <a:solidFill>
+              <a:schemeClr val="tx1">
+                <a:lumMod val="50000"/>
+                <a:lumOff val="50000"/>
+              </a:schemeClr>
+            </a:solidFill>
+            <a:prstDash val="solid"/>
+            <a:round/>
+            <a:headEnd type="none" w="med" len="med"/>
+            <a:tailEnd type="triangle" w="med" len="med"/>
+          </a:ln>
+          <a:effectLst/>
+        </p:spPr>
+      </p:cxnSp>
+      <p:cxnSp>
+        <p:nvCxnSpPr>
+          <p:cNvPr id="12" name="Gewinkelte Verbindung 47"/>
+          <p:cNvCxnSpPr>
+            <a:stCxn id="23" idx="2"/>
+            <a:endCxn id="22" idx="3"/>
+          </p:cNvCxnSpPr>
+          <p:nvPr/>
+        </p:nvCxnSpPr>
+        <p:spPr bwMode="auto">
+          <a:xfrm rot="5400000">
+            <a:off x="4652837" y="3490485"/>
+            <a:ext cx="822241" cy="989392"/>
+          </a:xfrm>
+          <a:prstGeom prst="bentConnector2">
+            <a:avLst/>
+          </a:prstGeom>
+          <a:solidFill>
+            <a:schemeClr val="accent1"/>
+          </a:solidFill>
+          <a:ln w="38100" cap="flat" cmpd="sng" algn="ctr">
+            <a:solidFill>
+              <a:schemeClr val="tx1">
+                <a:lumMod val="50000"/>
+                <a:lumOff val="50000"/>
+              </a:schemeClr>
+            </a:solidFill>
+            <a:prstDash val="solid"/>
+            <a:round/>
+            <a:headEnd type="none" w="med" len="med"/>
+            <a:tailEnd type="triangle" w="med" len="med"/>
+          </a:ln>
+          <a:effectLst/>
+        </p:spPr>
+      </p:cxnSp>
+      <p:cxnSp>
+        <p:nvCxnSpPr>
+          <p:cNvPr id="13" name="Gewinkelte Verbindung 47"/>
+          <p:cNvCxnSpPr>
+            <a:stCxn id="22" idx="0"/>
+            <a:endCxn id="23" idx="1"/>
+          </p:cNvCxnSpPr>
+          <p:nvPr/>
+        </p:nvCxnSpPr>
+        <p:spPr bwMode="auto">
+          <a:xfrm rot="5400000" flipH="1" flipV="1">
+            <a:off x="3946127" y="3204229"/>
+            <a:ext cx="822241" cy="989392"/>
+          </a:xfrm>
+          <a:prstGeom prst="bentConnector2">
+            <a:avLst/>
+          </a:prstGeom>
+          <a:solidFill>
+            <a:schemeClr val="accent1"/>
+          </a:solidFill>
+          <a:ln w="38100" cap="flat" cmpd="sng" algn="ctr">
+            <a:solidFill>
+              <a:schemeClr val="tx1">
+                <a:lumMod val="50000"/>
+                <a:lumOff val="50000"/>
+              </a:schemeClr>
+            </a:solidFill>
+            <a:prstDash val="solid"/>
+            <a:round/>
+            <a:headEnd type="none" w="med" len="med"/>
+            <a:tailEnd type="triangle" w="med" len="med"/>
+          </a:ln>
+          <a:effectLst/>
+        </p:spPr>
+      </p:cxnSp>
+      <p:cxnSp>
+        <p:nvCxnSpPr>
+          <p:cNvPr id="14" name="Gewinkelte Verbindung 47"/>
+          <p:cNvCxnSpPr>
+            <a:stCxn id="24" idx="2"/>
+            <a:endCxn id="22" idx="2"/>
+          </p:cNvCxnSpPr>
+          <p:nvPr/>
+        </p:nvCxnSpPr>
+        <p:spPr bwMode="auto">
+          <a:xfrm rot="5400000">
+            <a:off x="5523195" y="3021792"/>
+            <a:ext cx="1818" cy="3321532"/>
+          </a:xfrm>
+          <a:prstGeom prst="bentConnector3">
+            <a:avLst>
+              <a:gd name="adj1" fmla="val 20793457"/>
+            </a:avLst>
+          </a:prstGeom>
+          <a:solidFill>
+            <a:schemeClr val="accent1"/>
+          </a:solidFill>
+          <a:ln w="38100" cap="flat" cmpd="sng" algn="ctr">
+            <a:solidFill>
+              <a:schemeClr val="tx1">
+                <a:lumMod val="50000"/>
+                <a:lumOff val="50000"/>
+              </a:schemeClr>
+            </a:solidFill>
+            <a:prstDash val="solid"/>
+            <a:round/>
+            <a:headEnd type="none" w="med" len="med"/>
+            <a:tailEnd type="triangle" w="med" len="med"/>
+          </a:ln>
+          <a:effectLst/>
+        </p:spPr>
+      </p:cxnSp>
+      <p:sp>
+        <p:nvSpPr>
+          <p:cNvPr id="15" name="Textfeld 14"/>
+          <p:cNvSpPr txBox="1"/>
+          <p:nvPr/>
+        </p:nvSpPr>
+        <p:spPr>
+          <a:xfrm>
+            <a:off x="6429388" y="4678287"/>
+            <a:ext cx="774571" cy="276999"/>
+          </a:xfrm>
+          <a:prstGeom prst="rect">
+            <a:avLst/>
+          </a:prstGeom>
+          <a:noFill/>
+          <a:ln>
+            <a:noFill/>
+          </a:ln>
+        </p:spPr>
+        <p:txBody>
+          <a:bodyPr wrap="none" rtlCol="0" anchor="ctr">
+            <a:spAutoFit/>
+          </a:bodyPr>
+          <a:lstStyle/>
+          <a:p>
+            <a:r>
+              <a:rPr lang="en-US" sz="1200" b="1" smtClean="0">
+                <a:solidFill>
+                  <a:schemeClr val="tx1">
+                    <a:lumMod val="75000"/>
+                    <a:lumOff val="25000"/>
+                  </a:schemeClr>
+                </a:solidFill>
+                <a:latin typeface="Arial" pitchFamily="34" charset="0"/>
+                <a:cs typeface="Arial" pitchFamily="34" charset="0"/>
+              </a:rPr>
+              <a:t>rollback</a:t>
+            </a:r>
+            <a:endParaRPr lang="en-US" sz="1200" b="1" dirty="0">
+              <a:solidFill>
+                <a:schemeClr val="tx1">
+                  <a:lumMod val="75000"/>
+                  <a:lumOff val="25000"/>
+                </a:schemeClr>
+              </a:solidFill>
+              <a:latin typeface="Arial" pitchFamily="34" charset="0"/>
+              <a:cs typeface="Arial" pitchFamily="34" charset="0"/>
+            </a:endParaRPr>
+          </a:p>
+        </p:txBody>
+      </p:sp>
+      <p:sp>
+        <p:nvSpPr>
+          <p:cNvPr id="16" name="Textfeld 15"/>
+          <p:cNvSpPr txBox="1"/>
+          <p:nvPr/>
+        </p:nvSpPr>
+        <p:spPr>
+          <a:xfrm>
+            <a:off x="1369163" y="1868462"/>
+            <a:ext cx="1202573" cy="276999"/>
+          </a:xfrm>
+          <a:prstGeom prst="rect">
+            <a:avLst/>
+          </a:prstGeom>
+          <a:noFill/>
+          <a:ln>
+            <a:noFill/>
+          </a:ln>
+        </p:spPr>
+        <p:txBody>
+          <a:bodyPr wrap="none" rtlCol="0" anchor="ctr">
+            <a:spAutoFit/>
+          </a:bodyPr>
+          <a:lstStyle/>
+          <a:p>
+            <a:pPr algn="r"/>
+            <a:r>
+              <a:rPr lang="en-US" sz="1200" b="1" smtClean="0">
+                <a:solidFill>
+                  <a:schemeClr val="tx1">
+                    <a:lumMod val="75000"/>
+                    <a:lumOff val="25000"/>
+                  </a:schemeClr>
+                </a:solidFill>
+                <a:latin typeface="Arial" pitchFamily="34" charset="0"/>
+                <a:cs typeface="Arial" pitchFamily="34" charset="0"/>
+              </a:rPr>
+              <a:t>attach to view</a:t>
+            </a:r>
+            <a:endParaRPr lang="en-US" sz="1200" b="1" dirty="0">
+              <a:solidFill>
+                <a:schemeClr val="tx1">
+                  <a:lumMod val="75000"/>
+                  <a:lumOff val="25000"/>
+                </a:schemeClr>
+              </a:solidFill>
+              <a:latin typeface="Arial" pitchFamily="34" charset="0"/>
+              <a:cs typeface="Arial" pitchFamily="34" charset="0"/>
+            </a:endParaRPr>
+          </a:p>
+        </p:txBody>
+      </p:sp>
+      <p:sp>
+        <p:nvSpPr>
+          <p:cNvPr id="17" name="Textfeld 16"/>
+          <p:cNvSpPr txBox="1"/>
+          <p:nvPr/>
+        </p:nvSpPr>
+        <p:spPr>
+          <a:xfrm>
+            <a:off x="1245886" y="3274737"/>
+            <a:ext cx="1441420" cy="276999"/>
+          </a:xfrm>
+          <a:prstGeom prst="rect">
+            <a:avLst/>
+          </a:prstGeom>
+          <a:noFill/>
+          <a:ln>
+            <a:noFill/>
+          </a:ln>
+        </p:spPr>
+        <p:txBody>
+          <a:bodyPr wrap="none" rtlCol="0" anchor="ctr">
+            <a:spAutoFit/>
+          </a:bodyPr>
+          <a:lstStyle/>
+          <a:p>
+            <a:pPr algn="r"/>
+            <a:r>
+              <a:rPr lang="en-US" sz="1200" b="1" smtClean="0">
+                <a:solidFill>
+                  <a:schemeClr val="tx1">
+                    <a:lumMod val="75000"/>
+                    <a:lumOff val="25000"/>
+                  </a:schemeClr>
+                </a:solidFill>
+                <a:latin typeface="Arial" pitchFamily="34" charset="0"/>
+                <a:cs typeface="Arial" pitchFamily="34" charset="0"/>
+              </a:rPr>
+              <a:t>detach from view</a:t>
+            </a:r>
+            <a:endParaRPr lang="en-US" sz="1200" b="1" dirty="0">
+              <a:solidFill>
+                <a:schemeClr val="tx1">
+                  <a:lumMod val="75000"/>
+                  <a:lumOff val="25000"/>
+                </a:schemeClr>
+              </a:solidFill>
+              <a:latin typeface="Arial" pitchFamily="34" charset="0"/>
+              <a:cs typeface="Arial" pitchFamily="34" charset="0"/>
+            </a:endParaRPr>
+          </a:p>
+        </p:txBody>
+      </p:sp>
+      <p:sp>
+        <p:nvSpPr>
+          <p:cNvPr id="18" name="Textfeld 17"/>
+          <p:cNvSpPr txBox="1"/>
+          <p:nvPr/>
+        </p:nvSpPr>
+        <p:spPr>
+          <a:xfrm>
+            <a:off x="5786446" y="1868462"/>
+            <a:ext cx="731290" cy="276999"/>
+          </a:xfrm>
+          <a:prstGeom prst="rect">
+            <a:avLst/>
+          </a:prstGeom>
+          <a:noFill/>
+          <a:ln>
+            <a:noFill/>
+          </a:ln>
+        </p:spPr>
+        <p:txBody>
+          <a:bodyPr wrap="none" rtlCol="0" anchor="ctr">
+            <a:spAutoFit/>
+          </a:bodyPr>
+          <a:lstStyle/>
+          <a:p>
+            <a:r>
+              <a:rPr lang="en-US" sz="1200" b="1" smtClean="0">
+                <a:solidFill>
+                  <a:schemeClr val="tx1">
+                    <a:lumMod val="75000"/>
+                    <a:lumOff val="25000"/>
+                  </a:schemeClr>
+                </a:solidFill>
+                <a:latin typeface="Arial" pitchFamily="34" charset="0"/>
+                <a:cs typeface="Arial" pitchFamily="34" charset="0"/>
+              </a:rPr>
+              <a:t>commit</a:t>
+            </a:r>
+            <a:endParaRPr lang="en-US" sz="1200" b="1" dirty="0">
+              <a:solidFill>
+                <a:schemeClr val="tx1">
+                  <a:lumMod val="75000"/>
+                  <a:lumOff val="25000"/>
+                </a:schemeClr>
+              </a:solidFill>
+              <a:latin typeface="Arial" pitchFamily="34" charset="0"/>
+              <a:cs typeface="Arial" pitchFamily="34" charset="0"/>
+            </a:endParaRPr>
+          </a:p>
+        </p:txBody>
+      </p:sp>
+      <p:cxnSp>
+        <p:nvCxnSpPr>
+          <p:cNvPr id="19" name="Gewinkelte Verbindung 47"/>
+          <p:cNvCxnSpPr>
+            <a:stCxn id="25" idx="0"/>
+            <a:endCxn id="26" idx="1"/>
+          </p:cNvCxnSpPr>
+          <p:nvPr/>
+        </p:nvCxnSpPr>
+        <p:spPr bwMode="auto">
+          <a:xfrm rot="5400000" flipH="1" flipV="1">
+            <a:off x="2175562" y="1410731"/>
+            <a:ext cx="248237" cy="1712328"/>
+          </a:xfrm>
+          <a:prstGeom prst="bentConnector2">
+            <a:avLst/>
+          </a:prstGeom>
+          <a:solidFill>
+            <a:schemeClr val="accent1"/>
+          </a:solidFill>
+          <a:ln w="38100" cap="flat" cmpd="sng" algn="ctr">
+            <a:solidFill>
+              <a:schemeClr val="tx1">
+                <a:lumMod val="50000"/>
+                <a:lumOff val="50000"/>
+              </a:schemeClr>
+            </a:solidFill>
+            <a:prstDash val="solid"/>
+            <a:round/>
+            <a:headEnd type="none" w="med" len="med"/>
+            <a:tailEnd type="triangle" w="med" len="med"/>
+          </a:ln>
+          <a:effectLst/>
+        </p:spPr>
+      </p:cxnSp>
+      <p:sp>
+        <p:nvSpPr>
+          <p:cNvPr id="20" name="Textfeld 19"/>
+          <p:cNvSpPr txBox="1"/>
+          <p:nvPr/>
+        </p:nvSpPr>
+        <p:spPr>
+          <a:xfrm>
+            <a:off x="5549531" y="3582974"/>
+            <a:ext cx="894797" cy="461665"/>
+          </a:xfrm>
+          <a:prstGeom prst="rect">
+            <a:avLst/>
+          </a:prstGeom>
+          <a:noFill/>
+          <a:ln>
+            <a:noFill/>
+          </a:ln>
+        </p:spPr>
+        <p:txBody>
+          <a:bodyPr wrap="none" rtlCol="0" anchor="ctr">
+            <a:spAutoFit/>
+          </a:bodyPr>
+          <a:lstStyle/>
+          <a:p>
+            <a:r>
+              <a:rPr lang="en-US" sz="1200" b="1" smtClean="0">
+                <a:solidFill>
+                  <a:schemeClr val="tx1">
+                    <a:lumMod val="75000"/>
+                    <a:lumOff val="25000"/>
+                  </a:schemeClr>
+                </a:solidFill>
+                <a:latin typeface="Arial" pitchFamily="34" charset="0"/>
+                <a:cs typeface="Arial" pitchFamily="34" charset="0"/>
+              </a:rPr>
+              <a:t>remote</a:t>
+            </a:r>
+          </a:p>
+          <a:p>
+            <a:r>
+              <a:rPr lang="en-US" sz="1200" b="1" smtClean="0">
+                <a:solidFill>
+                  <a:schemeClr val="tx1">
+                    <a:lumMod val="75000"/>
+                    <a:lumOff val="25000"/>
+                  </a:schemeClr>
+                </a:solidFill>
+                <a:latin typeface="Arial" pitchFamily="34" charset="0"/>
+                <a:cs typeface="Arial" pitchFamily="34" charset="0"/>
+              </a:rPr>
+              <a:t>invalidate</a:t>
+            </a:r>
+            <a:endParaRPr lang="en-US" sz="1200" b="1" dirty="0">
+              <a:solidFill>
+                <a:schemeClr val="tx1">
+                  <a:lumMod val="75000"/>
+                  <a:lumOff val="25000"/>
+                </a:schemeClr>
+              </a:solidFill>
+              <a:latin typeface="Arial" pitchFamily="34" charset="0"/>
+              <a:cs typeface="Arial" pitchFamily="34" charset="0"/>
+            </a:endParaRPr>
+          </a:p>
+        </p:txBody>
+      </p:sp>
+      <p:sp>
+        <p:nvSpPr>
+          <p:cNvPr id="21" name="Abgerundetes Rechteck 20"/>
+          <p:cNvSpPr/>
+          <p:nvPr/>
+        </p:nvSpPr>
+        <p:spPr bwMode="auto">
+          <a:xfrm>
+            <a:off x="6477375" y="1856518"/>
+            <a:ext cx="1413417" cy="572515"/>
+          </a:xfrm>
+          <a:prstGeom prst="roundRect">
+            <a:avLst>
+              <a:gd name="adj" fmla="val 13767"/>
+            </a:avLst>
+          </a:prstGeom>
+          <a:solidFill>
+            <a:schemeClr val="accent1">
+              <a:lumMod val="60000"/>
+              <a:lumOff val="40000"/>
+            </a:schemeClr>
+          </a:solidFill>
+          <a:ln>
+            <a:solidFill>
+              <a:schemeClr val="accent1">
+                <a:lumMod val="75000"/>
+              </a:schemeClr>
+            </a:solidFill>
+          </a:ln>
+        </p:spPr>
+        <p:style>
+          <a:lnRef idx="2">
+            <a:schemeClr val="accent1">
+              <a:shade val="50000"/>
+            </a:schemeClr>
+          </a:lnRef>
+          <a:fillRef idx="1">
+            <a:schemeClr val="accent1"/>
+          </a:fillRef>
+          <a:effectRef idx="0">
+            <a:schemeClr val="accent1"/>
+          </a:effectRef>
+          <a:fontRef idx="minor">
+            <a:schemeClr val="lt1"/>
+          </a:fontRef>
+        </p:style>
+        <p:txBody>
+          <a:bodyPr rtlCol="0" anchor="ctr"/>
+          <a:lstStyle/>
+          <a:p>
+            <a:pPr marR="0" indent="0" algn="ctr" fontAlgn="base">
+              <a:lnSpc>
+                <a:spcPct val="100000"/>
+              </a:lnSpc>
+              <a:spcBef>
+                <a:spcPct val="0"/>
+              </a:spcBef>
+              <a:spcAft>
+                <a:spcPct val="0"/>
+              </a:spcAft>
+              <a:buClrTx/>
+              <a:buSzTx/>
+              <a:buFontTx/>
+              <a:buNone/>
+              <a:tabLst/>
+            </a:pPr>
+            <a:r>
+              <a:rPr lang="en-US" b="1" dirty="0" smtClean="0">
+                <a:solidFill>
+                  <a:schemeClr val="accent1">
+                    <a:lumMod val="50000"/>
+                  </a:schemeClr>
+                </a:solidFill>
+                <a:latin typeface="Arial" pitchFamily="34" charset="0"/>
+                <a:cs typeface="Arial" pitchFamily="34" charset="0"/>
+              </a:rPr>
+              <a:t>DIRTY</a:t>
+            </a:r>
+          </a:p>
+        </p:txBody>
+      </p:sp>
+      <p:sp>
+        <p:nvSpPr>
+          <p:cNvPr id="22" name="Abgerundetes Rechteck 21"/>
+          <p:cNvSpPr/>
+          <p:nvPr/>
+        </p:nvSpPr>
+        <p:spPr bwMode="auto">
+          <a:xfrm>
+            <a:off x="3155844" y="4110045"/>
+            <a:ext cx="1413417" cy="572515"/>
+          </a:xfrm>
+          <a:prstGeom prst="roundRect">
+            <a:avLst>
+              <a:gd name="adj" fmla="val 13767"/>
+            </a:avLst>
+          </a:prstGeom>
+          <a:solidFill>
+            <a:schemeClr val="accent1">
+              <a:lumMod val="60000"/>
+              <a:lumOff val="40000"/>
+            </a:schemeClr>
+          </a:solidFill>
+          <a:ln>
+            <a:solidFill>
+              <a:schemeClr val="accent1">
+                <a:lumMod val="75000"/>
+              </a:schemeClr>
+            </a:solidFill>
+          </a:ln>
+        </p:spPr>
+        <p:style>
+          <a:lnRef idx="2">
+            <a:schemeClr val="accent1">
+              <a:shade val="50000"/>
+            </a:schemeClr>
+          </a:lnRef>
+          <a:fillRef idx="1">
+            <a:schemeClr val="accent1"/>
+          </a:fillRef>
+          <a:effectRef idx="0">
+            <a:schemeClr val="accent1"/>
+          </a:effectRef>
+          <a:fontRef idx="minor">
+            <a:schemeClr val="lt1"/>
+          </a:fontRef>
+        </p:style>
+        <p:txBody>
+          <a:bodyPr rtlCol="0" anchor="ctr"/>
+          <a:lstStyle/>
+          <a:p>
+            <a:pPr marR="0" indent="0" algn="ctr" fontAlgn="base">
+              <a:lnSpc>
+                <a:spcPct val="100000"/>
+              </a:lnSpc>
+              <a:spcBef>
+                <a:spcPct val="0"/>
+              </a:spcBef>
+              <a:spcAft>
+                <a:spcPct val="0"/>
+              </a:spcAft>
+              <a:buClrTx/>
+              <a:buSzTx/>
+              <a:buFontTx/>
+              <a:buNone/>
+              <a:tabLst/>
+            </a:pPr>
+            <a:r>
+              <a:rPr lang="en-US" b="1" dirty="0" smtClean="0">
+                <a:solidFill>
+                  <a:schemeClr val="accent1">
+                    <a:lumMod val="50000"/>
+                  </a:schemeClr>
+                </a:solidFill>
+                <a:latin typeface="Arial" pitchFamily="34" charset="0"/>
+                <a:cs typeface="Arial" pitchFamily="34" charset="0"/>
+              </a:rPr>
+              <a:t>PROXY</a:t>
+            </a:r>
+          </a:p>
+        </p:txBody>
+      </p:sp>
+      <p:sp>
+        <p:nvSpPr>
+          <p:cNvPr id="23" name="Abgerundetes Rechteck 22"/>
+          <p:cNvSpPr/>
+          <p:nvPr/>
+        </p:nvSpPr>
+        <p:spPr bwMode="auto">
+          <a:xfrm>
+            <a:off x="4851944" y="3001546"/>
+            <a:ext cx="1413417" cy="572515"/>
+          </a:xfrm>
+          <a:prstGeom prst="roundRect">
+            <a:avLst>
+              <a:gd name="adj" fmla="val 13767"/>
+            </a:avLst>
+          </a:prstGeom>
+          <a:solidFill>
+            <a:schemeClr val="accent1">
+              <a:lumMod val="60000"/>
+              <a:lumOff val="40000"/>
+            </a:schemeClr>
+          </a:solidFill>
+          <a:ln>
+            <a:solidFill>
+              <a:schemeClr val="accent1">
+                <a:lumMod val="75000"/>
+              </a:schemeClr>
+            </a:solidFill>
+          </a:ln>
+        </p:spPr>
+        <p:style>
+          <a:lnRef idx="2">
+            <a:schemeClr val="accent1">
+              <a:shade val="50000"/>
+            </a:schemeClr>
+          </a:lnRef>
+          <a:fillRef idx="1">
+            <a:schemeClr val="accent1"/>
+          </a:fillRef>
+          <a:effectRef idx="0">
+            <a:schemeClr val="accent1"/>
+          </a:effectRef>
+          <a:fontRef idx="minor">
+            <a:schemeClr val="lt1"/>
+          </a:fontRef>
+        </p:style>
+        <p:txBody>
+          <a:bodyPr rtlCol="0" anchor="ctr"/>
+          <a:lstStyle/>
+          <a:p>
+            <a:pPr marR="0" indent="0" algn="ctr" fontAlgn="base">
+              <a:lnSpc>
+                <a:spcPct val="100000"/>
+              </a:lnSpc>
+              <a:spcBef>
+                <a:spcPct val="0"/>
+              </a:spcBef>
+              <a:spcAft>
+                <a:spcPct val="0"/>
+              </a:spcAft>
+              <a:buClrTx/>
+              <a:buSzTx/>
+              <a:buFontTx/>
+              <a:buNone/>
+              <a:tabLst/>
+            </a:pPr>
+            <a:r>
+              <a:rPr lang="en-US" b="1" dirty="0" smtClean="0">
+                <a:solidFill>
+                  <a:schemeClr val="accent1">
+                    <a:lumMod val="50000"/>
+                  </a:schemeClr>
+                </a:solidFill>
+                <a:latin typeface="Arial" pitchFamily="34" charset="0"/>
+                <a:cs typeface="Arial" pitchFamily="34" charset="0"/>
+              </a:rPr>
+              <a:t>CLEAN</a:t>
+            </a:r>
+          </a:p>
+        </p:txBody>
+      </p:sp>
+      <p:sp>
+        <p:nvSpPr>
+          <p:cNvPr id="24" name="Abgerundetes Rechteck 23"/>
+          <p:cNvSpPr/>
+          <p:nvPr/>
+        </p:nvSpPr>
+        <p:spPr bwMode="auto">
+          <a:xfrm>
+            <a:off x="6477375" y="4110045"/>
+            <a:ext cx="1413417" cy="572515"/>
+          </a:xfrm>
+          <a:prstGeom prst="roundRect">
+            <a:avLst>
+              <a:gd name="adj" fmla="val 13767"/>
+            </a:avLst>
+          </a:prstGeom>
+          <a:solidFill>
+            <a:schemeClr val="accent1">
+              <a:lumMod val="60000"/>
+              <a:lumOff val="40000"/>
+            </a:schemeClr>
+          </a:solidFill>
+          <a:ln>
+            <a:solidFill>
+              <a:schemeClr val="accent1">
+                <a:lumMod val="75000"/>
+              </a:schemeClr>
+            </a:solidFill>
+          </a:ln>
+        </p:spPr>
+        <p:style>
+          <a:lnRef idx="2">
+            <a:schemeClr val="accent1">
+              <a:shade val="50000"/>
+            </a:schemeClr>
+          </a:lnRef>
+          <a:fillRef idx="1">
+            <a:schemeClr val="accent1"/>
+          </a:fillRef>
+          <a:effectRef idx="0">
+            <a:schemeClr val="accent1"/>
+          </a:effectRef>
+          <a:fontRef idx="minor">
+            <a:schemeClr val="lt1"/>
+          </a:fontRef>
+        </p:style>
+        <p:txBody>
+          <a:bodyPr rtlCol="0" anchor="ctr"/>
+          <a:lstStyle/>
+          <a:p>
+            <a:pPr marR="0" indent="0" algn="ctr" fontAlgn="base">
+              <a:lnSpc>
+                <a:spcPct val="100000"/>
+              </a:lnSpc>
+              <a:spcBef>
+                <a:spcPct val="0"/>
+              </a:spcBef>
+              <a:spcAft>
+                <a:spcPct val="0"/>
+              </a:spcAft>
+              <a:buClrTx/>
+              <a:buSzTx/>
+              <a:buFontTx/>
+              <a:buNone/>
+              <a:tabLst/>
+            </a:pPr>
+            <a:r>
+              <a:rPr lang="en-US" b="1" dirty="0" smtClean="0">
+                <a:solidFill>
+                  <a:schemeClr val="accent1">
+                    <a:lumMod val="50000"/>
+                  </a:schemeClr>
+                </a:solidFill>
+                <a:latin typeface="Arial" pitchFamily="34" charset="0"/>
+                <a:cs typeface="Arial" pitchFamily="34" charset="0"/>
+              </a:rPr>
+              <a:t>CONFLICT</a:t>
+            </a:r>
+          </a:p>
+        </p:txBody>
+      </p:sp>
+      <p:sp>
+        <p:nvSpPr>
+          <p:cNvPr id="25" name="Abgerundetes Rechteck 24"/>
+          <p:cNvSpPr/>
+          <p:nvPr/>
+        </p:nvSpPr>
+        <p:spPr bwMode="auto">
+          <a:xfrm>
+            <a:off x="642910" y="2391013"/>
+            <a:ext cx="1601212" cy="572515"/>
+          </a:xfrm>
+          <a:prstGeom prst="roundRect">
+            <a:avLst>
+              <a:gd name="adj" fmla="val 13767"/>
+            </a:avLst>
+          </a:prstGeom>
+          <a:solidFill>
+            <a:schemeClr val="accent1">
+              <a:lumMod val="60000"/>
+              <a:lumOff val="40000"/>
+            </a:schemeClr>
+          </a:solidFill>
+          <a:ln>
+            <a:solidFill>
+              <a:schemeClr val="accent1">
+                <a:lumMod val="75000"/>
+              </a:schemeClr>
+            </a:solidFill>
+          </a:ln>
+        </p:spPr>
+        <p:style>
+          <a:lnRef idx="2">
+            <a:schemeClr val="accent1">
+              <a:shade val="50000"/>
+            </a:schemeClr>
+          </a:lnRef>
+          <a:fillRef idx="1">
+            <a:schemeClr val="accent1"/>
+          </a:fillRef>
+          <a:effectRef idx="0">
+            <a:schemeClr val="accent1"/>
+          </a:effectRef>
+          <a:fontRef idx="minor">
+            <a:schemeClr val="lt1"/>
+          </a:fontRef>
+        </p:style>
+        <p:txBody>
+          <a:bodyPr rtlCol="0" anchor="ctr"/>
+          <a:lstStyle/>
+          <a:p>
+            <a:pPr algn="ctr" fontAlgn="base">
+              <a:spcBef>
+                <a:spcPct val="0"/>
+              </a:spcBef>
+              <a:spcAft>
+                <a:spcPct val="0"/>
+              </a:spcAft>
+            </a:pPr>
+            <a:r>
+              <a:rPr lang="en-US" b="1" dirty="0" smtClean="0">
+                <a:solidFill>
+                  <a:schemeClr val="accent1">
+                    <a:lumMod val="50000"/>
+                  </a:schemeClr>
+                </a:solidFill>
+                <a:latin typeface="Arial" pitchFamily="34" charset="0"/>
+                <a:cs typeface="Arial" pitchFamily="34" charset="0"/>
+              </a:rPr>
+              <a:t>TRANSIENT</a:t>
+            </a:r>
+          </a:p>
+        </p:txBody>
+      </p:sp>
+      <p:sp>
+        <p:nvSpPr>
+          <p:cNvPr id="26" name="Abgerundetes Rechteck 25"/>
+          <p:cNvSpPr/>
+          <p:nvPr/>
+        </p:nvSpPr>
+        <p:spPr bwMode="auto">
+          <a:xfrm>
+            <a:off x="3155844" y="1856518"/>
+            <a:ext cx="1413417" cy="572515"/>
+          </a:xfrm>
+          <a:prstGeom prst="roundRect">
+            <a:avLst>
+              <a:gd name="adj" fmla="val 13767"/>
+            </a:avLst>
+          </a:prstGeom>
+          <a:solidFill>
+            <a:schemeClr val="accent1">
+              <a:lumMod val="60000"/>
+              <a:lumOff val="40000"/>
+            </a:schemeClr>
+          </a:solidFill>
+          <a:ln>
+            <a:solidFill>
+              <a:schemeClr val="accent1">
+                <a:lumMod val="75000"/>
+              </a:schemeClr>
+            </a:solidFill>
+          </a:ln>
+        </p:spPr>
+        <p:style>
+          <a:lnRef idx="2">
+            <a:schemeClr val="accent1">
+              <a:shade val="50000"/>
+            </a:schemeClr>
+          </a:lnRef>
+          <a:fillRef idx="1">
+            <a:schemeClr val="accent1"/>
+          </a:fillRef>
+          <a:effectRef idx="0">
+            <a:schemeClr val="accent1"/>
+          </a:effectRef>
+          <a:fontRef idx="minor">
+            <a:schemeClr val="lt1"/>
+          </a:fontRef>
+        </p:style>
+        <p:txBody>
+          <a:bodyPr rtlCol="0" anchor="ctr"/>
+          <a:lstStyle/>
+          <a:p>
+            <a:pPr algn="ctr" fontAlgn="base">
+              <a:spcBef>
+                <a:spcPct val="0"/>
+              </a:spcBef>
+              <a:spcAft>
+                <a:spcPct val="0"/>
+              </a:spcAft>
+            </a:pPr>
+            <a:r>
+              <a:rPr lang="en-US" b="1" dirty="0" smtClean="0">
+                <a:solidFill>
+                  <a:schemeClr val="accent1">
+                    <a:lumMod val="50000"/>
+                  </a:schemeClr>
+                </a:solidFill>
+                <a:latin typeface="Arial" pitchFamily="34" charset="0"/>
+                <a:cs typeface="Arial" pitchFamily="34" charset="0"/>
+              </a:rPr>
+              <a:t>NEW</a:t>
+            </a:r>
+          </a:p>
+        </p:txBody>
+      </p:sp>
+    </p:spTree>
+  </p:cSld>
+  <p:clrMapOvr>
+    <a:masterClrMapping/>
+  </p:clrMapOvr>
+  <p:timing>
+    <p:tnLst>
+      <p:par>
+        <p:cTn id="1" dur="indefinite" restart="never" nodeType="tmRoot">
+          <p:childTnLst>
+            <p:seq concurrent="1" nextAc="seek">
+              <p:cTn id="2" dur="indefinite" nodeType="mainSeq">
+                <p:childTnLst>
+                  <p:par>
+                    <p:cTn id="3" fill="hold">
+                      <p:stCondLst>
+                        <p:cond delay="indefinite"/>
+                      </p:stCondLst>
+                      <p:childTnLst>
+                        <p:par>
+                          <p:cTn id="4" fill="hold">
+                            <p:stCondLst>
+                              <p:cond delay="0"/>
+                            </p:stCondLst>
+                            <p:childTnLst>
+                              <p:par>
+                                <p:cTn id="5" presetID="10" presetClass="entr" presetSubtype="0" fill="hold" grpId="0" nodeType="clickEffect">
+                                  <p:stCondLst>
+                                    <p:cond delay="0"/>
+                                  </p:stCondLst>
+                                  <p:childTnLst>
+                                    <p:set>
+                                      <p:cBhvr>
+                                        <p:cTn id="6" dur="1" fill="hold">
+                                          <p:stCondLst>
+                                            <p:cond delay="0"/>
+                                          </p:stCondLst>
+                                        </p:cTn>
+                                        <p:tgtEl>
+                                          <p:spTgt spid="16"/>
+                                        </p:tgtEl>
+                                        <p:attrNameLst>
+                                          <p:attrName>style.visibility</p:attrName>
+                                        </p:attrNameLst>
+                                      </p:cBhvr>
+                                      <p:to>
+                                        <p:strVal val="visible"/>
+                                      </p:to>
+                                    </p:set>
+                                    <p:animEffect transition="in" filter="fade">
+                                      <p:cBhvr>
+                                        <p:cTn id="7" dur="500"/>
+                                        <p:tgtEl>
+                                          <p:spTgt spid="16"/>
+                                        </p:tgtEl>
+                                      </p:cBhvr>
+                                    </p:animEffect>
+                                  </p:childTnLst>
+                                </p:cTn>
+                              </p:par>
+                              <p:par>
+                                <p:cTn id="8" presetID="10" presetClass="entr" presetSubtype="0" fill="hold" nodeType="withEffect">
+                                  <p:stCondLst>
+                                    <p:cond delay="0"/>
+                                  </p:stCondLst>
+                                  <p:childTnLst>
+                                    <p:set>
+                                      <p:cBhvr>
+                                        <p:cTn id="9" dur="1" fill="hold">
+                                          <p:stCondLst>
+                                            <p:cond delay="0"/>
+                                          </p:stCondLst>
+                                        </p:cTn>
+                                        <p:tgtEl>
+                                          <p:spTgt spid="19"/>
+                                        </p:tgtEl>
+                                        <p:attrNameLst>
+                                          <p:attrName>style.visibility</p:attrName>
+                                        </p:attrNameLst>
+                                      </p:cBhvr>
+                                      <p:to>
+                                        <p:strVal val="visible"/>
+                                      </p:to>
+                                    </p:set>
+                                    <p:animEffect transition="in" filter="fade">
+                                      <p:cBhvr>
+                                        <p:cTn id="10" dur="500"/>
+                                        <p:tgtEl>
+                                          <p:spTgt spid="19"/>
+                                        </p:tgtEl>
+                                      </p:cBhvr>
+                                    </p:animEffect>
+                                  </p:childTnLst>
+                                </p:cTn>
+                              </p:par>
+                              <p:par>
+                                <p:cTn id="11" presetID="10" presetClass="entr" presetSubtype="0" fill="hold" grpId="0" nodeType="withEffect">
+                                  <p:stCondLst>
+                                    <p:cond delay="0"/>
+                                  </p:stCondLst>
+                                  <p:childTnLst>
+                                    <p:set>
+                                      <p:cBhvr>
+                                        <p:cTn id="12" dur="1" fill="hold">
+                                          <p:stCondLst>
+                                            <p:cond delay="0"/>
+                                          </p:stCondLst>
+                                        </p:cTn>
+                                        <p:tgtEl>
+                                          <p:spTgt spid="3"/>
+                                        </p:tgtEl>
+                                        <p:attrNameLst>
+                                          <p:attrName>style.visibility</p:attrName>
+                                        </p:attrNameLst>
+                                      </p:cBhvr>
+                                      <p:to>
+                                        <p:strVal val="visible"/>
+                                      </p:to>
+                                    </p:set>
+                                    <p:animEffect transition="in" filter="fade">
+                                      <p:cBhvr>
+                                        <p:cTn id="13" dur="500"/>
+                                        <p:tgtEl>
+                                          <p:spTgt spid="3"/>
+                                        </p:tgtEl>
+                                      </p:cBhvr>
+                                    </p:animEffect>
+                                  </p:childTnLst>
+                                </p:cTn>
+                              </p:par>
+                              <p:par>
+                                <p:cTn id="14" presetID="10" presetClass="entr" presetSubtype="0" fill="hold" grpId="0" nodeType="withEffect">
+                                  <p:stCondLst>
+                                    <p:cond delay="0"/>
+                                  </p:stCondLst>
+                                  <p:childTnLst>
+                                    <p:set>
+                                      <p:cBhvr>
+                                        <p:cTn id="15" dur="1" fill="hold">
+                                          <p:stCondLst>
+                                            <p:cond delay="0"/>
+                                          </p:stCondLst>
+                                        </p:cTn>
+                                        <p:tgtEl>
+                                          <p:spTgt spid="26"/>
+                                        </p:tgtEl>
+                                        <p:attrNameLst>
+                                          <p:attrName>style.visibility</p:attrName>
+                                        </p:attrNameLst>
+                                      </p:cBhvr>
+                                      <p:to>
+                                        <p:strVal val="visible"/>
+                                      </p:to>
+                                    </p:set>
+                                    <p:animEffect transition="in" filter="fade">
+                                      <p:cBhvr>
+                                        <p:cTn id="16" dur="500"/>
+                                        <p:tgtEl>
+                                          <p:spTgt spid="26"/>
+                                        </p:tgtEl>
+                                      </p:cBhvr>
+                                    </p:animEffect>
+                                  </p:childTnLst>
+                                </p:cTn>
+                              </p:par>
+                              <p:par>
+                                <p:cTn id="17" presetID="10" presetClass="entr" presetSubtype="0" fill="hold" nodeType="withEffect">
+                                  <p:stCondLst>
+                                    <p:cond delay="0"/>
+                                  </p:stCondLst>
+                                  <p:childTnLst>
+                                    <p:set>
+                                      <p:cBhvr>
+                                        <p:cTn id="18" dur="1" fill="hold">
+                                          <p:stCondLst>
+                                            <p:cond delay="0"/>
+                                          </p:stCondLst>
+                                        </p:cTn>
+                                        <p:tgtEl>
+                                          <p:spTgt spid="2"/>
+                                        </p:tgtEl>
+                                        <p:attrNameLst>
+                                          <p:attrName>style.visibility</p:attrName>
+                                        </p:attrNameLst>
+                                      </p:cBhvr>
+                                      <p:to>
+                                        <p:strVal val="visible"/>
+                                      </p:to>
+                                    </p:set>
+                                    <p:animEffect transition="in" filter="fade">
+                                      <p:cBhvr>
+                                        <p:cTn id="19" dur="500"/>
+                                        <p:tgtEl>
+                                          <p:spTgt spid="2"/>
+                                        </p:tgtEl>
+                                      </p:cBhvr>
+                                    </p:animEffect>
+                                  </p:childTnLst>
+                                </p:cTn>
+                              </p:par>
+                              <p:par>
+                                <p:cTn id="20" presetID="10" presetClass="entr" presetSubtype="0" fill="hold" grpId="0" nodeType="withEffect">
+                                  <p:stCondLst>
+                                    <p:cond delay="0"/>
+                                  </p:stCondLst>
+                                  <p:childTnLst>
+                                    <p:set>
+                                      <p:cBhvr>
+                                        <p:cTn id="21" dur="1" fill="hold">
+                                          <p:stCondLst>
+                                            <p:cond delay="0"/>
+                                          </p:stCondLst>
+                                        </p:cTn>
+                                        <p:tgtEl>
+                                          <p:spTgt spid="17"/>
+                                        </p:tgtEl>
+                                        <p:attrNameLst>
+                                          <p:attrName>style.visibility</p:attrName>
+                                        </p:attrNameLst>
+                                      </p:cBhvr>
+                                      <p:to>
+                                        <p:strVal val="visible"/>
+                                      </p:to>
+                                    </p:set>
+                                    <p:animEffect transition="in" filter="fade">
+                                      <p:cBhvr>
+                                        <p:cTn id="22" dur="500"/>
+                                        <p:tgtEl>
+                                          <p:spTgt spid="17"/>
+                                        </p:tgtEl>
+                                      </p:cBhvr>
+                                    </p:animEffect>
+                                  </p:childTnLst>
+                                </p:cTn>
+                              </p:par>
+                            </p:childTnLst>
+                          </p:cTn>
+                        </p:par>
+                      </p:childTnLst>
+                    </p:cTn>
+                  </p:par>
+                  <p:par>
+                    <p:cTn id="23" fill="hold">
+                      <p:stCondLst>
+                        <p:cond delay="indefinite"/>
+                      </p:stCondLst>
+                      <p:childTnLst>
+                        <p:par>
+                          <p:cTn id="24" fill="hold">
+                            <p:stCondLst>
+                              <p:cond delay="0"/>
+                            </p:stCondLst>
+                            <p:childTnLst>
+                              <p:par>
+                                <p:cTn id="25" presetID="10" presetClass="entr" presetSubtype="0" fill="hold" grpId="0" nodeType="clickEffect">
+                                  <p:stCondLst>
+                                    <p:cond delay="0"/>
+                                  </p:stCondLst>
+                                  <p:childTnLst>
+                                    <p:set>
+                                      <p:cBhvr>
+                                        <p:cTn id="26" dur="1" fill="hold">
+                                          <p:stCondLst>
+                                            <p:cond delay="0"/>
+                                          </p:stCondLst>
+                                        </p:cTn>
+                                        <p:tgtEl>
+                                          <p:spTgt spid="9"/>
+                                        </p:tgtEl>
+                                        <p:attrNameLst>
+                                          <p:attrName>style.visibility</p:attrName>
+                                        </p:attrNameLst>
+                                      </p:cBhvr>
+                                      <p:to>
+                                        <p:strVal val="visible"/>
+                                      </p:to>
+                                    </p:set>
+                                    <p:animEffect transition="in" filter="fade">
+                                      <p:cBhvr>
+                                        <p:cTn id="27" dur="500"/>
+                                        <p:tgtEl>
+                                          <p:spTgt spid="9"/>
+                                        </p:tgtEl>
+                                      </p:cBhvr>
+                                    </p:animEffect>
+                                  </p:childTnLst>
+                                </p:cTn>
+                              </p:par>
+                              <p:par>
+                                <p:cTn id="28" presetID="10" presetClass="entr" presetSubtype="0" fill="hold" nodeType="withEffect">
+                                  <p:stCondLst>
+                                    <p:cond delay="0"/>
+                                  </p:stCondLst>
+                                  <p:childTnLst>
+                                    <p:set>
+                                      <p:cBhvr>
+                                        <p:cTn id="29" dur="1" fill="hold">
+                                          <p:stCondLst>
+                                            <p:cond delay="0"/>
+                                          </p:stCondLst>
+                                        </p:cTn>
+                                        <p:tgtEl>
+                                          <p:spTgt spid="4"/>
+                                        </p:tgtEl>
+                                        <p:attrNameLst>
+                                          <p:attrName>style.visibility</p:attrName>
+                                        </p:attrNameLst>
+                                      </p:cBhvr>
+                                      <p:to>
+                                        <p:strVal val="visible"/>
+                                      </p:to>
+                                    </p:set>
+                                    <p:animEffect transition="in" filter="fade">
+                                      <p:cBhvr>
+                                        <p:cTn id="30" dur="500"/>
+                                        <p:tgtEl>
+                                          <p:spTgt spid="4"/>
+                                        </p:tgtEl>
+                                      </p:cBhvr>
+                                    </p:animEffect>
+                                  </p:childTnLst>
+                                </p:cTn>
+                              </p:par>
+                              <p:par>
+                                <p:cTn id="31" presetID="10" presetClass="entr" presetSubtype="0" fill="hold" grpId="0" nodeType="withEffect">
+                                  <p:stCondLst>
+                                    <p:cond delay="0"/>
+                                  </p:stCondLst>
+                                  <p:childTnLst>
+                                    <p:set>
+                                      <p:cBhvr>
+                                        <p:cTn id="32" dur="1" fill="hold">
+                                          <p:stCondLst>
+                                            <p:cond delay="0"/>
+                                          </p:stCondLst>
+                                        </p:cTn>
+                                        <p:tgtEl>
+                                          <p:spTgt spid="23"/>
+                                        </p:tgtEl>
+                                        <p:attrNameLst>
+                                          <p:attrName>style.visibility</p:attrName>
+                                        </p:attrNameLst>
+                                      </p:cBhvr>
+                                      <p:to>
+                                        <p:strVal val="visible"/>
+                                      </p:to>
+                                    </p:set>
+                                    <p:animEffect transition="in" filter="fade">
+                                      <p:cBhvr>
+                                        <p:cTn id="33" dur="500"/>
+                                        <p:tgtEl>
+                                          <p:spTgt spid="23"/>
+                                        </p:tgtEl>
+                                      </p:cBhvr>
+                                    </p:animEffect>
+                                  </p:childTnLst>
+                                </p:cTn>
+                              </p:par>
+                            </p:childTnLst>
+                          </p:cTn>
+                        </p:par>
+                      </p:childTnLst>
+                    </p:cTn>
+                  </p:par>
+                  <p:par>
+                    <p:cTn id="34" fill="hold">
+                      <p:stCondLst>
+                        <p:cond delay="indefinite"/>
+                      </p:stCondLst>
+                      <p:childTnLst>
+                        <p:par>
+                          <p:cTn id="35" fill="hold">
+                            <p:stCondLst>
+                              <p:cond delay="0"/>
+                            </p:stCondLst>
+                            <p:childTnLst>
+                              <p:par>
+                                <p:cTn id="36" presetID="10" presetClass="entr" presetSubtype="0" fill="hold" grpId="0" nodeType="clickEffect">
+                                  <p:stCondLst>
+                                    <p:cond delay="0"/>
+                                  </p:stCondLst>
+                                  <p:childTnLst>
+                                    <p:set>
+                                      <p:cBhvr>
+                                        <p:cTn id="37" dur="1" fill="hold">
+                                          <p:stCondLst>
+                                            <p:cond delay="0"/>
+                                          </p:stCondLst>
+                                        </p:cTn>
+                                        <p:tgtEl>
+                                          <p:spTgt spid="8"/>
+                                        </p:tgtEl>
+                                        <p:attrNameLst>
+                                          <p:attrName>style.visibility</p:attrName>
+                                        </p:attrNameLst>
+                                      </p:cBhvr>
+                                      <p:to>
+                                        <p:strVal val="visible"/>
+                                      </p:to>
+                                    </p:set>
+                                    <p:animEffect transition="in" filter="fade">
+                                      <p:cBhvr>
+                                        <p:cTn id="38" dur="500"/>
+                                        <p:tgtEl>
+                                          <p:spTgt spid="8"/>
+                                        </p:tgtEl>
+                                      </p:cBhvr>
+                                    </p:animEffect>
+                                  </p:childTnLst>
+                                </p:cTn>
+                              </p:par>
+                              <p:par>
+                                <p:cTn id="39" presetID="10" presetClass="entr" presetSubtype="0" fill="hold" nodeType="withEffect">
+                                  <p:stCondLst>
+                                    <p:cond delay="0"/>
+                                  </p:stCondLst>
+                                  <p:childTnLst>
+                                    <p:set>
+                                      <p:cBhvr>
+                                        <p:cTn id="40" dur="1" fill="hold">
+                                          <p:stCondLst>
+                                            <p:cond delay="0"/>
+                                          </p:stCondLst>
+                                        </p:cTn>
+                                        <p:tgtEl>
+                                          <p:spTgt spid="6"/>
+                                        </p:tgtEl>
+                                        <p:attrNameLst>
+                                          <p:attrName>style.visibility</p:attrName>
+                                        </p:attrNameLst>
+                                      </p:cBhvr>
+                                      <p:to>
+                                        <p:strVal val="visible"/>
+                                      </p:to>
+                                    </p:set>
+                                    <p:animEffect transition="in" filter="fade">
+                                      <p:cBhvr>
+                                        <p:cTn id="41" dur="500"/>
+                                        <p:tgtEl>
+                                          <p:spTgt spid="6"/>
+                                        </p:tgtEl>
+                                      </p:cBhvr>
+                                    </p:animEffect>
+                                  </p:childTnLst>
+                                </p:cTn>
+                              </p:par>
+                              <p:par>
+                                <p:cTn id="42" presetID="10" presetClass="entr" presetSubtype="0" fill="hold" grpId="0" nodeType="withEffect">
+                                  <p:stCondLst>
+                                    <p:cond delay="0"/>
+                                  </p:stCondLst>
+                                  <p:childTnLst>
+                                    <p:set>
+                                      <p:cBhvr>
+                                        <p:cTn id="43" dur="1" fill="hold">
+                                          <p:stCondLst>
+                                            <p:cond delay="0"/>
+                                          </p:stCondLst>
+                                        </p:cTn>
+                                        <p:tgtEl>
+                                          <p:spTgt spid="21"/>
+                                        </p:tgtEl>
+                                        <p:attrNameLst>
+                                          <p:attrName>style.visibility</p:attrName>
+                                        </p:attrNameLst>
+                                      </p:cBhvr>
+                                      <p:to>
+                                        <p:strVal val="visible"/>
+                                      </p:to>
+                                    </p:set>
+                                    <p:animEffect transition="in" filter="fade">
+                                      <p:cBhvr>
+                                        <p:cTn id="44" dur="500"/>
+                                        <p:tgtEl>
+                                          <p:spTgt spid="21"/>
+                                        </p:tgtEl>
+                                      </p:cBhvr>
+                                    </p:animEffect>
+                                  </p:childTnLst>
+                                </p:cTn>
+                              </p:par>
+                            </p:childTnLst>
+                          </p:cTn>
+                        </p:par>
+                      </p:childTnLst>
+                    </p:cTn>
+                  </p:par>
+                  <p:par>
+                    <p:cTn id="45" fill="hold">
+                      <p:stCondLst>
+                        <p:cond delay="indefinite"/>
+                      </p:stCondLst>
+                      <p:childTnLst>
+                        <p:par>
+                          <p:cTn id="46" fill="hold">
+                            <p:stCondLst>
+                              <p:cond delay="0"/>
+                            </p:stCondLst>
+                            <p:childTnLst>
+                              <p:par>
+                                <p:cTn id="47" presetID="10" presetClass="entr" presetSubtype="0" fill="hold" grpId="0" nodeType="clickEffect">
+                                  <p:stCondLst>
+                                    <p:cond delay="0"/>
+                                  </p:stCondLst>
+                                  <p:childTnLst>
+                                    <p:set>
+                                      <p:cBhvr>
+                                        <p:cTn id="48" dur="1" fill="hold">
+                                          <p:stCondLst>
+                                            <p:cond delay="0"/>
+                                          </p:stCondLst>
+                                        </p:cTn>
+                                        <p:tgtEl>
+                                          <p:spTgt spid="18"/>
+                                        </p:tgtEl>
+                                        <p:attrNameLst>
+                                          <p:attrName>style.visibility</p:attrName>
+                                        </p:attrNameLst>
+                                      </p:cBhvr>
+                                      <p:to>
+                                        <p:strVal val="visible"/>
+                                      </p:to>
+                                    </p:set>
+                                    <p:animEffect transition="in" filter="fade">
+                                      <p:cBhvr>
+                                        <p:cTn id="49" dur="500"/>
+                                        <p:tgtEl>
+                                          <p:spTgt spid="18"/>
+                                        </p:tgtEl>
+                                      </p:cBhvr>
+                                    </p:animEffect>
+                                  </p:childTnLst>
+                                </p:cTn>
+                              </p:par>
+                              <p:par>
+                                <p:cTn id="50" presetID="10" presetClass="entr" presetSubtype="0" fill="hold" nodeType="withEffect">
+                                  <p:stCondLst>
+                                    <p:cond delay="0"/>
+                                  </p:stCondLst>
+                                  <p:childTnLst>
+                                    <p:set>
+                                      <p:cBhvr>
+                                        <p:cTn id="51" dur="1" fill="hold">
+                                          <p:stCondLst>
+                                            <p:cond delay="0"/>
+                                          </p:stCondLst>
+                                        </p:cTn>
+                                        <p:tgtEl>
+                                          <p:spTgt spid="5"/>
+                                        </p:tgtEl>
+                                        <p:attrNameLst>
+                                          <p:attrName>style.visibility</p:attrName>
+                                        </p:attrNameLst>
+                                      </p:cBhvr>
+                                      <p:to>
+                                        <p:strVal val="visible"/>
+                                      </p:to>
+                                    </p:set>
+                                    <p:animEffect transition="in" filter="fade">
+                                      <p:cBhvr>
+                                        <p:cTn id="52" dur="500"/>
+                                        <p:tgtEl>
+                                          <p:spTgt spid="5"/>
+                                        </p:tgtEl>
+                                      </p:cBhvr>
+                                    </p:animEffect>
+                                  </p:childTnLst>
+                                </p:cTn>
+                              </p:par>
+                            </p:childTnLst>
+                          </p:cTn>
+                        </p:par>
+                      </p:childTnLst>
+                    </p:cTn>
+                  </p:par>
+                  <p:par>
+                    <p:cTn id="53" fill="hold">
+                      <p:stCondLst>
+                        <p:cond delay="indefinite"/>
+                      </p:stCondLst>
+                      <p:childTnLst>
+                        <p:par>
+                          <p:cTn id="54" fill="hold">
+                            <p:stCondLst>
+                              <p:cond delay="0"/>
+                            </p:stCondLst>
+                            <p:childTnLst>
+                              <p:par>
+                                <p:cTn id="55" presetID="10" presetClass="entr" presetSubtype="0" fill="hold" grpId="0" nodeType="clickEffect">
+                                  <p:stCondLst>
+                                    <p:cond delay="0"/>
+                                  </p:stCondLst>
+                                  <p:childTnLst>
+                                    <p:set>
+                                      <p:cBhvr>
+                                        <p:cTn id="56" dur="1" fill="hold">
+                                          <p:stCondLst>
+                                            <p:cond delay="0"/>
+                                          </p:stCondLst>
+                                        </p:cTn>
+                                        <p:tgtEl>
+                                          <p:spTgt spid="20"/>
+                                        </p:tgtEl>
+                                        <p:attrNameLst>
+                                          <p:attrName>style.visibility</p:attrName>
+                                        </p:attrNameLst>
+                                      </p:cBhvr>
+                                      <p:to>
+                                        <p:strVal val="visible"/>
+                                      </p:to>
+                                    </p:set>
+                                    <p:animEffect transition="in" filter="fade">
+                                      <p:cBhvr>
+                                        <p:cTn id="57" dur="500"/>
+                                        <p:tgtEl>
+                                          <p:spTgt spid="20"/>
+                                        </p:tgtEl>
+                                      </p:cBhvr>
+                                    </p:animEffect>
+                                  </p:childTnLst>
+                                </p:cTn>
+                              </p:par>
+                              <p:par>
+                                <p:cTn id="58" presetID="10" presetClass="entr" presetSubtype="0" fill="hold" nodeType="withEffect">
+                                  <p:stCondLst>
+                                    <p:cond delay="0"/>
+                                  </p:stCondLst>
+                                  <p:childTnLst>
+                                    <p:set>
+                                      <p:cBhvr>
+                                        <p:cTn id="59" dur="1" fill="hold">
+                                          <p:stCondLst>
+                                            <p:cond delay="0"/>
+                                          </p:stCondLst>
+                                        </p:cTn>
+                                        <p:tgtEl>
+                                          <p:spTgt spid="12"/>
+                                        </p:tgtEl>
+                                        <p:attrNameLst>
+                                          <p:attrName>style.visibility</p:attrName>
+                                        </p:attrNameLst>
+                                      </p:cBhvr>
+                                      <p:to>
+                                        <p:strVal val="visible"/>
+                                      </p:to>
+                                    </p:set>
+                                    <p:animEffect transition="in" filter="fade">
+                                      <p:cBhvr>
+                                        <p:cTn id="60" dur="500"/>
+                                        <p:tgtEl>
+                                          <p:spTgt spid="12"/>
+                                        </p:tgtEl>
+                                      </p:cBhvr>
+                                    </p:animEffect>
+                                  </p:childTnLst>
+                                </p:cTn>
+                              </p:par>
+                              <p:par>
+                                <p:cTn id="61" presetID="10" presetClass="entr" presetSubtype="0" fill="hold" grpId="0" nodeType="withEffect">
+                                  <p:stCondLst>
+                                    <p:cond delay="0"/>
+                                  </p:stCondLst>
+                                  <p:childTnLst>
+                                    <p:set>
+                                      <p:cBhvr>
+                                        <p:cTn id="62" dur="1" fill="hold">
+                                          <p:stCondLst>
+                                            <p:cond delay="0"/>
+                                          </p:stCondLst>
+                                        </p:cTn>
+                                        <p:tgtEl>
+                                          <p:spTgt spid="22"/>
+                                        </p:tgtEl>
+                                        <p:attrNameLst>
+                                          <p:attrName>style.visibility</p:attrName>
+                                        </p:attrNameLst>
+                                      </p:cBhvr>
+                                      <p:to>
+                                        <p:strVal val="visible"/>
+                                      </p:to>
+                                    </p:set>
+                                    <p:animEffect transition="in" filter="fade">
+                                      <p:cBhvr>
+                                        <p:cTn id="63" dur="500"/>
+                                        <p:tgtEl>
+                                          <p:spTgt spid="22"/>
+                                        </p:tgtEl>
+                                      </p:cBhvr>
+                                    </p:animEffect>
+                                  </p:childTnLst>
+                                </p:cTn>
+                              </p:par>
+                            </p:childTnLst>
+                          </p:cTn>
+                        </p:par>
+                      </p:childTnLst>
+                    </p:cTn>
+                  </p:par>
+                  <p:par>
+                    <p:cTn id="64" fill="hold">
+                      <p:stCondLst>
+                        <p:cond delay="indefinite"/>
+                      </p:stCondLst>
+                      <p:childTnLst>
+                        <p:par>
+                          <p:cTn id="65" fill="hold">
+                            <p:stCondLst>
+                              <p:cond delay="0"/>
+                            </p:stCondLst>
+                            <p:childTnLst>
+                              <p:par>
+                                <p:cTn id="66" presetID="10" presetClass="entr" presetSubtype="0" fill="hold" grpId="0" nodeType="clickEffect">
+                                  <p:stCondLst>
+                                    <p:cond delay="0"/>
+                                  </p:stCondLst>
+                                  <p:childTnLst>
+                                    <p:set>
+                                      <p:cBhvr>
+                                        <p:cTn id="67" dur="1" fill="hold">
+                                          <p:stCondLst>
+                                            <p:cond delay="0"/>
+                                          </p:stCondLst>
+                                        </p:cTn>
+                                        <p:tgtEl>
+                                          <p:spTgt spid="10"/>
+                                        </p:tgtEl>
+                                        <p:attrNameLst>
+                                          <p:attrName>style.visibility</p:attrName>
+                                        </p:attrNameLst>
+                                      </p:cBhvr>
+                                      <p:to>
+                                        <p:strVal val="visible"/>
+                                      </p:to>
+                                    </p:set>
+                                    <p:animEffect transition="in" filter="fade">
+                                      <p:cBhvr>
+                                        <p:cTn id="68" dur="500"/>
+                                        <p:tgtEl>
+                                          <p:spTgt spid="10"/>
+                                        </p:tgtEl>
+                                      </p:cBhvr>
+                                    </p:animEffect>
+                                  </p:childTnLst>
+                                </p:cTn>
+                              </p:par>
+                              <p:par>
+                                <p:cTn id="69" presetID="10" presetClass="entr" presetSubtype="0" fill="hold" nodeType="withEffect">
+                                  <p:stCondLst>
+                                    <p:cond delay="0"/>
+                                  </p:stCondLst>
+                                  <p:childTnLst>
+                                    <p:set>
+                                      <p:cBhvr>
+                                        <p:cTn id="70" dur="1" fill="hold">
+                                          <p:stCondLst>
+                                            <p:cond delay="0"/>
+                                          </p:stCondLst>
+                                        </p:cTn>
+                                        <p:tgtEl>
+                                          <p:spTgt spid="13"/>
+                                        </p:tgtEl>
+                                        <p:attrNameLst>
+                                          <p:attrName>style.visibility</p:attrName>
+                                        </p:attrNameLst>
+                                      </p:cBhvr>
+                                      <p:to>
+                                        <p:strVal val="visible"/>
+                                      </p:to>
+                                    </p:set>
+                                    <p:animEffect transition="in" filter="fade">
+                                      <p:cBhvr>
+                                        <p:cTn id="71" dur="500"/>
+                                        <p:tgtEl>
+                                          <p:spTgt spid="13"/>
+                                        </p:tgtEl>
+                                      </p:cBhvr>
+                                    </p:animEffect>
+                                  </p:childTnLst>
+                                </p:cTn>
+                              </p:par>
+                            </p:childTnLst>
+                          </p:cTn>
+                        </p:par>
+                      </p:childTnLst>
+                    </p:cTn>
+                  </p:par>
+                  <p:par>
+                    <p:cTn id="72" fill="hold">
+                      <p:stCondLst>
+                        <p:cond delay="indefinite"/>
+                      </p:stCondLst>
+                      <p:childTnLst>
+                        <p:par>
+                          <p:cTn id="73" fill="hold">
+                            <p:stCondLst>
+                              <p:cond delay="0"/>
+                            </p:stCondLst>
+                            <p:childTnLst>
+                              <p:par>
+                                <p:cTn id="74" presetID="10" presetClass="entr" presetSubtype="0" fill="hold" grpId="0" nodeType="clickEffect">
+                                  <p:stCondLst>
+                                    <p:cond delay="0"/>
+                                  </p:stCondLst>
+                                  <p:childTnLst>
+                                    <p:set>
+                                      <p:cBhvr>
+                                        <p:cTn id="75" dur="1" fill="hold">
+                                          <p:stCondLst>
+                                            <p:cond delay="0"/>
+                                          </p:stCondLst>
+                                        </p:cTn>
+                                        <p:tgtEl>
+                                          <p:spTgt spid="7"/>
+                                        </p:tgtEl>
+                                        <p:attrNameLst>
+                                          <p:attrName>style.visibility</p:attrName>
+                                        </p:attrNameLst>
+                                      </p:cBhvr>
+                                      <p:to>
+                                        <p:strVal val="visible"/>
+                                      </p:to>
+                                    </p:set>
+                                    <p:animEffect transition="in" filter="fade">
+                                      <p:cBhvr>
+                                        <p:cTn id="76" dur="500"/>
+                                        <p:tgtEl>
+                                          <p:spTgt spid="7"/>
+                                        </p:tgtEl>
+                                      </p:cBhvr>
+                                    </p:animEffect>
+                                  </p:childTnLst>
+                                </p:cTn>
+                              </p:par>
+                              <p:par>
+                                <p:cTn id="77" presetID="10" presetClass="entr" presetSubtype="0" fill="hold" nodeType="withEffect">
+                                  <p:stCondLst>
+                                    <p:cond delay="0"/>
+                                  </p:stCondLst>
+                                  <p:childTnLst>
+                                    <p:set>
+                                      <p:cBhvr>
+                                        <p:cTn id="78" dur="1" fill="hold">
+                                          <p:stCondLst>
+                                            <p:cond delay="0"/>
+                                          </p:stCondLst>
+                                        </p:cTn>
+                                        <p:tgtEl>
+                                          <p:spTgt spid="11"/>
+                                        </p:tgtEl>
+                                        <p:attrNameLst>
+                                          <p:attrName>style.visibility</p:attrName>
+                                        </p:attrNameLst>
+                                      </p:cBhvr>
+                                      <p:to>
+                                        <p:strVal val="visible"/>
+                                      </p:to>
+                                    </p:set>
+                                    <p:animEffect transition="in" filter="fade">
+                                      <p:cBhvr>
+                                        <p:cTn id="79" dur="500"/>
+                                        <p:tgtEl>
+                                          <p:spTgt spid="11"/>
+                                        </p:tgtEl>
+                                      </p:cBhvr>
+                                    </p:animEffect>
+                                  </p:childTnLst>
+                                </p:cTn>
+                              </p:par>
+                              <p:par>
+                                <p:cTn id="80" presetID="10" presetClass="entr" presetSubtype="0" fill="hold" grpId="0" nodeType="withEffect">
+                                  <p:stCondLst>
+                                    <p:cond delay="0"/>
+                                  </p:stCondLst>
+                                  <p:childTnLst>
+                                    <p:set>
+                                      <p:cBhvr>
+                                        <p:cTn id="81" dur="1" fill="hold">
+                                          <p:stCondLst>
+                                            <p:cond delay="0"/>
+                                          </p:stCondLst>
+                                        </p:cTn>
+                                        <p:tgtEl>
+                                          <p:spTgt spid="24"/>
+                                        </p:tgtEl>
+                                        <p:attrNameLst>
+                                          <p:attrName>style.visibility</p:attrName>
+                                        </p:attrNameLst>
+                                      </p:cBhvr>
+                                      <p:to>
+                                        <p:strVal val="visible"/>
+                                      </p:to>
+                                    </p:set>
+                                    <p:animEffect transition="in" filter="fade">
+                                      <p:cBhvr>
+                                        <p:cTn id="82" dur="500"/>
+                                        <p:tgtEl>
+                                          <p:spTgt spid="24"/>
+                                        </p:tgtEl>
+                                      </p:cBhvr>
+                                    </p:animEffect>
+                                  </p:childTnLst>
+                                </p:cTn>
+                              </p:par>
+                            </p:childTnLst>
+                          </p:cTn>
+                        </p:par>
+                      </p:childTnLst>
+                    </p:cTn>
+                  </p:par>
+                  <p:par>
+                    <p:cTn id="83" fill="hold">
+                      <p:stCondLst>
+                        <p:cond delay="indefinite"/>
+                      </p:stCondLst>
+                      <p:childTnLst>
+                        <p:par>
+                          <p:cTn id="84" fill="hold">
+                            <p:stCondLst>
+                              <p:cond delay="0"/>
+                            </p:stCondLst>
+                            <p:childTnLst>
+                              <p:par>
+                                <p:cTn id="85" presetID="10" presetClass="entr" presetSubtype="0" fill="hold" grpId="0" nodeType="clickEffect">
+                                  <p:stCondLst>
+                                    <p:cond delay="0"/>
+                                  </p:stCondLst>
+                                  <p:childTnLst>
+                                    <p:set>
+                                      <p:cBhvr>
+                                        <p:cTn id="86" dur="1" fill="hold">
+                                          <p:stCondLst>
+                                            <p:cond delay="0"/>
+                                          </p:stCondLst>
+                                        </p:cTn>
+                                        <p:tgtEl>
+                                          <p:spTgt spid="15"/>
+                                        </p:tgtEl>
+                                        <p:attrNameLst>
+                                          <p:attrName>style.visibility</p:attrName>
+                                        </p:attrNameLst>
+                                      </p:cBhvr>
+                                      <p:to>
+                                        <p:strVal val="visible"/>
+                                      </p:to>
+                                    </p:set>
+                                    <p:animEffect transition="in" filter="fade">
+                                      <p:cBhvr>
+                                        <p:cTn id="87" dur="500"/>
+                                        <p:tgtEl>
+                                          <p:spTgt spid="15"/>
+                                        </p:tgtEl>
+                                      </p:cBhvr>
+                                    </p:animEffect>
+                                  </p:childTnLst>
+                                </p:cTn>
+                              </p:par>
+                              <p:par>
+                                <p:cTn id="88" presetID="10" presetClass="entr" presetSubtype="0" fill="hold" nodeType="withEffect">
+                                  <p:stCondLst>
+                                    <p:cond delay="0"/>
+                                  </p:stCondLst>
+                                  <p:childTnLst>
+                                    <p:set>
+                                      <p:cBhvr>
+                                        <p:cTn id="89" dur="1" fill="hold">
+                                          <p:stCondLst>
+                                            <p:cond delay="0"/>
+                                          </p:stCondLst>
+                                        </p:cTn>
+                                        <p:tgtEl>
+                                          <p:spTgt spid="14"/>
+                                        </p:tgtEl>
+                                        <p:attrNameLst>
+                                          <p:attrName>style.visibility</p:attrName>
+                                        </p:attrNameLst>
+                                      </p:cBhvr>
+                                      <p:to>
+                                        <p:strVal val="visible"/>
+                                      </p:to>
+                                    </p:set>
+                                    <p:animEffect transition="in" filter="fade">
+                                      <p:cBhvr>
+                                        <p:cTn id="90" dur="500"/>
+                                        <p:tgtEl>
+                                          <p:spTgt spid="14"/>
+                                        </p:tgtEl>
+                                      </p:cBhvr>
+                                    </p:animEffect>
+                                  </p:childTnLst>
+                                </p:cTn>
+                              </p:par>
+                            </p:childTnLst>
+                          </p:cTn>
+                        </p:par>
+                      </p:childTnLst>
+                    </p:cTn>
+                  </p:par>
+                </p:childTnLst>
+              </p:cTn>
+              <p:prevCondLst>
+                <p:cond evt="onPrev" delay="0">
+                  <p:tgtEl>
+                    <p:sldTgt/>
+                  </p:tgtEl>
+                </p:cond>
+              </p:prevCondLst>
+              <p:nextCondLst>
+                <p:cond evt="onNext" delay="0">
+                  <p:tgtEl>
+                    <p:sldTgt/>
+                  </p:tgtEl>
+                </p:cond>
+              </p:nextCondLst>
+            </p:seq>
+          </p:childTnLst>
+        </p:cTn>
+      </p:par>
+    </p:tnLst>
+    <p:bldLst>
+      <p:bldP spid="3" grpId="0" animBg="1"/>
+      <p:bldP spid="7" grpId="0"/>
+      <p:bldP spid="8" grpId="0"/>
+      <p:bldP spid="9" grpId="0"/>
+      <p:bldP spid="10" grpId="0"/>
+      <p:bldP spid="15" grpId="0"/>
+      <p:bldP spid="16" grpId="0"/>
+      <p:bldP spid="17" grpId="0"/>
+      <p:bldP spid="18" grpId="0"/>
+      <p:bldP spid="20" grpId="0"/>
+      <p:bldP spid="21" grpId="0" animBg="1"/>
+      <p:bldP spid="22" grpId="0" animBg="1"/>
+      <p:bldP spid="23" grpId="0" animBg="1"/>
+      <p:bldP spid="24" grpId="0" animBg="1"/>
+      <p:bldP spid="26" grpId="0" animBg="1"/>
+    </p:bldLst>
+  </p:timing>
+</p:sld>
+</file>
+
+<file path=ppt/slides/slide7.xml><?xml version="1.0" encoding="utf-8"?>
+<p:sld xmlns:a="http://schemas.openxmlformats.org/drawingml/2006/main" xmlns:r="http://schemas.openxmlformats.org/officeDocument/2006/relationships" xmlns:p="http://schemas.openxmlformats.org/presentationml/2006/main">
+  <p:cSld>
+    <p:spTree>
+      <p:nvGrpSpPr>
+        <p:cNvPr id="1" name=""/>
+        <p:cNvGrpSpPr/>
+        <p:nvPr/>
+      </p:nvGrpSpPr>
+      <p:grpSpPr>
+        <a:xfrm>
+          <a:off x="0" y="0"/>
+          <a:ext cx="0" cy="0"/>
+          <a:chOff x="0" y="0"/>
+          <a:chExt cx="0" cy="0"/>
+        </a:xfrm>
+      </p:grpSpPr>
+      <p:sp>
+        <p:nvSpPr>
+          <p:cNvPr id="2" name="Abgerundetes Rechteck 1"/>
+          <p:cNvSpPr/>
+          <p:nvPr/>
+        </p:nvSpPr>
+        <p:spPr>
+          <a:xfrm>
+            <a:off x="3625433" y="3214686"/>
+            <a:ext cx="555755" cy="359546"/>
+          </a:xfrm>
+          <a:prstGeom prst="roundRect">
+            <a:avLst/>
+          </a:prstGeom>
+          <a:solidFill>
+            <a:schemeClr val="accent1">
+              <a:lumMod val="60000"/>
+              <a:lumOff val="40000"/>
+            </a:schemeClr>
+          </a:solidFill>
+        </p:spPr>
+        <p:style>
+          <a:lnRef idx="2">
+            <a:schemeClr val="accent1">
+              <a:shade val="50000"/>
+            </a:schemeClr>
+          </a:lnRef>
+          <a:fillRef idx="1">
+            <a:schemeClr val="accent1"/>
+          </a:fillRef>
+          <a:effectRef idx="0">
+            <a:schemeClr val="accent1"/>
+          </a:effectRef>
+          <a:fontRef idx="minor">
+            <a:schemeClr val="lt1"/>
+          </a:fontRef>
+        </p:style>
+        <p:txBody>
+          <a:bodyPr rtlCol="0" anchor="ctr"/>
+          <a:lstStyle/>
+          <a:p>
+            <a:pPr algn="ctr"/>
+            <a:r>
+              <a:rPr lang="de-DE" b="1" smtClean="0">
+                <a:solidFill>
+                  <a:schemeClr val="accent1">
+                    <a:lumMod val="50000"/>
+                  </a:schemeClr>
+                </a:solidFill>
+              </a:rPr>
+              <a:t>v4</a:t>
+            </a:r>
+          </a:p>
+        </p:txBody>
+      </p:sp>
+      <p:grpSp>
+        <p:nvGrpSpPr>
+          <p:cNvPr id="3" name="Gruppieren 2"/>
+          <p:cNvGrpSpPr/>
+          <p:nvPr/>
+        </p:nvGrpSpPr>
+        <p:grpSpPr>
+          <a:xfrm>
+            <a:off x="857224" y="1214422"/>
+            <a:ext cx="7500990" cy="4143404"/>
+            <a:chOff x="857224" y="1214422"/>
+            <a:chExt cx="7500990" cy="4143404"/>
+          </a:xfrm>
+        </p:grpSpPr>
+        <p:sp>
+          <p:nvSpPr>
+            <p:cNvPr id="4" name="Abgerundetes Rechteck 3"/>
+            <p:cNvSpPr/>
+            <p:nvPr/>
+          </p:nvSpPr>
+          <p:spPr>
+            <a:xfrm>
+              <a:off x="1000100" y="1214422"/>
+              <a:ext cx="7358114" cy="4143404"/>
+            </a:xfrm>
+            <a:prstGeom prst="roundRect">
+              <a:avLst>
+                <a:gd name="adj" fmla="val 3850"/>
+              </a:avLst>
+            </a:prstGeom>
+            <a:solidFill>
+              <a:schemeClr val="accent1">
+                <a:lumMod val="60000"/>
+                <a:lumOff val="40000"/>
+              </a:schemeClr>
+            </a:solidFill>
+            <a:ln w="38100">
+              <a:solidFill>
+                <a:schemeClr val="accent1">
+                  <a:lumMod val="75000"/>
+                </a:schemeClr>
+              </a:solidFill>
+            </a:ln>
+          </p:spPr>
+          <p:style>
+            <a:lnRef idx="2">
+              <a:schemeClr val="accent1">
+                <a:shade val="50000"/>
+              </a:schemeClr>
+            </a:lnRef>
+            <a:fillRef idx="1">
+              <a:schemeClr val="accent1"/>
+            </a:fillRef>
+            <a:effectRef idx="0">
+              <a:schemeClr val="accent1"/>
+            </a:effectRef>
+            <a:fontRef idx="minor">
+              <a:schemeClr val="lt1"/>
+            </a:fontRef>
+          </p:style>
+          <p:txBody>
+            <a:bodyPr rtlCol="0" anchor="t"/>
+            <a:lstStyle/>
+            <a:p>
+              <a:r>
+                <a:rPr lang="en-US" sz="2400" b="1" smtClean="0">
+                  <a:solidFill>
+                    <a:srgbClr val="FFFFFF"/>
+                  </a:solidFill>
+                  <a:latin typeface="Arial" pitchFamily="34" charset="0"/>
+                  <a:cs typeface="Arial" pitchFamily="34" charset="0"/>
+                </a:rPr>
+                <a:t>       CDORevision</a:t>
+              </a:r>
+            </a:p>
+          </p:txBody>
+        </p:sp>
+        <p:sp>
+          <p:nvSpPr>
+            <p:cNvPr id="5" name="Textfeld 4"/>
+            <p:cNvSpPr txBox="1"/>
+            <p:nvPr/>
+          </p:nvSpPr>
+          <p:spPr>
+            <a:xfrm>
+              <a:off x="857224" y="2165179"/>
+              <a:ext cx="2177988" cy="2677656"/>
+            </a:xfrm>
+            <a:prstGeom prst="rect">
+              <a:avLst/>
+            </a:prstGeom>
+            <a:noFill/>
+          </p:spPr>
+          <p:txBody>
+            <a:bodyPr wrap="square" rtlCol="0">
+              <a:spAutoFit/>
+            </a:bodyPr>
+            <a:lstStyle/>
+            <a:p>
+              <a:pPr algn="r"/>
+              <a:r>
+                <a:rPr lang="en-US" sz="2800" b="1" smtClean="0">
+                  <a:solidFill>
+                    <a:schemeClr val="tx1">
+                      <a:lumMod val="65000"/>
+                      <a:lumOff val="35000"/>
+                    </a:schemeClr>
+                  </a:solidFill>
+                </a:rPr>
+                <a:t>EClass</a:t>
+              </a:r>
+            </a:p>
+            <a:p>
+              <a:pPr algn="r"/>
+              <a:r>
+                <a:rPr lang="en-US" sz="2800" b="1" smtClean="0">
+                  <a:solidFill>
+                    <a:schemeClr val="tx1">
+                      <a:lumMod val="65000"/>
+                      <a:lumOff val="35000"/>
+                    </a:schemeClr>
+                  </a:solidFill>
+                </a:rPr>
+                <a:t>CDOID</a:t>
+              </a:r>
+            </a:p>
+            <a:p>
+              <a:pPr algn="r"/>
+              <a:r>
+                <a:rPr lang="en-US" sz="2800" b="1" smtClean="0">
+                  <a:solidFill>
+                    <a:schemeClr val="tx1">
+                      <a:lumMod val="65000"/>
+                      <a:lumOff val="35000"/>
+                    </a:schemeClr>
+                  </a:solidFill>
+                </a:rPr>
+                <a:t>CDOBranch</a:t>
+              </a:r>
+            </a:p>
+            <a:p>
+              <a:pPr algn="r"/>
+              <a:r>
+                <a:rPr lang="en-US" sz="2800" b="1" smtClean="0">
+                  <a:solidFill>
+                    <a:schemeClr val="tx1">
+                      <a:lumMod val="65000"/>
+                      <a:lumOff val="35000"/>
+                    </a:schemeClr>
+                  </a:solidFill>
+                </a:rPr>
+                <a:t>int</a:t>
+              </a:r>
+            </a:p>
+            <a:p>
+              <a:pPr algn="r"/>
+              <a:r>
+                <a:rPr lang="en-US" sz="2800" b="1" smtClean="0">
+                  <a:solidFill>
+                    <a:schemeClr val="tx1">
+                      <a:lumMod val="65000"/>
+                      <a:lumOff val="35000"/>
+                    </a:schemeClr>
+                  </a:solidFill>
+                </a:rPr>
+                <a:t>long</a:t>
+              </a:r>
+            </a:p>
+            <a:p>
+              <a:pPr algn="r"/>
+              <a:r>
+                <a:rPr lang="en-US" sz="2800" b="1" smtClean="0">
+                  <a:solidFill>
+                    <a:schemeClr val="tx1">
+                      <a:lumMod val="65000"/>
+                      <a:lumOff val="35000"/>
+                    </a:schemeClr>
+                  </a:solidFill>
+                </a:rPr>
+                <a:t>long</a:t>
+              </a:r>
+            </a:p>
+          </p:txBody>
+        </p:sp>
+        <p:sp>
+          <p:nvSpPr>
+            <p:cNvPr id="6" name="Textfeld 5"/>
+            <p:cNvSpPr txBox="1"/>
+            <p:nvPr/>
+          </p:nvSpPr>
+          <p:spPr>
+            <a:xfrm>
+              <a:off x="3035212" y="2165179"/>
+              <a:ext cx="2177988" cy="2677656"/>
+            </a:xfrm>
+            <a:prstGeom prst="rect">
+              <a:avLst/>
+            </a:prstGeom>
+            <a:noFill/>
+          </p:spPr>
+          <p:txBody>
+            <a:bodyPr wrap="square" rtlCol="0">
+              <a:spAutoFit/>
+            </a:bodyPr>
+            <a:lstStyle/>
+            <a:p>
+              <a:r>
+                <a:rPr lang="en-US" sz="2800" b="1" smtClean="0">
+                  <a:solidFill>
+                    <a:schemeClr val="tx1">
+                      <a:lumMod val="65000"/>
+                      <a:lumOff val="35000"/>
+                    </a:schemeClr>
+                  </a:solidFill>
+                </a:rPr>
+                <a:t>eClass</a:t>
+              </a:r>
+            </a:p>
+            <a:p>
+              <a:r>
+                <a:rPr lang="en-US" sz="2800" b="1" smtClean="0">
+                  <a:solidFill>
+                    <a:schemeClr val="tx1">
+                      <a:lumMod val="65000"/>
+                      <a:lumOff val="35000"/>
+                    </a:schemeClr>
+                  </a:solidFill>
+                </a:rPr>
+                <a:t>id</a:t>
+              </a:r>
+            </a:p>
+            <a:p>
+              <a:r>
+                <a:rPr lang="en-US" sz="2800" b="1" smtClean="0">
+                  <a:solidFill>
+                    <a:schemeClr val="tx1">
+                      <a:lumMod val="65000"/>
+                      <a:lumOff val="35000"/>
+                    </a:schemeClr>
+                  </a:solidFill>
+                </a:rPr>
+                <a:t>branch</a:t>
+              </a:r>
+            </a:p>
+            <a:p>
+              <a:r>
+                <a:rPr lang="en-US" sz="2800" b="1" smtClean="0">
+                  <a:solidFill>
+                    <a:schemeClr val="tx1">
+                      <a:lumMod val="65000"/>
+                      <a:lumOff val="35000"/>
+                    </a:schemeClr>
+                  </a:solidFill>
+                </a:rPr>
+                <a:t>version</a:t>
+              </a:r>
+            </a:p>
+            <a:p>
+              <a:r>
+                <a:rPr lang="en-US" sz="2800" b="1" smtClean="0">
+                  <a:solidFill>
+                    <a:schemeClr val="tx1">
+                      <a:lumMod val="65000"/>
+                      <a:lumOff val="35000"/>
+                    </a:schemeClr>
+                  </a:solidFill>
+                </a:rPr>
+                <a:t>created</a:t>
+              </a:r>
+            </a:p>
+            <a:p>
+              <a:r>
+                <a:rPr lang="en-US" sz="2800" b="1" smtClean="0">
+                  <a:solidFill>
+                    <a:schemeClr val="tx1">
+                      <a:lumMod val="65000"/>
+                      <a:lumOff val="35000"/>
+                    </a:schemeClr>
+                  </a:solidFill>
+                </a:rPr>
+                <a:t>revised</a:t>
+              </a:r>
+            </a:p>
+          </p:txBody>
+        </p:sp>
+        <p:sp>
+          <p:nvSpPr>
+            <p:cNvPr id="7" name="Abgerundetes Rechteck 6"/>
+            <p:cNvSpPr/>
+            <p:nvPr/>
+          </p:nvSpPr>
+          <p:spPr>
+            <a:xfrm>
+              <a:off x="4469199" y="1533145"/>
+              <a:ext cx="3603264" cy="3505957"/>
+            </a:xfrm>
+            <a:prstGeom prst="roundRect">
+              <a:avLst>
+                <a:gd name="adj" fmla="val 6448"/>
+              </a:avLst>
+            </a:prstGeom>
+            <a:solidFill>
+              <a:schemeClr val="bg1"/>
+            </a:solidFill>
+            <a:ln w="38100">
+              <a:solidFill>
+                <a:schemeClr val="accent1">
+                  <a:lumMod val="75000"/>
+                </a:schemeClr>
+              </a:solidFill>
+            </a:ln>
+          </p:spPr>
+          <p:style>
+            <a:lnRef idx="2">
+              <a:schemeClr val="accent1">
+                <a:shade val="50000"/>
+              </a:schemeClr>
+            </a:lnRef>
+            <a:fillRef idx="1">
+              <a:schemeClr val="accent1"/>
+            </a:fillRef>
+            <a:effectRef idx="0">
+              <a:schemeClr val="accent1"/>
+            </a:effectRef>
+            <a:fontRef idx="minor">
+              <a:schemeClr val="lt1"/>
+            </a:fontRef>
+          </p:style>
+          <p:txBody>
+            <a:bodyPr rtlCol="0" anchor="t"/>
+            <a:lstStyle/>
+            <a:p>
+              <a:pPr algn="ctr"/>
+              <a:r>
+                <a:rPr lang="en-US" sz="1600" b="1" smtClean="0">
+                  <a:solidFill>
+                    <a:schemeClr val="tx1">
+                      <a:lumMod val="65000"/>
+                      <a:lumOff val="35000"/>
+                    </a:schemeClr>
+                  </a:solidFill>
+                  <a:latin typeface="Arial" pitchFamily="34" charset="0"/>
+                  <a:cs typeface="Arial" pitchFamily="34" charset="0"/>
+                </a:rPr>
+                <a:t>Revision Data</a:t>
+              </a:r>
+            </a:p>
+          </p:txBody>
+        </p:sp>
+        <p:sp>
+          <p:nvSpPr>
+            <p:cNvPr id="8" name="Textfeld 7"/>
+            <p:cNvSpPr txBox="1"/>
+            <p:nvPr/>
+          </p:nvSpPr>
+          <p:spPr>
+            <a:xfrm>
+              <a:off x="4746239" y="2170592"/>
+              <a:ext cx="3049183" cy="1692771"/>
+            </a:xfrm>
+            <a:prstGeom prst="rect">
+              <a:avLst/>
+            </a:prstGeom>
+            <a:noFill/>
+          </p:spPr>
+          <p:txBody>
+            <a:bodyPr wrap="square" rtlCol="0">
+              <a:spAutoFit/>
+            </a:bodyPr>
+            <a:lstStyle/>
+            <a:p>
+              <a:pPr algn="ctr"/>
+              <a:r>
+                <a:rPr lang="en-US" sz="2600" smtClean="0">
+                  <a:solidFill>
+                    <a:schemeClr val="tx1">
+                      <a:lumMod val="65000"/>
+                      <a:lumOff val="35000"/>
+                    </a:schemeClr>
+                  </a:solidFill>
+                </a:rPr>
+                <a:t>CDOID resourceID</a:t>
+              </a:r>
+            </a:p>
+            <a:p>
+              <a:pPr algn="ctr"/>
+              <a:r>
+                <a:rPr lang="en-US" sz="2600" smtClean="0">
+                  <a:solidFill>
+                    <a:schemeClr val="tx1">
+                      <a:lumMod val="65000"/>
+                      <a:lumOff val="35000"/>
+                    </a:schemeClr>
+                  </a:solidFill>
+                </a:rPr>
+                <a:t>CDOID containerID</a:t>
+              </a:r>
+            </a:p>
+            <a:p>
+              <a:pPr algn="ctr"/>
+              <a:r>
+                <a:rPr lang="en-US" sz="2600" smtClean="0">
+                  <a:solidFill>
+                    <a:schemeClr val="tx1">
+                      <a:lumMod val="65000"/>
+                      <a:lumOff val="35000"/>
+                    </a:schemeClr>
+                  </a:solidFill>
+                </a:rPr>
+                <a:t>int containerFeature</a:t>
+              </a:r>
+            </a:p>
+            <a:p>
+              <a:pPr algn="ctr"/>
+              <a:r>
+                <a:rPr lang="en-US" sz="2600" smtClean="0">
+                  <a:solidFill>
+                    <a:schemeClr val="tx1">
+                      <a:lumMod val="65000"/>
+                      <a:lumOff val="35000"/>
+                    </a:schemeClr>
+                  </a:solidFill>
+                </a:rPr>
+                <a:t>Object[] values</a:t>
+              </a:r>
+            </a:p>
+          </p:txBody>
+        </p:sp>
+        <p:grpSp>
+          <p:nvGrpSpPr>
+            <p:cNvPr id="9" name="Gruppieren 182"/>
+            <p:cNvGrpSpPr/>
+            <p:nvPr/>
+          </p:nvGrpSpPr>
+          <p:grpSpPr>
+            <a:xfrm>
+              <a:off x="5094717" y="4219134"/>
+              <a:ext cx="2310743" cy="607486"/>
+              <a:chOff x="5143504" y="3449146"/>
+              <a:chExt cx="1894809" cy="408482"/>
+            </a:xfrm>
+          </p:grpSpPr>
+          <p:sp>
+            <p:nvSpPr>
+              <p:cNvPr id="10" name="Rechteck 9"/>
+              <p:cNvSpPr/>
+              <p:nvPr/>
+            </p:nvSpPr>
+            <p:spPr>
+              <a:xfrm>
+                <a:off x="5143504" y="3449146"/>
+                <a:ext cx="270687" cy="408482"/>
+              </a:xfrm>
+              <a:prstGeom prst="rect">
+                <a:avLst/>
+              </a:prstGeom>
+              <a:solidFill>
+                <a:schemeClr val="bg1">
+                  <a:lumMod val="85000"/>
+                </a:schemeClr>
+              </a:solidFill>
+              <a:ln>
+                <a:solidFill>
+                  <a:schemeClr val="bg1">
+                    <a:lumMod val="65000"/>
+                  </a:schemeClr>
+                </a:solidFill>
+              </a:ln>
+            </p:spPr>
+            <p:style>
+              <a:lnRef idx="2">
+                <a:schemeClr val="accent1">
+                  <a:shade val="50000"/>
+                </a:schemeClr>
+              </a:lnRef>
+              <a:fillRef idx="1">
+                <a:schemeClr val="accent1"/>
+              </a:fillRef>
+              <a:effectRef idx="0">
+                <a:schemeClr val="accent1"/>
+              </a:effectRef>
+              <a:fontRef idx="minor">
+                <a:schemeClr val="lt1"/>
+              </a:fontRef>
+            </p:style>
+            <p:txBody>
+              <a:bodyPr rtlCol="0" anchor="ctr"/>
+              <a:lstStyle/>
+              <a:p>
+                <a:pPr algn="ctr"/>
+                <a:endParaRPr lang="en-US"/>
+              </a:p>
+            </p:txBody>
+          </p:sp>
+          <p:sp>
+            <p:nvSpPr>
+              <p:cNvPr id="11" name="Rechteck 10"/>
+              <p:cNvSpPr/>
+              <p:nvPr/>
+            </p:nvSpPr>
+            <p:spPr>
+              <a:xfrm>
+                <a:off x="5414191" y="3449146"/>
+                <a:ext cx="270687" cy="408482"/>
+              </a:xfrm>
+              <a:prstGeom prst="rect">
+                <a:avLst/>
+              </a:prstGeom>
+              <a:solidFill>
+                <a:schemeClr val="bg1">
+                  <a:lumMod val="85000"/>
+                </a:schemeClr>
+              </a:solidFill>
+              <a:ln>
+                <a:solidFill>
+                  <a:schemeClr val="bg1">
+                    <a:lumMod val="65000"/>
+                  </a:schemeClr>
+                </a:solidFill>
+              </a:ln>
+            </p:spPr>
+            <p:style>
+              <a:lnRef idx="2">
+                <a:schemeClr val="accent1">
+                  <a:shade val="50000"/>
+                </a:schemeClr>
+              </a:lnRef>
+              <a:fillRef idx="1">
+                <a:schemeClr val="accent1"/>
+              </a:fillRef>
+              <a:effectRef idx="0">
+                <a:schemeClr val="accent1"/>
+              </a:effectRef>
+              <a:fontRef idx="minor">
+                <a:schemeClr val="lt1"/>
+              </a:fontRef>
+            </p:style>
+            <p:txBody>
+              <a:bodyPr rtlCol="0" anchor="ctr"/>
+              <a:lstStyle/>
+              <a:p>
+                <a:pPr algn="ctr"/>
+                <a:endParaRPr lang="en-US"/>
+              </a:p>
+            </p:txBody>
+          </p:sp>
+          <p:sp>
+            <p:nvSpPr>
+              <p:cNvPr id="12" name="Rechteck 11"/>
+              <p:cNvSpPr/>
+              <p:nvPr/>
+            </p:nvSpPr>
+            <p:spPr>
+              <a:xfrm>
+                <a:off x="5684878" y="3449146"/>
+                <a:ext cx="270687" cy="408482"/>
+              </a:xfrm>
+              <a:prstGeom prst="rect">
+                <a:avLst/>
+              </a:prstGeom>
+              <a:solidFill>
+                <a:schemeClr val="bg1">
+                  <a:lumMod val="85000"/>
+                </a:schemeClr>
+              </a:solidFill>
+              <a:ln>
+                <a:solidFill>
+                  <a:schemeClr val="bg1">
+                    <a:lumMod val="65000"/>
+                  </a:schemeClr>
+                </a:solidFill>
+              </a:ln>
+            </p:spPr>
+            <p:style>
+              <a:lnRef idx="2">
+                <a:schemeClr val="accent1">
+                  <a:shade val="50000"/>
+                </a:schemeClr>
+              </a:lnRef>
+              <a:fillRef idx="1">
+                <a:schemeClr val="accent1"/>
+              </a:fillRef>
+              <a:effectRef idx="0">
+                <a:schemeClr val="accent1"/>
+              </a:effectRef>
+              <a:fontRef idx="minor">
+                <a:schemeClr val="lt1"/>
+              </a:fontRef>
+            </p:style>
+            <p:txBody>
+              <a:bodyPr rtlCol="0" anchor="ctr"/>
+              <a:lstStyle/>
+              <a:p>
+                <a:pPr algn="ctr"/>
+                <a:endParaRPr lang="en-US"/>
+              </a:p>
+            </p:txBody>
+          </p:sp>
+          <p:sp>
+            <p:nvSpPr>
+              <p:cNvPr id="13" name="Rechteck 12"/>
+              <p:cNvSpPr/>
+              <p:nvPr/>
+            </p:nvSpPr>
+            <p:spPr>
+              <a:xfrm>
+                <a:off x="5955565" y="3449146"/>
+                <a:ext cx="270687" cy="408482"/>
+              </a:xfrm>
+              <a:prstGeom prst="rect">
+                <a:avLst/>
+              </a:prstGeom>
+              <a:solidFill>
+                <a:schemeClr val="bg1">
+                  <a:lumMod val="85000"/>
+                </a:schemeClr>
+              </a:solidFill>
+              <a:ln>
+                <a:solidFill>
+                  <a:schemeClr val="bg1">
+                    <a:lumMod val="65000"/>
+                  </a:schemeClr>
+                </a:solidFill>
+              </a:ln>
+            </p:spPr>
+            <p:style>
+              <a:lnRef idx="2">
+                <a:schemeClr val="accent1">
+                  <a:shade val="50000"/>
+                </a:schemeClr>
+              </a:lnRef>
+              <a:fillRef idx="1">
+                <a:schemeClr val="accent1"/>
+              </a:fillRef>
+              <a:effectRef idx="0">
+                <a:schemeClr val="accent1"/>
+              </a:effectRef>
+              <a:fontRef idx="minor">
+                <a:schemeClr val="lt1"/>
+              </a:fontRef>
+            </p:style>
+            <p:txBody>
+              <a:bodyPr rtlCol="0" anchor="ctr"/>
+              <a:lstStyle/>
+              <a:p>
+                <a:pPr algn="ctr"/>
+                <a:endParaRPr lang="en-US"/>
+              </a:p>
+            </p:txBody>
+          </p:sp>
+          <p:sp>
+            <p:nvSpPr>
+              <p:cNvPr id="14" name="Rechteck 13"/>
+              <p:cNvSpPr/>
+              <p:nvPr/>
+            </p:nvSpPr>
+            <p:spPr>
+              <a:xfrm>
+                <a:off x="6226252" y="3449146"/>
+                <a:ext cx="270687" cy="408482"/>
+              </a:xfrm>
+              <a:prstGeom prst="rect">
+                <a:avLst/>
+              </a:prstGeom>
+              <a:solidFill>
+                <a:schemeClr val="bg1">
+                  <a:lumMod val="85000"/>
+                </a:schemeClr>
+              </a:solidFill>
+              <a:ln>
+                <a:solidFill>
+                  <a:schemeClr val="bg1">
+                    <a:lumMod val="65000"/>
+                  </a:schemeClr>
+                </a:solidFill>
+              </a:ln>
+            </p:spPr>
+            <p:style>
+              <a:lnRef idx="2">
+                <a:schemeClr val="accent1">
+                  <a:shade val="50000"/>
+                </a:schemeClr>
+              </a:lnRef>
+              <a:fillRef idx="1">
+                <a:schemeClr val="accent1"/>
+              </a:fillRef>
+              <a:effectRef idx="0">
+                <a:schemeClr val="accent1"/>
+              </a:effectRef>
+              <a:fontRef idx="minor">
+                <a:schemeClr val="lt1"/>
+              </a:fontRef>
+            </p:style>
+            <p:txBody>
+              <a:bodyPr rtlCol="0" anchor="ctr"/>
+              <a:lstStyle/>
+              <a:p>
+                <a:pPr algn="ctr"/>
+                <a:endParaRPr lang="en-US"/>
+              </a:p>
+            </p:txBody>
+          </p:sp>
+          <p:sp>
+            <p:nvSpPr>
+              <p:cNvPr id="15" name="Rechteck 14"/>
+              <p:cNvSpPr/>
+              <p:nvPr/>
+            </p:nvSpPr>
+            <p:spPr>
+              <a:xfrm>
+                <a:off x="6496939" y="3449146"/>
+                <a:ext cx="270687" cy="408482"/>
+              </a:xfrm>
+              <a:prstGeom prst="rect">
+                <a:avLst/>
+              </a:prstGeom>
+              <a:solidFill>
+                <a:schemeClr val="bg1">
+                  <a:lumMod val="85000"/>
+                </a:schemeClr>
+              </a:solidFill>
+              <a:ln>
+                <a:solidFill>
+                  <a:schemeClr val="bg1">
+                    <a:lumMod val="65000"/>
+                  </a:schemeClr>
+                </a:solidFill>
+              </a:ln>
+            </p:spPr>
+            <p:style>
+              <a:lnRef idx="2">
+                <a:schemeClr val="accent1">
+                  <a:shade val="50000"/>
+                </a:schemeClr>
+              </a:lnRef>
+              <a:fillRef idx="1">
+                <a:schemeClr val="accent1"/>
+              </a:fillRef>
+              <a:effectRef idx="0">
+                <a:schemeClr val="accent1"/>
+              </a:effectRef>
+              <a:fontRef idx="minor">
+                <a:schemeClr val="lt1"/>
+              </a:fontRef>
+            </p:style>
+            <p:txBody>
+              <a:bodyPr rtlCol="0" anchor="ctr"/>
+              <a:lstStyle/>
+              <a:p>
+                <a:pPr algn="ctr"/>
+                <a:endParaRPr lang="en-US"/>
+              </a:p>
+            </p:txBody>
+          </p:sp>
+          <p:sp>
+            <p:nvSpPr>
+              <p:cNvPr id="16" name="Rechteck 15"/>
+              <p:cNvSpPr/>
+              <p:nvPr/>
+            </p:nvSpPr>
+            <p:spPr>
+              <a:xfrm>
+                <a:off x="6767626" y="3449146"/>
+                <a:ext cx="270687" cy="408482"/>
+              </a:xfrm>
+              <a:prstGeom prst="rect">
+                <a:avLst/>
+              </a:prstGeom>
+              <a:solidFill>
+                <a:schemeClr val="bg1">
+                  <a:lumMod val="85000"/>
+                </a:schemeClr>
+              </a:solidFill>
+              <a:ln>
+                <a:solidFill>
+                  <a:schemeClr val="bg1">
+                    <a:lumMod val="65000"/>
+                  </a:schemeClr>
+                </a:solidFill>
+              </a:ln>
+            </p:spPr>
+            <p:style>
+              <a:lnRef idx="2">
+                <a:schemeClr val="accent1">
+                  <a:shade val="50000"/>
+                </a:schemeClr>
+              </a:lnRef>
+              <a:fillRef idx="1">
+                <a:schemeClr val="accent1"/>
+              </a:fillRef>
+              <a:effectRef idx="0">
+                <a:schemeClr val="accent1"/>
+              </a:effectRef>
+              <a:fontRef idx="minor">
+                <a:schemeClr val="lt1"/>
+              </a:fontRef>
+            </p:style>
+            <p:txBody>
+              <a:bodyPr rtlCol="0" anchor="ctr"/>
+              <a:lstStyle/>
+              <a:p>
+                <a:pPr algn="ctr"/>
+                <a:endParaRPr lang="en-US"/>
+              </a:p>
+            </p:txBody>
+          </p:sp>
+        </p:grpSp>
+      </p:grpSp>
+    </p:spTree>
+  </p:cSld>
+  <p:clrMapOvr>
+    <a:masterClrMapping/>
+  </p:clrMapOvr>
+  <p:timing>
+    <p:tnLst>
+      <p:par>
+        <p:cTn id="1" dur="indefinite" restart="never" nodeType="tmRoot">
+          <p:childTnLst>
+            <p:seq concurrent="1" nextAc="seek">
+              <p:cTn id="2" dur="indefinite" nodeType="mainSeq">
+                <p:childTnLst>
+                  <p:par>
+                    <p:cTn id="3" fill="hold">
+                      <p:stCondLst>
+                        <p:cond delay="indefinite"/>
+                      </p:stCondLst>
+                      <p:childTnLst>
+                        <p:par>
+                          <p:cTn id="4" fill="hold">
+                            <p:stCondLst>
+                              <p:cond delay="0"/>
+                            </p:stCondLst>
+                            <p:childTnLst>
+                              <p:par>
+                                <p:cTn id="5" presetID="6" presetClass="emph" presetSubtype="0" fill="hold" grpId="0" nodeType="clickEffect">
+                                  <p:stCondLst>
+                                    <p:cond delay="0"/>
+                                  </p:stCondLst>
+                                  <p:childTnLst>
+                                    <p:animScale>
+                                      <p:cBhvr>
+                                        <p:cTn id="6" dur="2000" fill="hold"/>
+                                        <p:tgtEl>
+                                          <p:spTgt spid="2"/>
+                                        </p:tgtEl>
+                                      </p:cBhvr>
+                                      <p:by x="400000" y="400000"/>
+                                    </p:animScale>
+                                  </p:childTnLst>
+                                </p:cTn>
+                              </p:par>
+                              <p:par>
+                                <p:cTn id="7" presetID="10" presetClass="entr" presetSubtype="0" fill="hold" nodeType="withEffect">
+                                  <p:stCondLst>
+                                    <p:cond delay="0"/>
+                                  </p:stCondLst>
+                                  <p:childTnLst>
+                                    <p:set>
+                                      <p:cBhvr>
+                                        <p:cTn id="8" dur="1" fill="hold">
+                                          <p:stCondLst>
+                                            <p:cond delay="0"/>
+                                          </p:stCondLst>
+                                        </p:cTn>
+                                        <p:tgtEl>
+                                          <p:spTgt spid="3"/>
+                                        </p:tgtEl>
+                                        <p:attrNameLst>
+                                          <p:attrName>style.visibility</p:attrName>
+                                        </p:attrNameLst>
+                                      </p:cBhvr>
+                                      <p:to>
+                                        <p:strVal val="visible"/>
+                                      </p:to>
+                                    </p:set>
+                                    <p:animEffect transition="in" filter="fade">
+                                      <p:cBhvr>
+                                        <p:cTn id="9" dur="2000"/>
+                                        <p:tgtEl>
+                                          <p:spTgt spid="3"/>
+                                        </p:tgtEl>
+                                      </p:cBhvr>
+                                    </p:animEffect>
+                                  </p:childTnLst>
+                                </p:cTn>
+                              </p:par>
+                            </p:childTnLst>
+                          </p:cTn>
+                        </p:par>
+                      </p:childTnLst>
+                    </p:cTn>
+                  </p:par>
+                </p:childTnLst>
+              </p:cTn>
+              <p:prevCondLst>
+                <p:cond evt="onPrev" delay="0">
+                  <p:tgtEl>
+                    <p:sldTgt/>
+                  </p:tgtEl>
+                </p:cond>
+              </p:prevCondLst>
+              <p:nextCondLst>
+                <p:cond evt="onNext" delay="0">
+                  <p:tgtEl>
+                    <p:sldTgt/>
+                  </p:tgtEl>
+                </p:cond>
+              </p:nextCondLst>
+            </p:seq>
+          </p:childTnLst>
+        </p:cTn>
+      </p:par>
+    </p:tnLst>
+    <p:bldLst>
+      <p:bldP spid="2" grpId="0" animBg="1"/>
+    </p:bldLst>
+  </p:timing>
+</p:sld>
+</file>
+
+<file path=ppt/slides/slide8.xml><?xml version="1.0" encoding="utf-8"?>
+<p:sld xmlns:a="http://schemas.openxmlformats.org/drawingml/2006/main" xmlns:r="http://schemas.openxmlformats.org/officeDocument/2006/relationships" xmlns:p="http://schemas.openxmlformats.org/presentationml/2006/main">
+  <p:cSld>
+    <p:spTree>
+      <p:nvGrpSpPr>
+        <p:cNvPr id="1" name=""/>
+        <p:cNvGrpSpPr/>
+        <p:nvPr/>
+      </p:nvGrpSpPr>
+      <p:grpSpPr>
+        <a:xfrm>
+          <a:off x="0" y="0"/>
+          <a:ext cx="0" cy="0"/>
+          <a:chOff x="0" y="0"/>
+          <a:chExt cx="0" cy="0"/>
+        </a:xfrm>
+      </p:grpSpPr>
+      <p:sp>
+        <p:nvSpPr>
+          <p:cNvPr id="10" name="Gleichschenkliges Dreieck 9"/>
+          <p:cNvSpPr/>
+          <p:nvPr/>
+        </p:nvSpPr>
+        <p:spPr>
+          <a:xfrm>
+            <a:off x="4297260" y="926390"/>
+            <a:ext cx="285752" cy="214314"/>
+          </a:xfrm>
+          <a:prstGeom prst="triangle">
+            <a:avLst/>
+          </a:prstGeom>
+          <a:noFill/>
+          <a:ln w="28575">
+            <a:solidFill>
+              <a:srgbClr val="FFAA01"/>
+            </a:solidFill>
+          </a:ln>
+        </p:spPr>
+        <p:style>
+          <a:lnRef idx="2">
+            <a:schemeClr val="accent1">
+              <a:shade val="50000"/>
+            </a:schemeClr>
+          </a:lnRef>
+          <a:fillRef idx="1">
+            <a:schemeClr val="accent1"/>
+          </a:fillRef>
+          <a:effectRef idx="0">
+            <a:schemeClr val="accent1"/>
+          </a:effectRef>
+          <a:fontRef idx="minor">
+            <a:schemeClr val="lt1"/>
+          </a:fontRef>
+        </p:style>
+        <p:txBody>
+          <a:bodyPr rtlCol="0" anchor="ctr"/>
+          <a:lstStyle/>
+          <a:p>
+            <a:pPr algn="ctr"/>
+            <a:endParaRPr lang="de-DE" b="1" smtClean="0">
+              <a:solidFill>
+                <a:schemeClr val="bg1">
+                  <a:lumMod val="50000"/>
+                </a:schemeClr>
+              </a:solidFill>
+              <a:latin typeface="Arial" pitchFamily="34" charset="0"/>
+              <a:cs typeface="Arial" pitchFamily="34" charset="0"/>
+            </a:endParaRPr>
+          </a:p>
+        </p:txBody>
+      </p:sp>
+      <p:cxnSp>
+        <p:nvCxnSpPr>
+          <p:cNvPr id="11" name="Gerade Verbindung 10"/>
+          <p:cNvCxnSpPr>
+            <a:stCxn id="10" idx="3"/>
+          </p:cNvCxnSpPr>
+          <p:nvPr/>
+        </p:nvCxnSpPr>
+        <p:spPr>
+          <a:xfrm rot="5400000">
+            <a:off x="4077440" y="1492388"/>
+            <a:ext cx="714380" cy="11012"/>
+          </a:xfrm>
+          <a:prstGeom prst="line">
+            <a:avLst/>
+          </a:prstGeom>
+          <a:noFill/>
+          <a:ln w="28575">
+            <a:solidFill>
+              <a:srgbClr val="FFAA01"/>
+            </a:solidFill>
+          </a:ln>
+        </p:spPr>
+        <p:style>
+          <a:lnRef idx="2">
+            <a:schemeClr val="accent1">
+              <a:shade val="50000"/>
+            </a:schemeClr>
+          </a:lnRef>
+          <a:fillRef idx="1">
+            <a:schemeClr val="accent1"/>
+          </a:fillRef>
+          <a:effectRef idx="0">
+            <a:schemeClr val="accent1"/>
+          </a:effectRef>
+          <a:fontRef idx="minor">
+            <a:schemeClr val="lt1"/>
+          </a:fontRef>
+        </p:style>
+      </p:cxnSp>
+      <p:sp>
+        <p:nvSpPr>
+          <p:cNvPr id="13" name="Gleichschenkliges Dreieck 12"/>
+          <p:cNvSpPr/>
+          <p:nvPr/>
+        </p:nvSpPr>
+        <p:spPr>
+          <a:xfrm>
+            <a:off x="4297260" y="2033679"/>
+            <a:ext cx="285752" cy="214314"/>
+          </a:xfrm>
+          <a:prstGeom prst="triangle">
+            <a:avLst/>
+          </a:prstGeom>
+          <a:noFill/>
+          <a:ln w="28575">
+            <a:solidFill>
+              <a:srgbClr val="FFAA01"/>
+            </a:solidFill>
+          </a:ln>
+        </p:spPr>
+        <p:style>
+          <a:lnRef idx="2">
+            <a:schemeClr val="accent1">
+              <a:shade val="50000"/>
+            </a:schemeClr>
+          </a:lnRef>
+          <a:fillRef idx="1">
+            <a:schemeClr val="accent1"/>
+          </a:fillRef>
+          <a:effectRef idx="0">
+            <a:schemeClr val="accent1"/>
+          </a:effectRef>
+          <a:fontRef idx="minor">
+            <a:schemeClr val="lt1"/>
+          </a:fontRef>
+        </p:style>
+        <p:txBody>
+          <a:bodyPr rtlCol="0" anchor="ctr"/>
+          <a:lstStyle/>
+          <a:p>
+            <a:pPr algn="ctr"/>
+            <a:endParaRPr lang="de-DE" b="1" smtClean="0">
+              <a:solidFill>
+                <a:schemeClr val="bg1">
+                  <a:lumMod val="50000"/>
+                </a:schemeClr>
+              </a:solidFill>
+              <a:latin typeface="Arial" pitchFamily="34" charset="0"/>
+              <a:cs typeface="Arial" pitchFamily="34" charset="0"/>
+            </a:endParaRPr>
+          </a:p>
+        </p:txBody>
+      </p:sp>
+      <p:cxnSp>
+        <p:nvCxnSpPr>
+          <p:cNvPr id="14" name="Gerade Verbindung 58"/>
+          <p:cNvCxnSpPr>
+            <a:stCxn id="13" idx="3"/>
+            <a:endCxn id="15" idx="0"/>
+          </p:cNvCxnSpPr>
+          <p:nvPr/>
+        </p:nvCxnSpPr>
+        <p:spPr>
+          <a:xfrm rot="5400000">
+            <a:off x="3328481" y="1850718"/>
+            <a:ext cx="714380" cy="1508930"/>
+          </a:xfrm>
+          <a:prstGeom prst="bentConnector3">
+            <a:avLst>
+              <a:gd name="adj1" fmla="val 50000"/>
+            </a:avLst>
+          </a:prstGeom>
+          <a:noFill/>
+          <a:ln w="28575">
+            <a:solidFill>
+              <a:srgbClr val="FFAA01"/>
+            </a:solidFill>
+          </a:ln>
+        </p:spPr>
+        <p:style>
+          <a:lnRef idx="2">
+            <a:schemeClr val="accent1">
+              <a:shade val="50000"/>
+            </a:schemeClr>
+          </a:lnRef>
+          <a:fillRef idx="1">
+            <a:schemeClr val="accent1"/>
+          </a:fillRef>
+          <a:effectRef idx="0">
+            <a:schemeClr val="accent1"/>
+          </a:effectRef>
+          <a:fontRef idx="minor">
+            <a:schemeClr val="lt1"/>
+          </a:fontRef>
+        </p:style>
+      </p:cxnSp>
+      <p:cxnSp>
+        <p:nvCxnSpPr>
+          <p:cNvPr id="17" name="Gerade Verbindung 58"/>
+          <p:cNvCxnSpPr>
+            <a:stCxn id="13" idx="3"/>
+            <a:endCxn id="16" idx="0"/>
+          </p:cNvCxnSpPr>
+          <p:nvPr/>
+        </p:nvCxnSpPr>
+        <p:spPr>
+          <a:xfrm rot="16200000" flipH="1">
+            <a:off x="4898977" y="1789152"/>
+            <a:ext cx="714381" cy="1632062"/>
+          </a:xfrm>
+          <a:prstGeom prst="bentConnector3">
+            <a:avLst>
+              <a:gd name="adj1" fmla="val 50000"/>
+            </a:avLst>
+          </a:prstGeom>
+          <a:noFill/>
+          <a:ln w="28575">
+            <a:solidFill>
+              <a:srgbClr val="FFAA01"/>
+            </a:solidFill>
+          </a:ln>
+        </p:spPr>
+        <p:style>
+          <a:lnRef idx="2">
+            <a:schemeClr val="accent1">
+              <a:shade val="50000"/>
+            </a:schemeClr>
+          </a:lnRef>
+          <a:fillRef idx="1">
+            <a:schemeClr val="accent1"/>
+          </a:fillRef>
+          <a:effectRef idx="0">
+            <a:schemeClr val="accent1"/>
+          </a:effectRef>
+          <a:fontRef idx="minor">
+            <a:schemeClr val="lt1"/>
+          </a:fontRef>
+        </p:style>
+      </p:cxnSp>
+      <p:cxnSp>
+        <p:nvCxnSpPr>
+          <p:cNvPr id="18" name="Gerade Verbindung 58"/>
+          <p:cNvCxnSpPr>
+            <a:stCxn id="16" idx="3"/>
+            <a:endCxn id="12" idx="3"/>
+          </p:cNvCxnSpPr>
+          <p:nvPr/>
+        </p:nvCxnSpPr>
+        <p:spPr>
+          <a:xfrm flipH="1" flipV="1">
+            <a:off x="5786446" y="1747927"/>
+            <a:ext cx="1643074" cy="1464480"/>
+          </a:xfrm>
+          <a:prstGeom prst="bentConnector3">
+            <a:avLst>
+              <a:gd name="adj1" fmla="val -40493"/>
+            </a:avLst>
+          </a:prstGeom>
+          <a:noFill/>
+          <a:ln w="28575">
+            <a:solidFill>
+              <a:srgbClr val="FFAA01"/>
+            </a:solidFill>
+            <a:headEnd type="none" w="med" len="med"/>
+            <a:tailEnd type="triangle" w="lg" len="lg"/>
+          </a:ln>
+        </p:spPr>
+        <p:style>
+          <a:lnRef idx="2">
+            <a:schemeClr val="accent1">
+              <a:shade val="50000"/>
+            </a:schemeClr>
+          </a:lnRef>
+          <a:fillRef idx="1">
+            <a:schemeClr val="accent1"/>
+          </a:fillRef>
+          <a:effectRef idx="0">
+            <a:schemeClr val="accent1"/>
+          </a:effectRef>
+          <a:fontRef idx="minor">
+            <a:schemeClr val="lt1"/>
+          </a:fontRef>
+        </p:style>
+      </p:cxnSp>
+      <p:sp>
+        <p:nvSpPr>
+          <p:cNvPr id="26" name="Gleichschenkliges Dreieck 25"/>
+          <p:cNvSpPr/>
+          <p:nvPr/>
+        </p:nvSpPr>
+        <p:spPr>
+          <a:xfrm>
+            <a:off x="2772940" y="3502719"/>
+            <a:ext cx="285752" cy="214314"/>
+          </a:xfrm>
+          <a:prstGeom prst="triangle">
+            <a:avLst/>
+          </a:prstGeom>
+          <a:noFill/>
+          <a:ln w="28575">
+            <a:solidFill>
+              <a:srgbClr val="FFAA01"/>
+            </a:solidFill>
+          </a:ln>
+        </p:spPr>
+        <p:style>
+          <a:lnRef idx="2">
+            <a:schemeClr val="accent1">
+              <a:shade val="50000"/>
+            </a:schemeClr>
+          </a:lnRef>
+          <a:fillRef idx="1">
+            <a:schemeClr val="accent1"/>
+          </a:fillRef>
+          <a:effectRef idx="0">
+            <a:schemeClr val="accent1"/>
+          </a:effectRef>
+          <a:fontRef idx="minor">
+            <a:schemeClr val="lt1"/>
+          </a:fontRef>
+        </p:style>
+        <p:txBody>
+          <a:bodyPr rtlCol="0" anchor="ctr"/>
+          <a:lstStyle/>
+          <a:p>
+            <a:pPr algn="ctr"/>
+            <a:endParaRPr lang="de-DE" b="1" smtClean="0">
+              <a:solidFill>
+                <a:schemeClr val="bg1">
+                  <a:lumMod val="50000"/>
+                </a:schemeClr>
+              </a:solidFill>
+              <a:latin typeface="Arial" pitchFamily="34" charset="0"/>
+              <a:cs typeface="Arial" pitchFamily="34" charset="0"/>
+            </a:endParaRPr>
+          </a:p>
+        </p:txBody>
+      </p:sp>
+      <p:cxnSp>
+        <p:nvCxnSpPr>
+          <p:cNvPr id="27" name="Gerade Verbindung 58"/>
+          <p:cNvCxnSpPr>
+            <a:stCxn id="26" idx="3"/>
+            <a:endCxn id="21" idx="0"/>
+          </p:cNvCxnSpPr>
+          <p:nvPr/>
+        </p:nvCxnSpPr>
+        <p:spPr>
+          <a:xfrm rot="5400000">
+            <a:off x="1941714" y="3466999"/>
+            <a:ext cx="724069" cy="1224136"/>
+          </a:xfrm>
+          <a:prstGeom prst="bentConnector3">
+            <a:avLst>
+              <a:gd name="adj1" fmla="val 50000"/>
+            </a:avLst>
+          </a:prstGeom>
+          <a:noFill/>
+          <a:ln w="28575">
+            <a:solidFill>
+              <a:srgbClr val="FFAA01"/>
+            </a:solidFill>
+          </a:ln>
+        </p:spPr>
+        <p:style>
+          <a:lnRef idx="2">
+            <a:schemeClr val="accent1">
+              <a:shade val="50000"/>
+            </a:schemeClr>
+          </a:lnRef>
+          <a:fillRef idx="1">
+            <a:schemeClr val="accent1"/>
+          </a:fillRef>
+          <a:effectRef idx="0">
+            <a:schemeClr val="accent1"/>
+          </a:effectRef>
+          <a:fontRef idx="minor">
+            <a:schemeClr val="lt1"/>
+          </a:fontRef>
+        </p:style>
+      </p:cxnSp>
+      <p:cxnSp>
+        <p:nvCxnSpPr>
+          <p:cNvPr id="28" name="Gerade Verbindung 58"/>
+          <p:cNvCxnSpPr>
+            <a:stCxn id="26" idx="3"/>
+            <a:endCxn id="23" idx="0"/>
+          </p:cNvCxnSpPr>
+          <p:nvPr/>
+        </p:nvCxnSpPr>
+        <p:spPr>
+          <a:xfrm rot="16200000" flipH="1">
+            <a:off x="3219782" y="3413067"/>
+            <a:ext cx="724069" cy="1332000"/>
+          </a:xfrm>
+          <a:prstGeom prst="bentConnector3">
+            <a:avLst>
+              <a:gd name="adj1" fmla="val 50000"/>
+            </a:avLst>
+          </a:prstGeom>
+          <a:noFill/>
+          <a:ln w="28575">
+            <a:solidFill>
+              <a:srgbClr val="FFAA01"/>
+            </a:solidFill>
+          </a:ln>
+        </p:spPr>
+        <p:style>
+          <a:lnRef idx="2">
+            <a:schemeClr val="accent1">
+              <a:shade val="50000"/>
+            </a:schemeClr>
+          </a:lnRef>
+          <a:fillRef idx="1">
+            <a:schemeClr val="accent1"/>
+          </a:fillRef>
+          <a:effectRef idx="0">
+            <a:schemeClr val="accent1"/>
+          </a:effectRef>
+          <a:fontRef idx="minor">
+            <a:schemeClr val="lt1"/>
+          </a:fontRef>
+        </p:style>
+      </p:cxnSp>
+      <p:sp>
+        <p:nvSpPr>
+          <p:cNvPr id="31" name="Gleichschenkliges Dreieck 30"/>
+          <p:cNvSpPr/>
+          <p:nvPr/>
+        </p:nvSpPr>
+        <p:spPr>
+          <a:xfrm>
+            <a:off x="4104940" y="4965072"/>
+            <a:ext cx="285752" cy="214314"/>
+          </a:xfrm>
+          <a:prstGeom prst="triangle">
+            <a:avLst/>
+          </a:prstGeom>
+          <a:noFill/>
+          <a:ln w="28575">
+            <a:solidFill>
+              <a:srgbClr val="FFAA01"/>
+            </a:solidFill>
+          </a:ln>
+        </p:spPr>
+        <p:style>
+          <a:lnRef idx="2">
+            <a:schemeClr val="accent1">
+              <a:shade val="50000"/>
+            </a:schemeClr>
+          </a:lnRef>
+          <a:fillRef idx="1">
+            <a:schemeClr val="accent1"/>
+          </a:fillRef>
+          <a:effectRef idx="0">
+            <a:schemeClr val="accent1"/>
+          </a:effectRef>
+          <a:fontRef idx="minor">
+            <a:schemeClr val="lt1"/>
+          </a:fontRef>
+        </p:style>
+        <p:txBody>
+          <a:bodyPr rtlCol="0" anchor="ctr"/>
+          <a:lstStyle/>
+          <a:p>
+            <a:pPr algn="ctr"/>
+            <a:endParaRPr lang="de-DE" b="1" smtClean="0">
+              <a:solidFill>
+                <a:schemeClr val="bg1">
+                  <a:lumMod val="50000"/>
+                </a:schemeClr>
+              </a:solidFill>
+              <a:latin typeface="Arial" pitchFamily="34" charset="0"/>
+              <a:cs typeface="Arial" pitchFamily="34" charset="0"/>
+            </a:endParaRPr>
+          </a:p>
+        </p:txBody>
+      </p:sp>
+      <p:cxnSp>
+        <p:nvCxnSpPr>
+          <p:cNvPr id="32" name="Gerade Verbindung 58"/>
+          <p:cNvCxnSpPr>
+            <a:stCxn id="31" idx="3"/>
+            <a:endCxn id="24" idx="0"/>
+          </p:cNvCxnSpPr>
+          <p:nvPr/>
+        </p:nvCxnSpPr>
+        <p:spPr>
+          <a:xfrm rot="5400000">
+            <a:off x="3122866" y="4756312"/>
+            <a:ext cx="701876" cy="1548024"/>
+          </a:xfrm>
+          <a:prstGeom prst="bentConnector3">
+            <a:avLst>
+              <a:gd name="adj1" fmla="val 50000"/>
+            </a:avLst>
+          </a:prstGeom>
+          <a:noFill/>
+          <a:ln w="28575">
+            <a:solidFill>
+              <a:srgbClr val="FFAA01"/>
+            </a:solidFill>
+          </a:ln>
+        </p:spPr>
+        <p:style>
+          <a:lnRef idx="2">
+            <a:schemeClr val="accent1">
+              <a:shade val="50000"/>
+            </a:schemeClr>
+          </a:lnRef>
+          <a:fillRef idx="1">
+            <a:schemeClr val="accent1"/>
+          </a:fillRef>
+          <a:effectRef idx="0">
+            <a:schemeClr val="accent1"/>
+          </a:effectRef>
+          <a:fontRef idx="minor">
+            <a:schemeClr val="lt1"/>
+          </a:fontRef>
+        </p:style>
+      </p:cxnSp>
+      <p:cxnSp>
+        <p:nvCxnSpPr>
+          <p:cNvPr id="33" name="Gerade Verbindung 58"/>
+          <p:cNvCxnSpPr>
+            <a:stCxn id="31" idx="3"/>
+            <a:endCxn id="25" idx="0"/>
+          </p:cNvCxnSpPr>
+          <p:nvPr/>
+        </p:nvCxnSpPr>
+        <p:spPr>
+          <a:xfrm rot="16200000" flipH="1">
+            <a:off x="4581028" y="4846174"/>
+            <a:ext cx="701876" cy="1368300"/>
+          </a:xfrm>
+          <a:prstGeom prst="bentConnector3">
+            <a:avLst>
+              <a:gd name="adj1" fmla="val 50000"/>
+            </a:avLst>
+          </a:prstGeom>
+          <a:noFill/>
+          <a:ln w="28575">
+            <a:solidFill>
+              <a:srgbClr val="FFAA01"/>
+            </a:solidFill>
+          </a:ln>
+        </p:spPr>
+        <p:style>
+          <a:lnRef idx="2">
+            <a:schemeClr val="accent1">
+              <a:shade val="50000"/>
+            </a:schemeClr>
+          </a:lnRef>
+          <a:fillRef idx="1">
+            <a:schemeClr val="accent1"/>
+          </a:fillRef>
+          <a:effectRef idx="0">
+            <a:schemeClr val="accent1"/>
+          </a:effectRef>
+          <a:fontRef idx="minor">
+            <a:schemeClr val="lt1"/>
+          </a:fontRef>
+        </p:style>
+      </p:cxnSp>
+      <p:sp>
+        <p:nvSpPr>
+          <p:cNvPr id="4" name="Rechteck 3"/>
+          <p:cNvSpPr/>
+          <p:nvPr/>
+        </p:nvSpPr>
+        <p:spPr>
+          <a:xfrm>
+            <a:off x="3563888" y="404664"/>
+            <a:ext cx="1767316" cy="500066"/>
+          </a:xfrm>
+          <a:prstGeom prst="rect">
+            <a:avLst/>
+          </a:prstGeom>
+          <a:solidFill>
+            <a:srgbClr val="FFD47D"/>
+          </a:solidFill>
+          <a:ln w="28575">
+            <a:solidFill>
+              <a:srgbClr val="FFAA01"/>
+            </a:solidFill>
+          </a:ln>
+        </p:spPr>
+        <p:style>
+          <a:lnRef idx="2">
+            <a:schemeClr val="accent1">
+              <a:shade val="50000"/>
+            </a:schemeClr>
+          </a:lnRef>
+          <a:fillRef idx="1">
+            <a:schemeClr val="accent1"/>
+          </a:fillRef>
+          <a:effectRef idx="0">
+            <a:schemeClr val="accent1"/>
+          </a:effectRef>
+          <a:fontRef idx="minor">
+            <a:schemeClr val="lt1"/>
+          </a:fontRef>
+        </p:style>
+        <p:txBody>
+          <a:bodyPr rtlCol="0" anchor="ctr"/>
+          <a:lstStyle/>
+          <a:p>
+            <a:pPr algn="ctr"/>
+            <a:r>
+              <a:rPr lang="de-DE" b="1" i="1" smtClean="0">
+                <a:solidFill>
+                  <a:schemeClr val="bg1">
+                    <a:lumMod val="50000"/>
+                  </a:schemeClr>
+                </a:solidFill>
+                <a:latin typeface="Arial" pitchFamily="34" charset="0"/>
+                <a:cs typeface="Arial" pitchFamily="34" charset="0"/>
+              </a:rPr>
+              <a:t>CDOObject</a:t>
+            </a:r>
+            <a:endParaRPr lang="de-DE" b="1" i="1" smtClean="0">
+              <a:solidFill>
+                <a:schemeClr val="bg1">
+                  <a:lumMod val="50000"/>
+                </a:schemeClr>
+              </a:solidFill>
+              <a:latin typeface="Arial" pitchFamily="34" charset="0"/>
+              <a:cs typeface="Arial" pitchFamily="34" charset="0"/>
+            </a:endParaRPr>
+          </a:p>
+        </p:txBody>
+      </p:sp>
+      <p:sp>
+        <p:nvSpPr>
+          <p:cNvPr id="12" name="Rechteck 11"/>
+          <p:cNvSpPr/>
+          <p:nvPr/>
+        </p:nvSpPr>
+        <p:spPr>
+          <a:xfrm>
+            <a:off x="3071802" y="1497894"/>
+            <a:ext cx="2714644" cy="500066"/>
+          </a:xfrm>
+          <a:prstGeom prst="rect">
+            <a:avLst/>
+          </a:prstGeom>
+          <a:solidFill>
+            <a:srgbClr val="FFD47D"/>
+          </a:solidFill>
+          <a:ln w="28575">
+            <a:solidFill>
+              <a:srgbClr val="FFAA01"/>
+            </a:solidFill>
+          </a:ln>
+        </p:spPr>
+        <p:style>
+          <a:lnRef idx="2">
+            <a:schemeClr val="accent1">
+              <a:shade val="50000"/>
+            </a:schemeClr>
+          </a:lnRef>
+          <a:fillRef idx="1">
+            <a:schemeClr val="accent1"/>
+          </a:fillRef>
+          <a:effectRef idx="0">
+            <a:schemeClr val="accent1"/>
+          </a:effectRef>
+          <a:fontRef idx="minor">
+            <a:schemeClr val="lt1"/>
+          </a:fontRef>
+        </p:style>
+        <p:txBody>
+          <a:bodyPr rtlCol="0" anchor="ctr"/>
+          <a:lstStyle/>
+          <a:p>
+            <a:pPr algn="ctr"/>
+            <a:r>
+              <a:rPr lang="de-DE" b="1" i="1" smtClean="0">
+                <a:solidFill>
+                  <a:schemeClr val="bg1">
+                    <a:lumMod val="50000"/>
+                  </a:schemeClr>
+                </a:solidFill>
+                <a:latin typeface="Arial" pitchFamily="34" charset="0"/>
+                <a:cs typeface="Arial" pitchFamily="34" charset="0"/>
+              </a:rPr>
+              <a:t>CDOResourceNode</a:t>
+            </a:r>
+          </a:p>
+        </p:txBody>
+      </p:sp>
+      <p:sp>
+        <p:nvSpPr>
+          <p:cNvPr id="15" name="Rechteck 14"/>
+          <p:cNvSpPr/>
+          <p:nvPr/>
+        </p:nvSpPr>
+        <p:spPr>
+          <a:xfrm>
+            <a:off x="1722460" y="2962373"/>
+            <a:ext cx="2417492" cy="500066"/>
+          </a:xfrm>
+          <a:prstGeom prst="rect">
+            <a:avLst/>
+          </a:prstGeom>
+          <a:solidFill>
+            <a:srgbClr val="FFD47D"/>
+          </a:solidFill>
+          <a:ln w="28575">
+            <a:solidFill>
+              <a:srgbClr val="FFAA01"/>
+            </a:solidFill>
+          </a:ln>
+        </p:spPr>
+        <p:style>
+          <a:lnRef idx="2">
+            <a:schemeClr val="accent1">
+              <a:shade val="50000"/>
+            </a:schemeClr>
+          </a:lnRef>
+          <a:fillRef idx="1">
+            <a:schemeClr val="accent1"/>
+          </a:fillRef>
+          <a:effectRef idx="0">
+            <a:schemeClr val="accent1"/>
+          </a:effectRef>
+          <a:fontRef idx="minor">
+            <a:schemeClr val="lt1"/>
+          </a:fontRef>
+        </p:style>
+        <p:txBody>
+          <a:bodyPr rtlCol="0" anchor="ctr"/>
+          <a:lstStyle/>
+          <a:p>
+            <a:pPr algn="ctr"/>
+            <a:r>
+              <a:rPr lang="de-DE" b="1" i="1" smtClean="0">
+                <a:solidFill>
+                  <a:schemeClr val="bg1">
+                    <a:lumMod val="50000"/>
+                  </a:schemeClr>
+                </a:solidFill>
+                <a:latin typeface="Arial" pitchFamily="34" charset="0"/>
+                <a:cs typeface="Arial" pitchFamily="34" charset="0"/>
+              </a:rPr>
+              <a:t>CDOResourceLeaf</a:t>
+            </a:r>
+            <a:endParaRPr lang="de-DE" b="1" i="1" smtClean="0">
+              <a:solidFill>
+                <a:schemeClr val="bg1">
+                  <a:lumMod val="50000"/>
+                </a:schemeClr>
+              </a:solidFill>
+              <a:latin typeface="Arial" pitchFamily="34" charset="0"/>
+              <a:cs typeface="Arial" pitchFamily="34" charset="0"/>
+            </a:endParaRPr>
+          </a:p>
+        </p:txBody>
+      </p:sp>
+      <p:sp>
+        <p:nvSpPr>
+          <p:cNvPr id="16" name="Rechteck 15"/>
+          <p:cNvSpPr/>
+          <p:nvPr/>
+        </p:nvSpPr>
+        <p:spPr>
+          <a:xfrm>
+            <a:off x="4714876" y="2962374"/>
+            <a:ext cx="2714644" cy="500066"/>
+          </a:xfrm>
+          <a:prstGeom prst="rect">
+            <a:avLst/>
+          </a:prstGeom>
+          <a:solidFill>
+            <a:schemeClr val="accent1">
+              <a:lumMod val="40000"/>
+              <a:lumOff val="60000"/>
+            </a:schemeClr>
+          </a:solidFill>
+          <a:ln w="28575">
+            <a:solidFill>
+              <a:schemeClr val="accent1">
+                <a:lumMod val="60000"/>
+                <a:lumOff val="40000"/>
+              </a:schemeClr>
+            </a:solidFill>
+          </a:ln>
+        </p:spPr>
+        <p:style>
+          <a:lnRef idx="2">
+            <a:schemeClr val="accent1">
+              <a:shade val="50000"/>
+            </a:schemeClr>
+          </a:lnRef>
+          <a:fillRef idx="1">
+            <a:schemeClr val="accent1"/>
+          </a:fillRef>
+          <a:effectRef idx="0">
+            <a:schemeClr val="accent1"/>
+          </a:effectRef>
+          <a:fontRef idx="minor">
+            <a:schemeClr val="lt1"/>
+          </a:fontRef>
+        </p:style>
+        <p:txBody>
+          <a:bodyPr rtlCol="0" anchor="ctr"/>
+          <a:lstStyle/>
+          <a:p>
+            <a:pPr algn="ctr"/>
+            <a:r>
+              <a:rPr lang="de-DE" b="1" smtClean="0">
+                <a:solidFill>
+                  <a:schemeClr val="bg1">
+                    <a:lumMod val="50000"/>
+                  </a:schemeClr>
+                </a:solidFill>
+                <a:latin typeface="Arial" pitchFamily="34" charset="0"/>
+                <a:cs typeface="Arial" pitchFamily="34" charset="0"/>
+              </a:rPr>
+              <a:t>CDOResourceFolder</a:t>
+            </a:r>
+          </a:p>
+        </p:txBody>
+      </p:sp>
+      <p:sp>
+        <p:nvSpPr>
+          <p:cNvPr id="21" name="Rechteck 20"/>
+          <p:cNvSpPr/>
+          <p:nvPr/>
+        </p:nvSpPr>
+        <p:spPr>
+          <a:xfrm>
+            <a:off x="755576" y="4441102"/>
+            <a:ext cx="1872208" cy="500066"/>
+          </a:xfrm>
+          <a:prstGeom prst="rect">
+            <a:avLst/>
+          </a:prstGeom>
+          <a:solidFill>
+            <a:schemeClr val="accent1">
+              <a:lumMod val="40000"/>
+              <a:lumOff val="60000"/>
+            </a:schemeClr>
+          </a:solidFill>
+          <a:ln w="28575">
+            <a:solidFill>
+              <a:schemeClr val="accent1">
+                <a:lumMod val="60000"/>
+                <a:lumOff val="40000"/>
+              </a:schemeClr>
+            </a:solidFill>
+          </a:ln>
+        </p:spPr>
+        <p:style>
+          <a:lnRef idx="2">
+            <a:schemeClr val="accent1">
+              <a:shade val="50000"/>
+            </a:schemeClr>
+          </a:lnRef>
+          <a:fillRef idx="1">
+            <a:schemeClr val="accent1"/>
+          </a:fillRef>
+          <a:effectRef idx="0">
+            <a:schemeClr val="accent1"/>
+          </a:effectRef>
+          <a:fontRef idx="minor">
+            <a:schemeClr val="lt1"/>
+          </a:fontRef>
+        </p:style>
+        <p:txBody>
+          <a:bodyPr rtlCol="0" anchor="ctr"/>
+          <a:lstStyle/>
+          <a:p>
+            <a:pPr algn="ctr"/>
+            <a:r>
+              <a:rPr lang="de-DE" b="1" smtClean="0">
+                <a:solidFill>
+                  <a:schemeClr val="bg1">
+                    <a:lumMod val="50000"/>
+                  </a:schemeClr>
+                </a:solidFill>
+                <a:latin typeface="Arial" pitchFamily="34" charset="0"/>
+                <a:cs typeface="Arial" pitchFamily="34" charset="0"/>
+              </a:rPr>
+              <a:t>CDOResource</a:t>
+            </a:r>
+          </a:p>
+        </p:txBody>
+      </p:sp>
+      <p:sp>
+        <p:nvSpPr>
+          <p:cNvPr id="23" name="Rechteck 22"/>
+          <p:cNvSpPr/>
+          <p:nvPr/>
+        </p:nvSpPr>
+        <p:spPr>
+          <a:xfrm>
+            <a:off x="3167696" y="4441102"/>
+            <a:ext cx="2160240" cy="500066"/>
+          </a:xfrm>
+          <a:prstGeom prst="rect">
+            <a:avLst/>
+          </a:prstGeom>
+          <a:solidFill>
+            <a:srgbClr val="FFD47D"/>
+          </a:solidFill>
+          <a:ln w="28575">
+            <a:solidFill>
+              <a:srgbClr val="FFAA01"/>
+            </a:solidFill>
+          </a:ln>
+        </p:spPr>
+        <p:style>
+          <a:lnRef idx="2">
+            <a:schemeClr val="accent1">
+              <a:shade val="50000"/>
+            </a:schemeClr>
+          </a:lnRef>
+          <a:fillRef idx="1">
+            <a:schemeClr val="accent1"/>
+          </a:fillRef>
+          <a:effectRef idx="0">
+            <a:schemeClr val="accent1"/>
+          </a:effectRef>
+          <a:fontRef idx="minor">
+            <a:schemeClr val="lt1"/>
+          </a:fontRef>
+        </p:style>
+        <p:txBody>
+          <a:bodyPr rtlCol="0" anchor="ctr"/>
+          <a:lstStyle/>
+          <a:p>
+            <a:pPr algn="ctr"/>
+            <a:r>
+              <a:rPr lang="de-DE" b="1" i="1" smtClean="0">
+                <a:solidFill>
+                  <a:schemeClr val="bg1">
+                    <a:lumMod val="50000"/>
+                  </a:schemeClr>
+                </a:solidFill>
+                <a:latin typeface="Arial" pitchFamily="34" charset="0"/>
+                <a:cs typeface="Arial" pitchFamily="34" charset="0"/>
+              </a:rPr>
+              <a:t>CDOFileResource</a:t>
+            </a:r>
+            <a:endParaRPr lang="de-DE" b="1" i="1" smtClean="0">
+              <a:solidFill>
+                <a:schemeClr val="bg1">
+                  <a:lumMod val="50000"/>
+                </a:schemeClr>
+              </a:solidFill>
+              <a:latin typeface="Arial" pitchFamily="34" charset="0"/>
+              <a:cs typeface="Arial" pitchFamily="34" charset="0"/>
+            </a:endParaRPr>
+          </a:p>
+        </p:txBody>
+      </p:sp>
+      <p:sp>
+        <p:nvSpPr>
+          <p:cNvPr id="24" name="Rechteck 23"/>
+          <p:cNvSpPr/>
+          <p:nvPr/>
+        </p:nvSpPr>
+        <p:spPr>
+          <a:xfrm>
+            <a:off x="1403648" y="5881262"/>
+            <a:ext cx="2592288" cy="500066"/>
+          </a:xfrm>
+          <a:prstGeom prst="rect">
+            <a:avLst/>
+          </a:prstGeom>
+          <a:solidFill>
+            <a:schemeClr val="accent1">
+              <a:lumMod val="40000"/>
+              <a:lumOff val="60000"/>
+            </a:schemeClr>
+          </a:solidFill>
+          <a:ln w="28575">
+            <a:solidFill>
+              <a:schemeClr val="accent1">
+                <a:lumMod val="60000"/>
+                <a:lumOff val="40000"/>
+              </a:schemeClr>
+            </a:solidFill>
+          </a:ln>
+        </p:spPr>
+        <p:style>
+          <a:lnRef idx="2">
+            <a:schemeClr val="accent1">
+              <a:shade val="50000"/>
+            </a:schemeClr>
+          </a:lnRef>
+          <a:fillRef idx="1">
+            <a:schemeClr val="accent1"/>
+          </a:fillRef>
+          <a:effectRef idx="0">
+            <a:schemeClr val="accent1"/>
+          </a:effectRef>
+          <a:fontRef idx="minor">
+            <a:schemeClr val="lt1"/>
+          </a:fontRef>
+        </p:style>
+        <p:txBody>
+          <a:bodyPr rtlCol="0" anchor="ctr"/>
+          <a:lstStyle/>
+          <a:p>
+            <a:pPr algn="ctr"/>
+            <a:r>
+              <a:rPr lang="de-DE" b="1" smtClean="0">
+                <a:solidFill>
+                  <a:schemeClr val="bg1">
+                    <a:lumMod val="50000"/>
+                  </a:schemeClr>
+                </a:solidFill>
+                <a:latin typeface="Arial" pitchFamily="34" charset="0"/>
+                <a:cs typeface="Arial" pitchFamily="34" charset="0"/>
+              </a:rPr>
+              <a:t>CDOBinaryResource</a:t>
+            </a:r>
+          </a:p>
+        </p:txBody>
+      </p:sp>
+      <p:sp>
+        <p:nvSpPr>
+          <p:cNvPr id="25" name="Rechteck 24"/>
+          <p:cNvSpPr/>
+          <p:nvPr/>
+        </p:nvSpPr>
+        <p:spPr>
+          <a:xfrm>
+            <a:off x="4499992" y="5881262"/>
+            <a:ext cx="2232248" cy="500066"/>
+          </a:xfrm>
+          <a:prstGeom prst="rect">
+            <a:avLst/>
+          </a:prstGeom>
+          <a:solidFill>
+            <a:schemeClr val="accent1">
+              <a:lumMod val="40000"/>
+              <a:lumOff val="60000"/>
+            </a:schemeClr>
+          </a:solidFill>
+          <a:ln w="28575">
+            <a:solidFill>
+              <a:schemeClr val="accent1">
+                <a:lumMod val="60000"/>
+                <a:lumOff val="40000"/>
+              </a:schemeClr>
+            </a:solidFill>
+          </a:ln>
+        </p:spPr>
+        <p:style>
+          <a:lnRef idx="2">
+            <a:schemeClr val="accent1">
+              <a:shade val="50000"/>
+            </a:schemeClr>
+          </a:lnRef>
+          <a:fillRef idx="1">
+            <a:schemeClr val="accent1"/>
+          </a:fillRef>
+          <a:effectRef idx="0">
+            <a:schemeClr val="accent1"/>
+          </a:effectRef>
+          <a:fontRef idx="minor">
+            <a:schemeClr val="lt1"/>
+          </a:fontRef>
+        </p:style>
+        <p:txBody>
+          <a:bodyPr rtlCol="0" anchor="ctr"/>
+          <a:lstStyle/>
+          <a:p>
+            <a:pPr algn="ctr"/>
+            <a:r>
+              <a:rPr lang="de-DE" b="1" smtClean="0">
+                <a:solidFill>
+                  <a:schemeClr val="bg1">
+                    <a:lumMod val="50000"/>
+                  </a:schemeClr>
+                </a:solidFill>
+                <a:latin typeface="Arial" pitchFamily="34" charset="0"/>
+                <a:cs typeface="Arial" pitchFamily="34" charset="0"/>
+              </a:rPr>
+              <a:t>CDOTextResource</a:t>
+            </a:r>
+          </a:p>
+        </p:txBody>
+      </p:sp>
+    </p:spTree>
+  </p:cSld>
+  <p:clrMapOvr>
+    <a:masterClrMapping/>
+  </p:clrMapOvr>
+  <p:timing>
+    <p:tnLst>
+      <p:par>
+        <p:cTn id="1" dur="indefinite" restart="never" nodeType="tmRoot">
+          <p:childTnLst>
+            <p:seq concurrent="1" nextAc="seek">
+              <p:cTn id="2" dur="indefinite" nodeType="mainSeq">
+                <p:childTnLst>
+                  <p:par>
+                    <p:cTn id="3" fill="hold">
+                      <p:stCondLst>
+                        <p:cond delay="indefinite"/>
+                      </p:stCondLst>
+                      <p:childTnLst>
+                        <p:par>
+                          <p:cTn id="4" fill="hold">
+                            <p:stCondLst>
+                              <p:cond delay="0"/>
+                            </p:stCondLst>
+                            <p:childTnLst>
+                              <p:par>
+                                <p:cTn id="5" presetID="56" presetClass="path" presetSubtype="0" accel="50000" decel="50000" fill="hold" grpId="0" nodeType="clickEffect">
+                                  <p:stCondLst>
+                                    <p:cond delay="0"/>
+                                  </p:stCondLst>
+                                  <p:childTnLst>
+                                    <p:animMotion origin="layout" path="M 4.72222E-6 5.92044E-7 L 0.30347 -0.39316 " pathEditMode="relative" rAng="0" ptsTypes="AA">
+                                      <p:cBhvr>
+                                        <p:cTn id="6" dur="2000" fill="hold"/>
+                                        <p:tgtEl>
+                                          <p:spTgt spid="4"/>
+                                        </p:tgtEl>
+                                        <p:attrNameLst>
+                                          <p:attrName>ppt_x</p:attrName>
+                                          <p:attrName>ppt_y</p:attrName>
+                                        </p:attrNameLst>
+                                      </p:cBhvr>
+                                      <p:rCtr x="152" y="-197"/>
+                                    </p:animMotion>
+                                  </p:childTnLst>
+                                </p:cTn>
+                              </p:par>
+                            </p:childTnLst>
+                          </p:cTn>
+                        </p:par>
+                      </p:childTnLst>
+                    </p:cTn>
+                  </p:par>
+                  <p:par>
+                    <p:cTn id="7" fill="hold">
+                      <p:stCondLst>
+                        <p:cond delay="indefinite"/>
+                      </p:stCondLst>
+                      <p:childTnLst>
+                        <p:par>
+                          <p:cTn id="8" fill="hold">
+                            <p:stCondLst>
+                              <p:cond delay="0"/>
+                            </p:stCondLst>
+                            <p:childTnLst>
+                              <p:par>
+                                <p:cTn id="9" presetID="10" presetClass="entr" presetSubtype="0" fill="hold" grpId="0" nodeType="clickEffect">
+                                  <p:stCondLst>
+                                    <p:cond delay="0"/>
+                                  </p:stCondLst>
+                                  <p:childTnLst>
+                                    <p:set>
+                                      <p:cBhvr>
+                                        <p:cTn id="10" dur="1" fill="hold">
+                                          <p:stCondLst>
+                                            <p:cond delay="0"/>
+                                          </p:stCondLst>
+                                        </p:cTn>
+                                        <p:tgtEl>
+                                          <p:spTgt spid="10"/>
+                                        </p:tgtEl>
+                                        <p:attrNameLst>
+                                          <p:attrName>style.visibility</p:attrName>
+                                        </p:attrNameLst>
+                                      </p:cBhvr>
+                                      <p:to>
+                                        <p:strVal val="visible"/>
+                                      </p:to>
+                                    </p:set>
+                                    <p:animEffect transition="in" filter="fade">
+                                      <p:cBhvr>
+                                        <p:cTn id="11" dur="500"/>
+                                        <p:tgtEl>
+                                          <p:spTgt spid="10"/>
+                                        </p:tgtEl>
+                                      </p:cBhvr>
+                                    </p:animEffect>
+                                  </p:childTnLst>
+                                </p:cTn>
+                              </p:par>
+                              <p:par>
+                                <p:cTn id="12" presetID="10" presetClass="entr" presetSubtype="0" fill="hold" nodeType="withEffect">
+                                  <p:stCondLst>
+                                    <p:cond delay="0"/>
+                                  </p:stCondLst>
+                                  <p:childTnLst>
+                                    <p:set>
+                                      <p:cBhvr>
+                                        <p:cTn id="13" dur="1" fill="hold">
+                                          <p:stCondLst>
+                                            <p:cond delay="0"/>
+                                          </p:stCondLst>
+                                        </p:cTn>
+                                        <p:tgtEl>
+                                          <p:spTgt spid="11"/>
+                                        </p:tgtEl>
+                                        <p:attrNameLst>
+                                          <p:attrName>style.visibility</p:attrName>
+                                        </p:attrNameLst>
+                                      </p:cBhvr>
+                                      <p:to>
+                                        <p:strVal val="visible"/>
+                                      </p:to>
+                                    </p:set>
+                                    <p:animEffect transition="in" filter="fade">
+                                      <p:cBhvr>
+                                        <p:cTn id="14" dur="500"/>
+                                        <p:tgtEl>
+                                          <p:spTgt spid="11"/>
+                                        </p:tgtEl>
+                                      </p:cBhvr>
+                                    </p:animEffect>
+                                  </p:childTnLst>
+                                </p:cTn>
+                              </p:par>
+                              <p:par>
+                                <p:cTn id="15" presetID="10" presetClass="entr" presetSubtype="0" fill="hold" grpId="0" nodeType="withEffect">
+                                  <p:stCondLst>
+                                    <p:cond delay="0"/>
+                                  </p:stCondLst>
+                                  <p:childTnLst>
+                                    <p:set>
+                                      <p:cBhvr>
+                                        <p:cTn id="16" dur="1" fill="hold">
+                                          <p:stCondLst>
+                                            <p:cond delay="0"/>
+                                          </p:stCondLst>
+                                        </p:cTn>
+                                        <p:tgtEl>
+                                          <p:spTgt spid="12"/>
+                                        </p:tgtEl>
+                                        <p:attrNameLst>
+                                          <p:attrName>style.visibility</p:attrName>
+                                        </p:attrNameLst>
+                                      </p:cBhvr>
+                                      <p:to>
+                                        <p:strVal val="visible"/>
+                                      </p:to>
+                                    </p:set>
+                                    <p:animEffect transition="in" filter="fade">
+                                      <p:cBhvr>
+                                        <p:cTn id="17" dur="500"/>
+                                        <p:tgtEl>
+                                          <p:spTgt spid="12"/>
+                                        </p:tgtEl>
+                                      </p:cBhvr>
+                                    </p:animEffect>
+                                  </p:childTnLst>
+                                </p:cTn>
+                              </p:par>
+                            </p:childTnLst>
+                          </p:cTn>
+                        </p:par>
+                      </p:childTnLst>
+                    </p:cTn>
+                  </p:par>
+                  <p:par>
+                    <p:cTn id="18" fill="hold">
+                      <p:stCondLst>
+                        <p:cond delay="indefinite"/>
+                      </p:stCondLst>
+                      <p:childTnLst>
+                        <p:par>
+                          <p:cTn id="19" fill="hold">
+                            <p:stCondLst>
+                              <p:cond delay="0"/>
+                            </p:stCondLst>
+                            <p:childTnLst>
+                              <p:par>
+                                <p:cTn id="20" presetID="10" presetClass="entr" presetSubtype="0" fill="hold" grpId="0" nodeType="clickEffect">
+                                  <p:stCondLst>
+                                    <p:cond delay="0"/>
+                                  </p:stCondLst>
+                                  <p:childTnLst>
+                                    <p:set>
+                                      <p:cBhvr>
+                                        <p:cTn id="21" dur="1" fill="hold">
+                                          <p:stCondLst>
+                                            <p:cond delay="0"/>
+                                          </p:stCondLst>
+                                        </p:cTn>
+                                        <p:tgtEl>
+                                          <p:spTgt spid="13"/>
+                                        </p:tgtEl>
+                                        <p:attrNameLst>
+                                          <p:attrName>style.visibility</p:attrName>
+                                        </p:attrNameLst>
+                                      </p:cBhvr>
+                                      <p:to>
+                                        <p:strVal val="visible"/>
+                                      </p:to>
+                                    </p:set>
+                                    <p:animEffect transition="in" filter="fade">
+                                      <p:cBhvr>
+                                        <p:cTn id="22" dur="500"/>
+                                        <p:tgtEl>
+                                          <p:spTgt spid="13"/>
+                                        </p:tgtEl>
+                                      </p:cBhvr>
+                                    </p:animEffect>
+                                  </p:childTnLst>
+                                </p:cTn>
+                              </p:par>
+                              <p:par>
+                                <p:cTn id="23" presetID="10" presetClass="entr" presetSubtype="0" fill="hold" nodeType="withEffect">
+                                  <p:stCondLst>
+                                    <p:cond delay="0"/>
+                                  </p:stCondLst>
+                                  <p:childTnLst>
+                                    <p:set>
+                                      <p:cBhvr>
+                                        <p:cTn id="24" dur="1" fill="hold">
+                                          <p:stCondLst>
+                                            <p:cond delay="0"/>
+                                          </p:stCondLst>
+                                        </p:cTn>
+                                        <p:tgtEl>
+                                          <p:spTgt spid="14"/>
+                                        </p:tgtEl>
+                                        <p:attrNameLst>
+                                          <p:attrName>style.visibility</p:attrName>
+                                        </p:attrNameLst>
+                                      </p:cBhvr>
+                                      <p:to>
+                                        <p:strVal val="visible"/>
+                                      </p:to>
+                                    </p:set>
+                                    <p:animEffect transition="in" filter="fade">
+                                      <p:cBhvr>
+                                        <p:cTn id="25" dur="500"/>
+                                        <p:tgtEl>
+                                          <p:spTgt spid="14"/>
+                                        </p:tgtEl>
+                                      </p:cBhvr>
+                                    </p:animEffect>
+                                  </p:childTnLst>
+                                </p:cTn>
+                              </p:par>
+                              <p:par>
+                                <p:cTn id="26" presetID="10" presetClass="entr" presetSubtype="0" fill="hold" grpId="0" nodeType="withEffect">
+                                  <p:stCondLst>
+                                    <p:cond delay="0"/>
+                                  </p:stCondLst>
+                                  <p:childTnLst>
+                                    <p:set>
+                                      <p:cBhvr>
+                                        <p:cTn id="27" dur="1" fill="hold">
+                                          <p:stCondLst>
+                                            <p:cond delay="0"/>
+                                          </p:stCondLst>
+                                        </p:cTn>
+                                        <p:tgtEl>
+                                          <p:spTgt spid="15"/>
+                                        </p:tgtEl>
+                                        <p:attrNameLst>
+                                          <p:attrName>style.visibility</p:attrName>
+                                        </p:attrNameLst>
+                                      </p:cBhvr>
+                                      <p:to>
+                                        <p:strVal val="visible"/>
+                                      </p:to>
+                                    </p:set>
+                                    <p:animEffect transition="in" filter="fade">
+                                      <p:cBhvr>
+                                        <p:cTn id="28" dur="500"/>
+                                        <p:tgtEl>
+                                          <p:spTgt spid="15"/>
+                                        </p:tgtEl>
+                                      </p:cBhvr>
+                                    </p:animEffect>
+                                  </p:childTnLst>
+                                </p:cTn>
+                              </p:par>
+                            </p:childTnLst>
+                          </p:cTn>
+                        </p:par>
+                      </p:childTnLst>
+                    </p:cTn>
+                  </p:par>
+                  <p:par>
+                    <p:cTn id="29" fill="hold">
+                      <p:stCondLst>
+                        <p:cond delay="indefinite"/>
+                      </p:stCondLst>
+                      <p:childTnLst>
+                        <p:par>
+                          <p:cTn id="30" fill="hold">
+                            <p:stCondLst>
+                              <p:cond delay="0"/>
+                            </p:stCondLst>
+                            <p:childTnLst>
+                              <p:par>
+                                <p:cTn id="31" presetID="10" presetClass="entr" presetSubtype="0" fill="hold" nodeType="clickEffect">
+                                  <p:stCondLst>
+                                    <p:cond delay="0"/>
+                                  </p:stCondLst>
+                                  <p:childTnLst>
+                                    <p:set>
+                                      <p:cBhvr>
+                                        <p:cTn id="32" dur="1" fill="hold">
+                                          <p:stCondLst>
+                                            <p:cond delay="0"/>
+                                          </p:stCondLst>
+                                        </p:cTn>
+                                        <p:tgtEl>
+                                          <p:spTgt spid="17"/>
+                                        </p:tgtEl>
+                                        <p:attrNameLst>
+                                          <p:attrName>style.visibility</p:attrName>
+                                        </p:attrNameLst>
+                                      </p:cBhvr>
+                                      <p:to>
+                                        <p:strVal val="visible"/>
+                                      </p:to>
+                                    </p:set>
+                                    <p:animEffect transition="in" filter="fade">
+                                      <p:cBhvr>
+                                        <p:cTn id="33" dur="500"/>
+                                        <p:tgtEl>
+                                          <p:spTgt spid="17"/>
+                                        </p:tgtEl>
+                                      </p:cBhvr>
+                                    </p:animEffect>
+                                  </p:childTnLst>
+                                </p:cTn>
+                              </p:par>
+                              <p:par>
+                                <p:cTn id="34" presetID="10" presetClass="entr" presetSubtype="0" fill="hold" grpId="0" nodeType="withEffect">
+                                  <p:stCondLst>
+                                    <p:cond delay="0"/>
+                                  </p:stCondLst>
+                                  <p:childTnLst>
+                                    <p:set>
+                                      <p:cBhvr>
+                                        <p:cTn id="35" dur="1" fill="hold">
+                                          <p:stCondLst>
+                                            <p:cond delay="0"/>
+                                          </p:stCondLst>
+                                        </p:cTn>
+                                        <p:tgtEl>
+                                          <p:spTgt spid="16"/>
+                                        </p:tgtEl>
+                                        <p:attrNameLst>
+                                          <p:attrName>style.visibility</p:attrName>
+                                        </p:attrNameLst>
+                                      </p:cBhvr>
+                                      <p:to>
+                                        <p:strVal val="visible"/>
+                                      </p:to>
+                                    </p:set>
+                                    <p:animEffect transition="in" filter="fade">
+                                      <p:cBhvr>
+                                        <p:cTn id="36" dur="500"/>
+                                        <p:tgtEl>
+                                          <p:spTgt spid="16"/>
+                                        </p:tgtEl>
+                                      </p:cBhvr>
+                                    </p:animEffect>
+                                  </p:childTnLst>
+                                </p:cTn>
+                              </p:par>
+                              <p:par>
+                                <p:cTn id="37" presetID="10" presetClass="entr" presetSubtype="0" fill="hold" nodeType="withEffect">
+                                  <p:stCondLst>
+                                    <p:cond delay="0"/>
+                                  </p:stCondLst>
+                                  <p:childTnLst>
+                                    <p:set>
+                                      <p:cBhvr>
+                                        <p:cTn id="38" dur="1" fill="hold">
+                                          <p:stCondLst>
+                                            <p:cond delay="0"/>
+                                          </p:stCondLst>
+                                        </p:cTn>
+                                        <p:tgtEl>
+                                          <p:spTgt spid="18"/>
+                                        </p:tgtEl>
+                                        <p:attrNameLst>
+                                          <p:attrName>style.visibility</p:attrName>
+                                        </p:attrNameLst>
+                                      </p:cBhvr>
+                                      <p:to>
+                                        <p:strVal val="visible"/>
+                                      </p:to>
+                                    </p:set>
+                                    <p:animEffect transition="in" filter="fade">
+                                      <p:cBhvr>
+                                        <p:cTn id="39" dur="500"/>
+                                        <p:tgtEl>
+                                          <p:spTgt spid="18"/>
+                                        </p:tgtEl>
+                                      </p:cBhvr>
+                                    </p:animEffect>
+                                  </p:childTnLst>
+                                </p:cTn>
+                              </p:par>
+                              <p:par>
+                                <p:cTn id="40" presetID="10" presetClass="entr" presetSubtype="0" fill="hold" grpId="0" nodeType="withEffect">
+                                  <p:stCondLst>
+                                    <p:cond delay="0"/>
+                                  </p:stCondLst>
+                                  <p:childTnLst>
+                                    <p:set>
+                                      <p:cBhvr>
+                                        <p:cTn id="41" dur="1" fill="hold">
+                                          <p:stCondLst>
+                                            <p:cond delay="0"/>
+                                          </p:stCondLst>
+                                        </p:cTn>
+                                        <p:tgtEl>
+                                          <p:spTgt spid="21"/>
+                                        </p:tgtEl>
+                                        <p:attrNameLst>
+                                          <p:attrName>style.visibility</p:attrName>
+                                        </p:attrNameLst>
+                                      </p:cBhvr>
+                                      <p:to>
+                                        <p:strVal val="visible"/>
+                                      </p:to>
+                                    </p:set>
+                                    <p:animEffect transition="in" filter="fade">
+                                      <p:cBhvr>
+                                        <p:cTn id="42" dur="500"/>
+                                        <p:tgtEl>
+                                          <p:spTgt spid="21"/>
+                                        </p:tgtEl>
+                                      </p:cBhvr>
+                                    </p:animEffect>
+                                  </p:childTnLst>
+                                </p:cTn>
+                              </p:par>
+                              <p:par>
+                                <p:cTn id="43" presetID="10" presetClass="entr" presetSubtype="0" fill="hold" grpId="0" nodeType="withEffect">
+                                  <p:stCondLst>
+                                    <p:cond delay="0"/>
+                                  </p:stCondLst>
+                                  <p:childTnLst>
+                                    <p:set>
+                                      <p:cBhvr>
+                                        <p:cTn id="44" dur="1" fill="hold">
+                                          <p:stCondLst>
+                                            <p:cond delay="0"/>
+                                          </p:stCondLst>
+                                        </p:cTn>
+                                        <p:tgtEl>
+                                          <p:spTgt spid="23"/>
+                                        </p:tgtEl>
+                                        <p:attrNameLst>
+                                          <p:attrName>style.visibility</p:attrName>
+                                        </p:attrNameLst>
+                                      </p:cBhvr>
+                                      <p:to>
+                                        <p:strVal val="visible"/>
+                                      </p:to>
+                                    </p:set>
+                                    <p:animEffect transition="in" filter="fade">
+                                      <p:cBhvr>
+                                        <p:cTn id="45" dur="500"/>
+                                        <p:tgtEl>
+                                          <p:spTgt spid="23"/>
+                                        </p:tgtEl>
+                                      </p:cBhvr>
+                                    </p:animEffect>
+                                  </p:childTnLst>
+                                </p:cTn>
+                              </p:par>
+                              <p:par>
+                                <p:cTn id="46" presetID="10" presetClass="entr" presetSubtype="0" fill="hold" grpId="0" nodeType="withEffect">
+                                  <p:stCondLst>
+                                    <p:cond delay="0"/>
+                                  </p:stCondLst>
+                                  <p:childTnLst>
+                                    <p:set>
+                                      <p:cBhvr>
+                                        <p:cTn id="47" dur="1" fill="hold">
+                                          <p:stCondLst>
+                                            <p:cond delay="0"/>
+                                          </p:stCondLst>
+                                        </p:cTn>
+                                        <p:tgtEl>
+                                          <p:spTgt spid="24"/>
+                                        </p:tgtEl>
+                                        <p:attrNameLst>
+                                          <p:attrName>style.visibility</p:attrName>
+                                        </p:attrNameLst>
+                                      </p:cBhvr>
+                                      <p:to>
+                                        <p:strVal val="visible"/>
+                                      </p:to>
+                                    </p:set>
+                                    <p:animEffect transition="in" filter="fade">
+                                      <p:cBhvr>
+                                        <p:cTn id="48" dur="500"/>
+                                        <p:tgtEl>
+                                          <p:spTgt spid="24"/>
+                                        </p:tgtEl>
+                                      </p:cBhvr>
+                                    </p:animEffect>
+                                  </p:childTnLst>
+                                </p:cTn>
+                              </p:par>
+                              <p:par>
+                                <p:cTn id="49" presetID="10" presetClass="entr" presetSubtype="0" fill="hold" grpId="0" nodeType="withEffect">
+                                  <p:stCondLst>
+                                    <p:cond delay="0"/>
+                                  </p:stCondLst>
+                                  <p:childTnLst>
+                                    <p:set>
+                                      <p:cBhvr>
+                                        <p:cTn id="50" dur="1" fill="hold">
+                                          <p:stCondLst>
+                                            <p:cond delay="0"/>
+                                          </p:stCondLst>
+                                        </p:cTn>
+                                        <p:tgtEl>
+                                          <p:spTgt spid="25"/>
+                                        </p:tgtEl>
+                                        <p:attrNameLst>
+                                          <p:attrName>style.visibility</p:attrName>
+                                        </p:attrNameLst>
+                                      </p:cBhvr>
+                                      <p:to>
+                                        <p:strVal val="visible"/>
+                                      </p:to>
+                                    </p:set>
+                                    <p:animEffect transition="in" filter="fade">
+                                      <p:cBhvr>
+                                        <p:cTn id="51" dur="500"/>
+                                        <p:tgtEl>
+                                          <p:spTgt spid="25"/>
+                                        </p:tgtEl>
+                                      </p:cBhvr>
+                                    </p:animEffect>
+                                  </p:childTnLst>
+                                </p:cTn>
+                              </p:par>
+                            </p:childTnLst>
+                          </p:cTn>
+                        </p:par>
+                      </p:childTnLst>
+                    </p:cTn>
+                  </p:par>
+                  <p:par>
+                    <p:cTn id="52" fill="hold">
+                      <p:stCondLst>
+                        <p:cond delay="indefinite"/>
+                      </p:stCondLst>
+                      <p:childTnLst>
+                        <p:par>
+                          <p:cTn id="53" fill="hold">
+                            <p:stCondLst>
+                              <p:cond delay="0"/>
+                            </p:stCondLst>
+                            <p:childTnLst>
+                              <p:par>
+                                <p:cTn id="54" presetID="10" presetClass="entr" presetSubtype="0" fill="hold" grpId="0" nodeType="clickEffect">
+                                  <p:stCondLst>
+                                    <p:cond delay="0"/>
+                                  </p:stCondLst>
+                                  <p:childTnLst>
+                                    <p:set>
+                                      <p:cBhvr>
+                                        <p:cTn id="55" dur="1" fill="hold">
+                                          <p:stCondLst>
+                                            <p:cond delay="0"/>
+                                          </p:stCondLst>
+                                        </p:cTn>
+                                        <p:tgtEl>
+                                          <p:spTgt spid="26"/>
+                                        </p:tgtEl>
+                                        <p:attrNameLst>
+                                          <p:attrName>style.visibility</p:attrName>
+                                        </p:attrNameLst>
+                                      </p:cBhvr>
+                                      <p:to>
+                                        <p:strVal val="visible"/>
+                                      </p:to>
+                                    </p:set>
+                                    <p:animEffect transition="in" filter="fade">
+                                      <p:cBhvr>
+                                        <p:cTn id="56" dur="500"/>
+                                        <p:tgtEl>
+                                          <p:spTgt spid="26"/>
+                                        </p:tgtEl>
+                                      </p:cBhvr>
+                                    </p:animEffect>
+                                  </p:childTnLst>
+                                </p:cTn>
+                              </p:par>
+                              <p:par>
+                                <p:cTn id="57" presetID="10" presetClass="entr" presetSubtype="0" fill="hold" nodeType="withEffect">
+                                  <p:stCondLst>
+                                    <p:cond delay="0"/>
+                                  </p:stCondLst>
+                                  <p:childTnLst>
+                                    <p:set>
+                                      <p:cBhvr>
+                                        <p:cTn id="58" dur="1" fill="hold">
+                                          <p:stCondLst>
+                                            <p:cond delay="0"/>
+                                          </p:stCondLst>
+                                        </p:cTn>
+                                        <p:tgtEl>
+                                          <p:spTgt spid="27"/>
+                                        </p:tgtEl>
+                                        <p:attrNameLst>
+                                          <p:attrName>style.visibility</p:attrName>
+                                        </p:attrNameLst>
+                                      </p:cBhvr>
+                                      <p:to>
+                                        <p:strVal val="visible"/>
+                                      </p:to>
+                                    </p:set>
+                                    <p:animEffect transition="in" filter="fade">
+                                      <p:cBhvr>
+                                        <p:cTn id="59" dur="500"/>
+                                        <p:tgtEl>
+                                          <p:spTgt spid="27"/>
+                                        </p:tgtEl>
+                                      </p:cBhvr>
+                                    </p:animEffect>
+                                  </p:childTnLst>
+                                </p:cTn>
+                              </p:par>
+                            </p:childTnLst>
+                          </p:cTn>
+                        </p:par>
+                      </p:childTnLst>
+                    </p:cTn>
+                  </p:par>
+                  <p:par>
+                    <p:cTn id="60" fill="hold">
+                      <p:stCondLst>
+                        <p:cond delay="indefinite"/>
+                      </p:stCondLst>
+                      <p:childTnLst>
+                        <p:par>
+                          <p:cTn id="61" fill="hold">
+                            <p:stCondLst>
+                              <p:cond delay="0"/>
+                            </p:stCondLst>
+                            <p:childTnLst>
+                              <p:par>
+                                <p:cTn id="62" presetID="10" presetClass="entr" presetSubtype="0" fill="hold" nodeType="clickEffect">
+                                  <p:stCondLst>
+                                    <p:cond delay="0"/>
+                                  </p:stCondLst>
+                                  <p:childTnLst>
+                                    <p:set>
+                                      <p:cBhvr>
+                                        <p:cTn id="63" dur="1" fill="hold">
+                                          <p:stCondLst>
+                                            <p:cond delay="0"/>
+                                          </p:stCondLst>
+                                        </p:cTn>
+                                        <p:tgtEl>
+                                          <p:spTgt spid="28"/>
+                                        </p:tgtEl>
+                                        <p:attrNameLst>
+                                          <p:attrName>style.visibility</p:attrName>
+                                        </p:attrNameLst>
+                                      </p:cBhvr>
+                                      <p:to>
+                                        <p:strVal val="visible"/>
+                                      </p:to>
+                                    </p:set>
+                                    <p:animEffect transition="in" filter="fade">
+                                      <p:cBhvr>
+                                        <p:cTn id="64" dur="500"/>
+                                        <p:tgtEl>
+                                          <p:spTgt spid="28"/>
+                                        </p:tgtEl>
+                                      </p:cBhvr>
+                                    </p:animEffect>
+                                  </p:childTnLst>
+                                </p:cTn>
+                              </p:par>
+                            </p:childTnLst>
+                          </p:cTn>
+                        </p:par>
+                      </p:childTnLst>
+                    </p:cTn>
+                  </p:par>
+                  <p:par>
+                    <p:cTn id="65" fill="hold">
+                      <p:stCondLst>
+                        <p:cond delay="indefinite"/>
+                      </p:stCondLst>
+                      <p:childTnLst>
+                        <p:par>
+                          <p:cTn id="66" fill="hold">
+                            <p:stCondLst>
+                              <p:cond delay="0"/>
+                            </p:stCondLst>
+                            <p:childTnLst>
+                              <p:par>
+                                <p:cTn id="67" presetID="10" presetClass="entr" presetSubtype="0" fill="hold" grpId="0" nodeType="clickEffect">
+                                  <p:stCondLst>
+                                    <p:cond delay="0"/>
+                                  </p:stCondLst>
+                                  <p:childTnLst>
+                                    <p:set>
+                                      <p:cBhvr>
+                                        <p:cTn id="68" dur="1" fill="hold">
+                                          <p:stCondLst>
+                                            <p:cond delay="0"/>
+                                          </p:stCondLst>
+                                        </p:cTn>
+                                        <p:tgtEl>
+                                          <p:spTgt spid="31"/>
+                                        </p:tgtEl>
+                                        <p:attrNameLst>
+                                          <p:attrName>style.visibility</p:attrName>
+                                        </p:attrNameLst>
+                                      </p:cBhvr>
+                                      <p:to>
+                                        <p:strVal val="visible"/>
+                                      </p:to>
+                                    </p:set>
+                                    <p:animEffect transition="in" filter="fade">
+                                      <p:cBhvr>
+                                        <p:cTn id="69" dur="500"/>
+                                        <p:tgtEl>
+                                          <p:spTgt spid="31"/>
+                                        </p:tgtEl>
+                                      </p:cBhvr>
+                                    </p:animEffect>
+                                  </p:childTnLst>
+                                </p:cTn>
+                              </p:par>
+                              <p:par>
+                                <p:cTn id="70" presetID="10" presetClass="entr" presetSubtype="0" fill="hold" nodeType="withEffect">
+                                  <p:stCondLst>
+                                    <p:cond delay="0"/>
+                                  </p:stCondLst>
+                                  <p:childTnLst>
+                                    <p:set>
+                                      <p:cBhvr>
+                                        <p:cTn id="71" dur="1" fill="hold">
+                                          <p:stCondLst>
+                                            <p:cond delay="0"/>
+                                          </p:stCondLst>
+                                        </p:cTn>
+                                        <p:tgtEl>
+                                          <p:spTgt spid="32"/>
+                                        </p:tgtEl>
+                                        <p:attrNameLst>
+                                          <p:attrName>style.visibility</p:attrName>
+                                        </p:attrNameLst>
+                                      </p:cBhvr>
+                                      <p:to>
+                                        <p:strVal val="visible"/>
+                                      </p:to>
+                                    </p:set>
+                                    <p:animEffect transition="in" filter="fade">
+                                      <p:cBhvr>
+                                        <p:cTn id="72" dur="500"/>
+                                        <p:tgtEl>
+                                          <p:spTgt spid="32"/>
+                                        </p:tgtEl>
+                                      </p:cBhvr>
+                                    </p:animEffect>
+                                  </p:childTnLst>
+                                </p:cTn>
+                              </p:par>
+                            </p:childTnLst>
+                          </p:cTn>
+                        </p:par>
+                      </p:childTnLst>
+                    </p:cTn>
+                  </p:par>
+                  <p:par>
+                    <p:cTn id="73" fill="hold">
+                      <p:stCondLst>
+                        <p:cond delay="indefinite"/>
+                      </p:stCondLst>
+                      <p:childTnLst>
+                        <p:par>
+                          <p:cTn id="74" fill="hold">
+                            <p:stCondLst>
+                              <p:cond delay="0"/>
+                            </p:stCondLst>
+                            <p:childTnLst>
+                              <p:par>
+                                <p:cTn id="75" presetID="10" presetClass="entr" presetSubtype="0" fill="hold" nodeType="clickEffect">
+                                  <p:stCondLst>
+                                    <p:cond delay="0"/>
+                                  </p:stCondLst>
+                                  <p:childTnLst>
+                                    <p:set>
+                                      <p:cBhvr>
+                                        <p:cTn id="76" dur="1" fill="hold">
+                                          <p:stCondLst>
+                                            <p:cond delay="0"/>
+                                          </p:stCondLst>
+                                        </p:cTn>
+                                        <p:tgtEl>
+                                          <p:spTgt spid="33"/>
+                                        </p:tgtEl>
+                                        <p:attrNameLst>
+                                          <p:attrName>style.visibility</p:attrName>
+                                        </p:attrNameLst>
+                                      </p:cBhvr>
+                                      <p:to>
+                                        <p:strVal val="visible"/>
+                                      </p:to>
+                                    </p:set>
+                                    <p:animEffect transition="in" filter="fade">
+                                      <p:cBhvr>
+                                        <p:cTn id="77" dur="500"/>
+                                        <p:tgtEl>
+                                          <p:spTgt spid="33"/>
+                                        </p:tgtEl>
+                                      </p:cBhvr>
+                                    </p:animEffect>
+                                  </p:childTnLst>
+                                </p:cTn>
+                              </p:par>
+                            </p:childTnLst>
+                          </p:cTn>
+                        </p:par>
+                      </p:childTnLst>
+                    </p:cTn>
+                  </p:par>
+                </p:childTnLst>
+              </p:cTn>
+              <p:prevCondLst>
+                <p:cond evt="onPrev" delay="0">
+                  <p:tgtEl>
+                    <p:sldTgt/>
+                  </p:tgtEl>
+                </p:cond>
+              </p:prevCondLst>
+              <p:nextCondLst>
+                <p:cond evt="onNext" delay="0">
+                  <p:tgtEl>
+                    <p:sldTgt/>
+                  </p:tgtEl>
+                </p:cond>
+              </p:nextCondLst>
+            </p:seq>
+          </p:childTnLst>
+        </p:cTn>
+      </p:par>
+    </p:tnLst>
+    <p:bldLst>
+      <p:bldP spid="10" grpId="0" animBg="1"/>
+      <p:bldP spid="13" grpId="0" animBg="1"/>
+      <p:bldP spid="26" grpId="0" animBg="1"/>
+      <p:bldP spid="31" grpId="0" animBg="1"/>
+      <p:bldP spid="4" grpId="0" animBg="1"/>
+      <p:bldP spid="12" grpId="0" animBg="1"/>
+      <p:bldP spid="15" grpId="0" animBg="1"/>
+      <p:bldP spid="16" grpId="0" animBg="1"/>
+      <p:bldP spid="21" grpId="0" animBg="1"/>
+      <p:bldP spid="23" grpId="0" animBg="1"/>
+      <p:bldP spid="24" grpId="0" animBg="1"/>
+      <p:bldP spid="25" grpId="0" animBg="1"/>
+    </p:bldLst>
+  </p:timing>
+</p:sld>
+</file>
+
+<file path=ppt/slides/slide9.xml><?xml version="1.0" encoding="utf-8"?>
+<p:sld xmlns:a="http://schemas.openxmlformats.org/drawingml/2006/main" xmlns:r="http://schemas.openxmlformats.org/officeDocument/2006/relationships" xmlns:p="http://schemas.openxmlformats.org/presentationml/2006/main">
+  <p:cSld>
+    <p:spTree>
+      <p:nvGrpSpPr>
+        <p:cNvPr id="1" name=""/>
+        <p:cNvGrpSpPr/>
+        <p:nvPr/>
+      </p:nvGrpSpPr>
+      <p:grpSpPr>
+        <a:xfrm>
+          <a:off x="0" y="0"/>
+          <a:ext cx="0" cy="0"/>
+          <a:chOff x="0" y="0"/>
+          <a:chExt cx="0" cy="0"/>
+        </a:xfrm>
+      </p:grpSpPr>
+      <p:pic>
+        <p:nvPicPr>
+          <p:cNvPr id="2" name="Picture 2"/>
+          <p:cNvPicPr>
+            <a:picLocks noChangeAspect="1" noChangeArrowheads="1"/>
+          </p:cNvPicPr>
+          <p:nvPr/>
+        </p:nvPicPr>
+        <p:blipFill>
+          <a:blip r:embed="rId2" cstate="print"/>
+          <a:srcRect/>
+          <a:stretch>
+            <a:fillRect/>
+          </a:stretch>
+        </p:blipFill>
+        <p:spPr bwMode="auto">
+          <a:xfrm>
+            <a:off x="2843808" y="2420888"/>
+            <a:ext cx="3173736" cy="2000254"/>
+          </a:xfrm>
+          <a:prstGeom prst="rect">
+            <a:avLst/>
+          </a:prstGeom>
+          <a:noFill/>
+          <a:ln w="9525">
+            <a:noFill/>
+            <a:miter lim="800000"/>
+            <a:headEnd/>
+            <a:tailEnd/>
+          </a:ln>
+        </p:spPr>
+      </p:pic>
+    </p:spTree>
+  </p:cSld>
+  <p:clrMapOvr>
+    <a:masterClrMapping/>
+  </p:clrMapOvr>
+  <p:timing>
+    <p:tnLst>
+      <p:par>
+        <p:cTn id="1" dur="indefinite" restart="never" nodeType="tmRoot">
+          <p:childTnLst>
+            <p:seq concurrent="1" nextAc="seek">
+              <p:cTn id="2" dur="indefinite" nodeType="mainSeq">
+                <p:childTnLst>
+                  <p:par>
+                    <p:cTn id="3" fill="hold">
+                      <p:stCondLst>
+                        <p:cond delay="indefinite"/>
+                      </p:stCondLst>
+                      <p:childTnLst>
+                        <p:par>
+                          <p:cTn id="4" fill="hold">
+                            <p:stCondLst>
+                              <p:cond delay="0"/>
+                            </p:stCondLst>
+                            <p:childTnLst>
+                              <p:par>
+                                <p:cTn id="5" presetID="10" presetClass="entr" presetSubtype="0" fill="hold" nodeType="clickEffect">
+                                  <p:stCondLst>
+                                    <p:cond delay="0"/>
+                                  </p:stCondLst>
+                                  <p:childTnLst>
+                                    <p:set>
+                                      <p:cBhvr>
+                                        <p:cTn id="6" dur="1" fill="hold">
+                                          <p:stCondLst>
+                                            <p:cond delay="0"/>
+                                          </p:stCondLst>
+                                        </p:cTn>
+                                        <p:tgtEl>
+                                          <p:spTgt spid="2"/>
+                                        </p:tgtEl>
+                                        <p:attrNameLst>
+                                          <p:attrName>style.visibility</p:attrName>
+                                        </p:attrNameLst>
+                                      </p:cBhvr>
+                                      <p:to>
+                                        <p:strVal val="visible"/>
+                                      </p:to>
+                                    </p:set>
+                                    <p:animEffect transition="in" filter="fade">
+                                      <p:cBhvr>
+                                        <p:cTn id="7" dur="1000"/>
+                                        <p:tgtEl>
+                                          <p:spTgt spid="2"/>
+                                        </p:tgtEl>
+                                      </p:cBhvr>
+                                    </p:animEffect>
+                                  </p:childTnLst>
+                                </p:cTn>
+                              </p:par>
+                            </p:childTnLst>
+                          </p:cTn>
+                        </p:par>
+                      </p:childTnLst>
+                    </p:cTn>
+                  </p:par>
+                </p:childTnLst>
+              </p:cTn>
+              <p:prevCondLst>
+                <p:cond evt="onPrev" delay="0">
+                  <p:tgtEl>
+                    <p:sldTgt/>
+                  </p:tgtEl>
+                </p:cond>
+              </p:prevCondLst>
+              <p:nextCondLst>
+                <p:cond evt="onNext" delay="0">
+                  <p:tgtEl>
+                    <p:sldTgt/>
+                  </p:tgtEl>
+                </p:cond>
+              </p:nextCondLst>
+            </p:seq>
+          </p:childTnLst>
+        </p:cTn>
+      </p:par>
+    </p:tnLst>
+  </p:timing>
+</p:sld>
+</file>
+
 <file path=ppt/theme/theme1.xml><?xml version="1.0" encoding="utf-8"?>
 <a:theme xmlns:a="http://schemas.openxmlformats.org/drawingml/2006/main" name="Larissa-Design">
   <a:themeElements>
